--- a/postfix/postfix-preso-debian.pptx
+++ b/postfix/postfix-preso-debian.pptx
@@ -5,7 +5,7 @@
     <p:sldMasterId id="2147483648" r:id="rId1"/>
   </p:sldMasterIdLst>
   <p:notesMasterIdLst>
-    <p:notesMasterId r:id="rId40"/>
+    <p:notesMasterId r:id="rId37"/>
   </p:notesMasterIdLst>
   <p:sldIdLst>
     <p:sldId id="272" r:id="rId2"/>
@@ -36,16 +36,13 @@
     <p:sldId id="270" r:id="rId27"/>
     <p:sldId id="271" r:id="rId28"/>
     <p:sldId id="283" r:id="rId29"/>
-    <p:sldId id="284" r:id="rId30"/>
-    <p:sldId id="285" r:id="rId31"/>
-    <p:sldId id="286" r:id="rId32"/>
-    <p:sldId id="287" r:id="rId33"/>
-    <p:sldId id="288" r:id="rId34"/>
-    <p:sldId id="289" r:id="rId35"/>
-    <p:sldId id="290" r:id="rId36"/>
-    <p:sldId id="291" r:id="rId37"/>
-    <p:sldId id="292" r:id="rId38"/>
-    <p:sldId id="293" r:id="rId39"/>
+    <p:sldId id="294" r:id="rId30"/>
+    <p:sldId id="296" r:id="rId31"/>
+    <p:sldId id="299" r:id="rId32"/>
+    <p:sldId id="297" r:id="rId33"/>
+    <p:sldId id="295" r:id="rId34"/>
+    <p:sldId id="298" r:id="rId35"/>
+    <p:sldId id="300" r:id="rId36"/>
   </p:sldIdLst>
   <p:sldSz cx="9144000" cy="6858000" type="screen4x3"/>
   <p:notesSz cx="6858000" cy="9144000"/>
@@ -495,1095 +492,6 @@
     </a:lvl9pPr>
   </p:notesStyle>
 </p:notesMaster>
-</file>
-
-<file path=ppt/notesSlides/notesSlide1.xml><?xml version="1.0" encoding="utf-8"?>
-<p:notes xmlns:a="http://schemas.openxmlformats.org/drawingml/2006/main" xmlns:r="http://schemas.openxmlformats.org/officeDocument/2006/relationships" xmlns:p="http://schemas.openxmlformats.org/presentationml/2006/main">
-  <p:cSld>
-    <p:bg>
-      <p:bgPr>
-        <a:solidFill>
-          <a:srgbClr val="FFFFFF"/>
-        </a:solidFill>
-        <a:effectLst/>
-      </p:bgPr>
-    </p:bg>
-    <p:spTree>
-      <p:nvGrpSpPr>
-        <p:cNvPr id="1" name=""/>
-        <p:cNvGrpSpPr/>
-        <p:nvPr/>
-      </p:nvGrpSpPr>
-      <p:grpSpPr>
-        <a:xfrm>
-          <a:off x="0" y="0"/>
-          <a:ext cx="0" cy="0"/>
-          <a:chOff x="0" y="0"/>
-          <a:chExt cx="0" cy="0"/>
-        </a:xfrm>
-      </p:grpSpPr>
-      <p:sp>
-        <p:nvSpPr>
-          <p:cNvPr id="23554" name="Rectangle 6"/>
-          <p:cNvSpPr>
-            <a:spLocks noGrp="1" noChangeArrowheads="1"/>
-          </p:cNvSpPr>
-          <p:nvPr>
-            <p:ph type="sldNum" sz="quarter"/>
-          </p:nvPr>
-        </p:nvSpPr>
-        <p:spPr>
-          <a:noFill/>
-          <a:ln/>
-          <a:extLst>
-            <a:ext uri="{909E8E84-426E-40dd-AFC4-6F175D3DCCD1}">
-              <a14:hiddenFill xmlns:a14="http://schemas.microsoft.com/office/drawing/2010/main">
-                <a:solidFill>
-                  <a:srgbClr val="FFFFFF"/>
-                </a:solidFill>
-              </a14:hiddenFill>
-            </a:ext>
-            <a:ext uri="{91240B29-F687-4f45-9708-019B960494DF}">
-              <a14:hiddenLine xmlns:a14="http://schemas.microsoft.com/office/drawing/2010/main" w="9525">
-                <a:solidFill>
-                  <a:srgbClr val="000000"/>
-                </a:solidFill>
-                <a:round/>
-                <a:headEnd/>
-                <a:tailEnd/>
-              </a14:hiddenLine>
-            </a:ext>
-          </a:extLst>
-        </p:spPr>
-        <p:txBody>
-          <a:bodyPr/>
-          <a:lstStyle>
-            <a:lvl1pPr eaLnBrk="0">
-              <a:tabLst>
-                <a:tab pos="649628" algn="l"/>
-                <a:tab pos="1299256" algn="l"/>
-                <a:tab pos="1948884" algn="l"/>
-                <a:tab pos="2598511" algn="l"/>
-              </a:tabLst>
-              <a:defRPr sz="2200">
-                <a:solidFill>
-                  <a:schemeClr val="tx1"/>
-                </a:solidFill>
-                <a:latin typeface="Arial" charset="0"/>
-                <a:ea typeface="ＭＳ Ｐゴシック" charset="0"/>
-                <a:cs typeface="ＭＳ Ｐゴシック" charset="0"/>
-              </a:defRPr>
-            </a:lvl1pPr>
-            <a:lvl2pPr marL="666723" indent="-256432" eaLnBrk="0">
-              <a:tabLst>
-                <a:tab pos="649628" algn="l"/>
-                <a:tab pos="1299256" algn="l"/>
-                <a:tab pos="1948884" algn="l"/>
-                <a:tab pos="2598511" algn="l"/>
-              </a:tabLst>
-              <a:defRPr sz="2200">
-                <a:solidFill>
-                  <a:schemeClr val="tx1"/>
-                </a:solidFill>
-                <a:latin typeface="Arial" charset="0"/>
-                <a:ea typeface="ＭＳ Ｐゴシック" charset="0"/>
-              </a:defRPr>
-            </a:lvl2pPr>
-            <a:lvl3pPr marL="1025728" indent="-205146" eaLnBrk="0">
-              <a:tabLst>
-                <a:tab pos="649628" algn="l"/>
-                <a:tab pos="1299256" algn="l"/>
-                <a:tab pos="1948884" algn="l"/>
-                <a:tab pos="2598511" algn="l"/>
-              </a:tabLst>
-              <a:defRPr sz="2200">
-                <a:solidFill>
-                  <a:schemeClr val="tx1"/>
-                </a:solidFill>
-                <a:latin typeface="Arial" charset="0"/>
-                <a:ea typeface="ＭＳ Ｐゴシック" charset="0"/>
-              </a:defRPr>
-            </a:lvl3pPr>
-            <a:lvl4pPr marL="1436019" indent="-205146" eaLnBrk="0">
-              <a:tabLst>
-                <a:tab pos="649628" algn="l"/>
-                <a:tab pos="1299256" algn="l"/>
-                <a:tab pos="1948884" algn="l"/>
-                <a:tab pos="2598511" algn="l"/>
-              </a:tabLst>
-              <a:defRPr sz="2200">
-                <a:solidFill>
-                  <a:schemeClr val="tx1"/>
-                </a:solidFill>
-                <a:latin typeface="Arial" charset="0"/>
-                <a:ea typeface="ＭＳ Ｐゴシック" charset="0"/>
-              </a:defRPr>
-            </a:lvl4pPr>
-            <a:lvl5pPr marL="1846311" indent="-205146" eaLnBrk="0">
-              <a:tabLst>
-                <a:tab pos="649628" algn="l"/>
-                <a:tab pos="1299256" algn="l"/>
-                <a:tab pos="1948884" algn="l"/>
-                <a:tab pos="2598511" algn="l"/>
-              </a:tabLst>
-              <a:defRPr sz="2200">
-                <a:solidFill>
-                  <a:schemeClr val="tx1"/>
-                </a:solidFill>
-                <a:latin typeface="Arial" charset="0"/>
-                <a:ea typeface="ＭＳ Ｐゴシック" charset="0"/>
-              </a:defRPr>
-            </a:lvl5pPr>
-            <a:lvl6pPr marL="2256602" indent="-205146" eaLnBrk="0" fontAlgn="base" hangingPunct="0">
-              <a:lnSpc>
-                <a:spcPct val="96000"/>
-              </a:lnSpc>
-              <a:spcBef>
-                <a:spcPct val="0"/>
-              </a:spcBef>
-              <a:spcAft>
-                <a:spcPct val="0"/>
-              </a:spcAft>
-              <a:buClr>
-                <a:srgbClr val="000000"/>
-              </a:buClr>
-              <a:buSzPct val="45000"/>
-              <a:buFont typeface="Wingdings" charset="0"/>
-              <a:tabLst>
-                <a:tab pos="649628" algn="l"/>
-                <a:tab pos="1299256" algn="l"/>
-                <a:tab pos="1948884" algn="l"/>
-                <a:tab pos="2598511" algn="l"/>
-              </a:tabLst>
-              <a:defRPr sz="2200">
-                <a:solidFill>
-                  <a:schemeClr val="tx1"/>
-                </a:solidFill>
-                <a:latin typeface="Arial" charset="0"/>
-                <a:ea typeface="ＭＳ Ｐゴシック" charset="0"/>
-              </a:defRPr>
-            </a:lvl6pPr>
-            <a:lvl7pPr marL="2666893" indent="-205146" eaLnBrk="0" fontAlgn="base" hangingPunct="0">
-              <a:lnSpc>
-                <a:spcPct val="96000"/>
-              </a:lnSpc>
-              <a:spcBef>
-                <a:spcPct val="0"/>
-              </a:spcBef>
-              <a:spcAft>
-                <a:spcPct val="0"/>
-              </a:spcAft>
-              <a:buClr>
-                <a:srgbClr val="000000"/>
-              </a:buClr>
-              <a:buSzPct val="45000"/>
-              <a:buFont typeface="Wingdings" charset="0"/>
-              <a:tabLst>
-                <a:tab pos="649628" algn="l"/>
-                <a:tab pos="1299256" algn="l"/>
-                <a:tab pos="1948884" algn="l"/>
-                <a:tab pos="2598511" algn="l"/>
-              </a:tabLst>
-              <a:defRPr sz="2200">
-                <a:solidFill>
-                  <a:schemeClr val="tx1"/>
-                </a:solidFill>
-                <a:latin typeface="Arial" charset="0"/>
-                <a:ea typeface="ＭＳ Ｐゴシック" charset="0"/>
-              </a:defRPr>
-            </a:lvl7pPr>
-            <a:lvl8pPr marL="3077185" indent="-205146" eaLnBrk="0" fontAlgn="base" hangingPunct="0">
-              <a:lnSpc>
-                <a:spcPct val="96000"/>
-              </a:lnSpc>
-              <a:spcBef>
-                <a:spcPct val="0"/>
-              </a:spcBef>
-              <a:spcAft>
-                <a:spcPct val="0"/>
-              </a:spcAft>
-              <a:buClr>
-                <a:srgbClr val="000000"/>
-              </a:buClr>
-              <a:buSzPct val="45000"/>
-              <a:buFont typeface="Wingdings" charset="0"/>
-              <a:tabLst>
-                <a:tab pos="649628" algn="l"/>
-                <a:tab pos="1299256" algn="l"/>
-                <a:tab pos="1948884" algn="l"/>
-                <a:tab pos="2598511" algn="l"/>
-              </a:tabLst>
-              <a:defRPr sz="2200">
-                <a:solidFill>
-                  <a:schemeClr val="tx1"/>
-                </a:solidFill>
-                <a:latin typeface="Arial" charset="0"/>
-                <a:ea typeface="ＭＳ Ｐゴシック" charset="0"/>
-              </a:defRPr>
-            </a:lvl8pPr>
-            <a:lvl9pPr marL="3487476" indent="-205146" eaLnBrk="0" fontAlgn="base" hangingPunct="0">
-              <a:lnSpc>
-                <a:spcPct val="96000"/>
-              </a:lnSpc>
-              <a:spcBef>
-                <a:spcPct val="0"/>
-              </a:spcBef>
-              <a:spcAft>
-                <a:spcPct val="0"/>
-              </a:spcAft>
-              <a:buClr>
-                <a:srgbClr val="000000"/>
-              </a:buClr>
-              <a:buSzPct val="45000"/>
-              <a:buFont typeface="Wingdings" charset="0"/>
-              <a:tabLst>
-                <a:tab pos="649628" algn="l"/>
-                <a:tab pos="1299256" algn="l"/>
-                <a:tab pos="1948884" algn="l"/>
-                <a:tab pos="2598511" algn="l"/>
-              </a:tabLst>
-              <a:defRPr sz="2200">
-                <a:solidFill>
-                  <a:schemeClr val="tx1"/>
-                </a:solidFill>
-                <a:latin typeface="Arial" charset="0"/>
-                <a:ea typeface="ＭＳ Ｐゴシック" charset="0"/>
-              </a:defRPr>
-            </a:lvl9pPr>
-          </a:lstStyle>
-          <a:p>
-            <a:pPr eaLnBrk="1"/>
-            <a:fld id="{18D54B56-7AB9-E64E-9A46-D679633D8D76}" type="slidenum">
-              <a:rPr lang="en-GB" sz="1300">
-                <a:solidFill>
-                  <a:srgbClr val="000000"/>
-                </a:solidFill>
-                <a:latin typeface="Times New Roman" charset="0"/>
-              </a:rPr>
-              <a:pPr eaLnBrk="1"/>
-              <a:t>34</a:t>
-            </a:fld>
-            <a:endParaRPr lang="en-GB" sz="1300">
-              <a:solidFill>
-                <a:srgbClr val="000000"/>
-              </a:solidFill>
-              <a:latin typeface="Times New Roman" charset="0"/>
-            </a:endParaRPr>
-          </a:p>
-        </p:txBody>
-      </p:sp>
-      <p:sp>
-        <p:nvSpPr>
-          <p:cNvPr id="23555" name="Text Box 1"/>
-          <p:cNvSpPr>
-            <a:spLocks noGrp="1" noRot="1" noChangeAspect="1" noChangeArrowheads="1"/>
-          </p:cNvSpPr>
-          <p:nvPr>
-            <p:ph type="sldImg"/>
-          </p:nvPr>
-        </p:nvSpPr>
-        <p:spPr>
-          <a:xfrm>
-            <a:off x="1210236" y="694171"/>
-            <a:ext cx="4437529" cy="3429000"/>
-          </a:xfrm>
-          <a:solidFill>
-            <a:srgbClr val="FFFFFF"/>
-          </a:solidFill>
-          <a:ln>
-            <a:solidFill>
-              <a:srgbClr val="000000"/>
-            </a:solidFill>
-            <a:miter lim="800000"/>
-            <a:headEnd/>
-            <a:tailEnd/>
-          </a:ln>
-        </p:spPr>
-      </p:sp>
-      <p:sp>
-        <p:nvSpPr>
-          <p:cNvPr id="23556" name="Text Box 2"/>
-          <p:cNvSpPr>
-            <a:spLocks noGrp="1" noChangeArrowheads="1"/>
-          </p:cNvSpPr>
-          <p:nvPr>
-            <p:ph type="body" idx="1"/>
-          </p:nvPr>
-        </p:nvSpPr>
-        <p:spPr>
-          <a:xfrm>
-            <a:off x="686360" y="4342534"/>
-            <a:ext cx="5486681" cy="4033693"/>
-          </a:xfrm>
-          <a:noFill/>
-          <a:ln/>
-          <a:extLst>
-            <a:ext uri="{909E8E84-426E-40dd-AFC4-6F175D3DCCD1}">
-              <a14:hiddenFill xmlns:a14="http://schemas.microsoft.com/office/drawing/2010/main">
-                <a:solidFill>
-                  <a:srgbClr val="FFFFFF"/>
-                </a:solidFill>
-              </a14:hiddenFill>
-            </a:ext>
-            <a:ext uri="{91240B29-F687-4f45-9708-019B960494DF}">
-              <a14:hiddenLine xmlns:a14="http://schemas.microsoft.com/office/drawing/2010/main" w="9525">
-                <a:solidFill>
-                  <a:srgbClr val="000000"/>
-                </a:solidFill>
-                <a:round/>
-                <a:headEnd/>
-                <a:tailEnd/>
-              </a14:hiddenLine>
-            </a:ext>
-            <a:ext uri="{FAA26D3D-D897-4be2-8F04-BA451C77F1D7}">
-              <ma14:placeholderFlag xmlns:ma14="http://schemas.microsoft.com/office/mac/drawingml/2011/main" val="1"/>
-            </a:ext>
-          </a:extLst>
-        </p:spPr>
-        <p:txBody>
-          <a:bodyPr wrap="none" anchor="ctr"/>
-          <a:lstStyle/>
-          <a:p>
-            <a:endParaRPr lang="en-US">
-              <a:latin typeface="Times New Roman" charset="0"/>
-              <a:ea typeface="ＭＳ Ｐゴシック" charset="0"/>
-              <a:cs typeface="ＭＳ Ｐゴシック" charset="0"/>
-            </a:endParaRPr>
-          </a:p>
-        </p:txBody>
-      </p:sp>
-    </p:spTree>
-  </p:cSld>
-  <p:clrMapOvr>
-    <a:masterClrMapping/>
-  </p:clrMapOvr>
-</p:notes>
-</file>
-
-<file path=ppt/notesSlides/notesSlide2.xml><?xml version="1.0" encoding="utf-8"?>
-<p:notes xmlns:a="http://schemas.openxmlformats.org/drawingml/2006/main" xmlns:r="http://schemas.openxmlformats.org/officeDocument/2006/relationships" xmlns:p="http://schemas.openxmlformats.org/presentationml/2006/main">
-  <p:cSld>
-    <p:bg>
-      <p:bgPr>
-        <a:solidFill>
-          <a:srgbClr val="FFFFFF"/>
-        </a:solidFill>
-        <a:effectLst/>
-      </p:bgPr>
-    </p:bg>
-    <p:spTree>
-      <p:nvGrpSpPr>
-        <p:cNvPr id="1" name=""/>
-        <p:cNvGrpSpPr/>
-        <p:nvPr/>
-      </p:nvGrpSpPr>
-      <p:grpSpPr>
-        <a:xfrm>
-          <a:off x="0" y="0"/>
-          <a:ext cx="0" cy="0"/>
-          <a:chOff x="0" y="0"/>
-          <a:chExt cx="0" cy="0"/>
-        </a:xfrm>
-      </p:grpSpPr>
-      <p:sp>
-        <p:nvSpPr>
-          <p:cNvPr id="29698" name="Rectangle 6"/>
-          <p:cNvSpPr>
-            <a:spLocks noGrp="1" noChangeArrowheads="1"/>
-          </p:cNvSpPr>
-          <p:nvPr>
-            <p:ph type="sldNum" sz="quarter"/>
-          </p:nvPr>
-        </p:nvSpPr>
-        <p:spPr>
-          <a:noFill/>
-          <a:ln/>
-          <a:extLst>
-            <a:ext uri="{909E8E84-426E-40dd-AFC4-6F175D3DCCD1}">
-              <a14:hiddenFill xmlns:a14="http://schemas.microsoft.com/office/drawing/2010/main">
-                <a:solidFill>
-                  <a:srgbClr val="FFFFFF"/>
-                </a:solidFill>
-              </a14:hiddenFill>
-            </a:ext>
-            <a:ext uri="{91240B29-F687-4f45-9708-019B960494DF}">
-              <a14:hiddenLine xmlns:a14="http://schemas.microsoft.com/office/drawing/2010/main" w="9525">
-                <a:solidFill>
-                  <a:srgbClr val="000000"/>
-                </a:solidFill>
-                <a:round/>
-                <a:headEnd/>
-                <a:tailEnd/>
-              </a14:hiddenLine>
-            </a:ext>
-          </a:extLst>
-        </p:spPr>
-        <p:txBody>
-          <a:bodyPr/>
-          <a:lstStyle>
-            <a:lvl1pPr eaLnBrk="0">
-              <a:tabLst>
-                <a:tab pos="649628" algn="l"/>
-                <a:tab pos="1299256" algn="l"/>
-                <a:tab pos="1948884" algn="l"/>
-                <a:tab pos="2598511" algn="l"/>
-              </a:tabLst>
-              <a:defRPr sz="2200">
-                <a:solidFill>
-                  <a:schemeClr val="tx1"/>
-                </a:solidFill>
-                <a:latin typeface="Arial" charset="0"/>
-                <a:ea typeface="ＭＳ Ｐゴシック" charset="0"/>
-                <a:cs typeface="ＭＳ Ｐゴシック" charset="0"/>
-              </a:defRPr>
-            </a:lvl1pPr>
-            <a:lvl2pPr marL="666723" indent="-256432" eaLnBrk="0">
-              <a:tabLst>
-                <a:tab pos="649628" algn="l"/>
-                <a:tab pos="1299256" algn="l"/>
-                <a:tab pos="1948884" algn="l"/>
-                <a:tab pos="2598511" algn="l"/>
-              </a:tabLst>
-              <a:defRPr sz="2200">
-                <a:solidFill>
-                  <a:schemeClr val="tx1"/>
-                </a:solidFill>
-                <a:latin typeface="Arial" charset="0"/>
-                <a:ea typeface="ＭＳ Ｐゴシック" charset="0"/>
-              </a:defRPr>
-            </a:lvl2pPr>
-            <a:lvl3pPr marL="1025728" indent="-205146" eaLnBrk="0">
-              <a:tabLst>
-                <a:tab pos="649628" algn="l"/>
-                <a:tab pos="1299256" algn="l"/>
-                <a:tab pos="1948884" algn="l"/>
-                <a:tab pos="2598511" algn="l"/>
-              </a:tabLst>
-              <a:defRPr sz="2200">
-                <a:solidFill>
-                  <a:schemeClr val="tx1"/>
-                </a:solidFill>
-                <a:latin typeface="Arial" charset="0"/>
-                <a:ea typeface="ＭＳ Ｐゴシック" charset="0"/>
-              </a:defRPr>
-            </a:lvl3pPr>
-            <a:lvl4pPr marL="1436019" indent="-205146" eaLnBrk="0">
-              <a:tabLst>
-                <a:tab pos="649628" algn="l"/>
-                <a:tab pos="1299256" algn="l"/>
-                <a:tab pos="1948884" algn="l"/>
-                <a:tab pos="2598511" algn="l"/>
-              </a:tabLst>
-              <a:defRPr sz="2200">
-                <a:solidFill>
-                  <a:schemeClr val="tx1"/>
-                </a:solidFill>
-                <a:latin typeface="Arial" charset="0"/>
-                <a:ea typeface="ＭＳ Ｐゴシック" charset="0"/>
-              </a:defRPr>
-            </a:lvl4pPr>
-            <a:lvl5pPr marL="1846311" indent="-205146" eaLnBrk="0">
-              <a:tabLst>
-                <a:tab pos="649628" algn="l"/>
-                <a:tab pos="1299256" algn="l"/>
-                <a:tab pos="1948884" algn="l"/>
-                <a:tab pos="2598511" algn="l"/>
-              </a:tabLst>
-              <a:defRPr sz="2200">
-                <a:solidFill>
-                  <a:schemeClr val="tx1"/>
-                </a:solidFill>
-                <a:latin typeface="Arial" charset="0"/>
-                <a:ea typeface="ＭＳ Ｐゴシック" charset="0"/>
-              </a:defRPr>
-            </a:lvl5pPr>
-            <a:lvl6pPr marL="2256602" indent="-205146" eaLnBrk="0" fontAlgn="base" hangingPunct="0">
-              <a:lnSpc>
-                <a:spcPct val="96000"/>
-              </a:lnSpc>
-              <a:spcBef>
-                <a:spcPct val="0"/>
-              </a:spcBef>
-              <a:spcAft>
-                <a:spcPct val="0"/>
-              </a:spcAft>
-              <a:buClr>
-                <a:srgbClr val="000000"/>
-              </a:buClr>
-              <a:buSzPct val="45000"/>
-              <a:buFont typeface="Wingdings" charset="0"/>
-              <a:tabLst>
-                <a:tab pos="649628" algn="l"/>
-                <a:tab pos="1299256" algn="l"/>
-                <a:tab pos="1948884" algn="l"/>
-                <a:tab pos="2598511" algn="l"/>
-              </a:tabLst>
-              <a:defRPr sz="2200">
-                <a:solidFill>
-                  <a:schemeClr val="tx1"/>
-                </a:solidFill>
-                <a:latin typeface="Arial" charset="0"/>
-                <a:ea typeface="ＭＳ Ｐゴシック" charset="0"/>
-              </a:defRPr>
-            </a:lvl6pPr>
-            <a:lvl7pPr marL="2666893" indent="-205146" eaLnBrk="0" fontAlgn="base" hangingPunct="0">
-              <a:lnSpc>
-                <a:spcPct val="96000"/>
-              </a:lnSpc>
-              <a:spcBef>
-                <a:spcPct val="0"/>
-              </a:spcBef>
-              <a:spcAft>
-                <a:spcPct val="0"/>
-              </a:spcAft>
-              <a:buClr>
-                <a:srgbClr val="000000"/>
-              </a:buClr>
-              <a:buSzPct val="45000"/>
-              <a:buFont typeface="Wingdings" charset="0"/>
-              <a:tabLst>
-                <a:tab pos="649628" algn="l"/>
-                <a:tab pos="1299256" algn="l"/>
-                <a:tab pos="1948884" algn="l"/>
-                <a:tab pos="2598511" algn="l"/>
-              </a:tabLst>
-              <a:defRPr sz="2200">
-                <a:solidFill>
-                  <a:schemeClr val="tx1"/>
-                </a:solidFill>
-                <a:latin typeface="Arial" charset="0"/>
-                <a:ea typeface="ＭＳ Ｐゴシック" charset="0"/>
-              </a:defRPr>
-            </a:lvl7pPr>
-            <a:lvl8pPr marL="3077185" indent="-205146" eaLnBrk="0" fontAlgn="base" hangingPunct="0">
-              <a:lnSpc>
-                <a:spcPct val="96000"/>
-              </a:lnSpc>
-              <a:spcBef>
-                <a:spcPct val="0"/>
-              </a:spcBef>
-              <a:spcAft>
-                <a:spcPct val="0"/>
-              </a:spcAft>
-              <a:buClr>
-                <a:srgbClr val="000000"/>
-              </a:buClr>
-              <a:buSzPct val="45000"/>
-              <a:buFont typeface="Wingdings" charset="0"/>
-              <a:tabLst>
-                <a:tab pos="649628" algn="l"/>
-                <a:tab pos="1299256" algn="l"/>
-                <a:tab pos="1948884" algn="l"/>
-                <a:tab pos="2598511" algn="l"/>
-              </a:tabLst>
-              <a:defRPr sz="2200">
-                <a:solidFill>
-                  <a:schemeClr val="tx1"/>
-                </a:solidFill>
-                <a:latin typeface="Arial" charset="0"/>
-                <a:ea typeface="ＭＳ Ｐゴシック" charset="0"/>
-              </a:defRPr>
-            </a:lvl8pPr>
-            <a:lvl9pPr marL="3487476" indent="-205146" eaLnBrk="0" fontAlgn="base" hangingPunct="0">
-              <a:lnSpc>
-                <a:spcPct val="96000"/>
-              </a:lnSpc>
-              <a:spcBef>
-                <a:spcPct val="0"/>
-              </a:spcBef>
-              <a:spcAft>
-                <a:spcPct val="0"/>
-              </a:spcAft>
-              <a:buClr>
-                <a:srgbClr val="000000"/>
-              </a:buClr>
-              <a:buSzPct val="45000"/>
-              <a:buFont typeface="Wingdings" charset="0"/>
-              <a:tabLst>
-                <a:tab pos="649628" algn="l"/>
-                <a:tab pos="1299256" algn="l"/>
-                <a:tab pos="1948884" algn="l"/>
-                <a:tab pos="2598511" algn="l"/>
-              </a:tabLst>
-              <a:defRPr sz="2200">
-                <a:solidFill>
-                  <a:schemeClr val="tx1"/>
-                </a:solidFill>
-                <a:latin typeface="Arial" charset="0"/>
-                <a:ea typeface="ＭＳ Ｐゴシック" charset="0"/>
-              </a:defRPr>
-            </a:lvl9pPr>
-          </a:lstStyle>
-          <a:p>
-            <a:pPr eaLnBrk="1"/>
-            <a:fld id="{6BD07A8C-37BF-EC4D-B378-A276F8D1FC99}" type="slidenum">
-              <a:rPr lang="en-GB" sz="1300">
-                <a:solidFill>
-                  <a:srgbClr val="000000"/>
-                </a:solidFill>
-                <a:latin typeface="Times New Roman" charset="0"/>
-              </a:rPr>
-              <a:pPr eaLnBrk="1"/>
-              <a:t>35</a:t>
-            </a:fld>
-            <a:endParaRPr lang="en-GB" sz="1300">
-              <a:solidFill>
-                <a:srgbClr val="000000"/>
-              </a:solidFill>
-              <a:latin typeface="Times New Roman" charset="0"/>
-            </a:endParaRPr>
-          </a:p>
-        </p:txBody>
-      </p:sp>
-      <p:sp>
-        <p:nvSpPr>
-          <p:cNvPr id="29699" name="Text Box 1"/>
-          <p:cNvSpPr>
-            <a:spLocks noGrp="1" noRot="1" noChangeAspect="1" noChangeArrowheads="1"/>
-          </p:cNvSpPr>
-          <p:nvPr>
-            <p:ph type="sldImg"/>
-          </p:nvPr>
-        </p:nvSpPr>
-        <p:spPr>
-          <a:xfrm>
-            <a:off x="1143000" y="693738"/>
-            <a:ext cx="4572000" cy="3429000"/>
-          </a:xfrm>
-          <a:solidFill>
-            <a:srgbClr val="FFFFFF"/>
-          </a:solidFill>
-          <a:ln>
-            <a:solidFill>
-              <a:srgbClr val="000000"/>
-            </a:solidFill>
-            <a:miter lim="800000"/>
-            <a:headEnd/>
-            <a:tailEnd/>
-          </a:ln>
-        </p:spPr>
-      </p:sp>
-      <p:sp>
-        <p:nvSpPr>
-          <p:cNvPr id="29700" name="Text Box 2"/>
-          <p:cNvSpPr>
-            <a:spLocks noGrp="1" noChangeArrowheads="1"/>
-          </p:cNvSpPr>
-          <p:nvPr>
-            <p:ph type="body" idx="1"/>
-          </p:nvPr>
-        </p:nvSpPr>
-        <p:spPr>
-          <a:xfrm>
-            <a:off x="686360" y="4342534"/>
-            <a:ext cx="5486681" cy="4033693"/>
-          </a:xfrm>
-          <a:noFill/>
-          <a:ln/>
-          <a:extLst>
-            <a:ext uri="{909E8E84-426E-40dd-AFC4-6F175D3DCCD1}">
-              <a14:hiddenFill xmlns:a14="http://schemas.microsoft.com/office/drawing/2010/main">
-                <a:solidFill>
-                  <a:srgbClr val="FFFFFF"/>
-                </a:solidFill>
-              </a14:hiddenFill>
-            </a:ext>
-            <a:ext uri="{91240B29-F687-4f45-9708-019B960494DF}">
-              <a14:hiddenLine xmlns:a14="http://schemas.microsoft.com/office/drawing/2010/main" w="9525">
-                <a:solidFill>
-                  <a:srgbClr val="000000"/>
-                </a:solidFill>
-                <a:round/>
-                <a:headEnd/>
-                <a:tailEnd/>
-              </a14:hiddenLine>
-            </a:ext>
-            <a:ext uri="{FAA26D3D-D897-4be2-8F04-BA451C77F1D7}">
-              <ma14:placeholderFlag xmlns:ma14="http://schemas.microsoft.com/office/mac/drawingml/2011/main" val="1"/>
-            </a:ext>
-          </a:extLst>
-        </p:spPr>
-        <p:txBody>
-          <a:bodyPr wrap="none" anchor="ctr"/>
-          <a:lstStyle/>
-          <a:p>
-            <a:endParaRPr lang="en-US">
-              <a:latin typeface="Times New Roman" charset="0"/>
-              <a:ea typeface="ＭＳ Ｐゴシック" charset="0"/>
-              <a:cs typeface="ＭＳ Ｐゴシック" charset="0"/>
-            </a:endParaRPr>
-          </a:p>
-        </p:txBody>
-      </p:sp>
-    </p:spTree>
-  </p:cSld>
-  <p:clrMapOvr>
-    <a:masterClrMapping/>
-  </p:clrMapOvr>
-</p:notes>
-</file>
-
-<file path=ppt/notesSlides/notesSlide3.xml><?xml version="1.0" encoding="utf-8"?>
-<p:notes xmlns:a="http://schemas.openxmlformats.org/drawingml/2006/main" xmlns:r="http://schemas.openxmlformats.org/officeDocument/2006/relationships" xmlns:p="http://schemas.openxmlformats.org/presentationml/2006/main">
-  <p:cSld>
-    <p:bg>
-      <p:bgPr>
-        <a:solidFill>
-          <a:srgbClr val="FFFFFF"/>
-        </a:solidFill>
-        <a:effectLst/>
-      </p:bgPr>
-    </p:bg>
-    <p:spTree>
-      <p:nvGrpSpPr>
-        <p:cNvPr id="1" name=""/>
-        <p:cNvGrpSpPr/>
-        <p:nvPr/>
-      </p:nvGrpSpPr>
-      <p:grpSpPr>
-        <a:xfrm>
-          <a:off x="0" y="0"/>
-          <a:ext cx="0" cy="0"/>
-          <a:chOff x="0" y="0"/>
-          <a:chExt cx="0" cy="0"/>
-        </a:xfrm>
-      </p:grpSpPr>
-      <p:sp>
-        <p:nvSpPr>
-          <p:cNvPr id="31746" name="Rectangle 6"/>
-          <p:cNvSpPr>
-            <a:spLocks noGrp="1" noChangeArrowheads="1"/>
-          </p:cNvSpPr>
-          <p:nvPr>
-            <p:ph type="sldNum" sz="quarter"/>
-          </p:nvPr>
-        </p:nvSpPr>
-        <p:spPr>
-          <a:noFill/>
-          <a:ln/>
-          <a:extLst>
-            <a:ext uri="{909E8E84-426E-40dd-AFC4-6F175D3DCCD1}">
-              <a14:hiddenFill xmlns:a14="http://schemas.microsoft.com/office/drawing/2010/main">
-                <a:solidFill>
-                  <a:srgbClr val="FFFFFF"/>
-                </a:solidFill>
-              </a14:hiddenFill>
-            </a:ext>
-            <a:ext uri="{91240B29-F687-4f45-9708-019B960494DF}">
-              <a14:hiddenLine xmlns:a14="http://schemas.microsoft.com/office/drawing/2010/main" w="9525">
-                <a:solidFill>
-                  <a:srgbClr val="000000"/>
-                </a:solidFill>
-                <a:round/>
-                <a:headEnd/>
-                <a:tailEnd/>
-              </a14:hiddenLine>
-            </a:ext>
-          </a:extLst>
-        </p:spPr>
-        <p:txBody>
-          <a:bodyPr/>
-          <a:lstStyle>
-            <a:lvl1pPr eaLnBrk="0">
-              <a:tabLst>
-                <a:tab pos="649628" algn="l"/>
-                <a:tab pos="1299256" algn="l"/>
-                <a:tab pos="1948884" algn="l"/>
-                <a:tab pos="2598511" algn="l"/>
-              </a:tabLst>
-              <a:defRPr sz="2200">
-                <a:solidFill>
-                  <a:schemeClr val="tx1"/>
-                </a:solidFill>
-                <a:latin typeface="Arial" charset="0"/>
-                <a:ea typeface="ＭＳ Ｐゴシック" charset="0"/>
-                <a:cs typeface="ＭＳ Ｐゴシック" charset="0"/>
-              </a:defRPr>
-            </a:lvl1pPr>
-            <a:lvl2pPr marL="666723" indent="-256432" eaLnBrk="0">
-              <a:tabLst>
-                <a:tab pos="649628" algn="l"/>
-                <a:tab pos="1299256" algn="l"/>
-                <a:tab pos="1948884" algn="l"/>
-                <a:tab pos="2598511" algn="l"/>
-              </a:tabLst>
-              <a:defRPr sz="2200">
-                <a:solidFill>
-                  <a:schemeClr val="tx1"/>
-                </a:solidFill>
-                <a:latin typeface="Arial" charset="0"/>
-                <a:ea typeface="ＭＳ Ｐゴシック" charset="0"/>
-              </a:defRPr>
-            </a:lvl2pPr>
-            <a:lvl3pPr marL="1025728" indent="-205146" eaLnBrk="0">
-              <a:tabLst>
-                <a:tab pos="649628" algn="l"/>
-                <a:tab pos="1299256" algn="l"/>
-                <a:tab pos="1948884" algn="l"/>
-                <a:tab pos="2598511" algn="l"/>
-              </a:tabLst>
-              <a:defRPr sz="2200">
-                <a:solidFill>
-                  <a:schemeClr val="tx1"/>
-                </a:solidFill>
-                <a:latin typeface="Arial" charset="0"/>
-                <a:ea typeface="ＭＳ Ｐゴシック" charset="0"/>
-              </a:defRPr>
-            </a:lvl3pPr>
-            <a:lvl4pPr marL="1436019" indent="-205146" eaLnBrk="0">
-              <a:tabLst>
-                <a:tab pos="649628" algn="l"/>
-                <a:tab pos="1299256" algn="l"/>
-                <a:tab pos="1948884" algn="l"/>
-                <a:tab pos="2598511" algn="l"/>
-              </a:tabLst>
-              <a:defRPr sz="2200">
-                <a:solidFill>
-                  <a:schemeClr val="tx1"/>
-                </a:solidFill>
-                <a:latin typeface="Arial" charset="0"/>
-                <a:ea typeface="ＭＳ Ｐゴシック" charset="0"/>
-              </a:defRPr>
-            </a:lvl4pPr>
-            <a:lvl5pPr marL="1846311" indent="-205146" eaLnBrk="0">
-              <a:tabLst>
-                <a:tab pos="649628" algn="l"/>
-                <a:tab pos="1299256" algn="l"/>
-                <a:tab pos="1948884" algn="l"/>
-                <a:tab pos="2598511" algn="l"/>
-              </a:tabLst>
-              <a:defRPr sz="2200">
-                <a:solidFill>
-                  <a:schemeClr val="tx1"/>
-                </a:solidFill>
-                <a:latin typeface="Arial" charset="0"/>
-                <a:ea typeface="ＭＳ Ｐゴシック" charset="0"/>
-              </a:defRPr>
-            </a:lvl5pPr>
-            <a:lvl6pPr marL="2256602" indent="-205146" eaLnBrk="0" fontAlgn="base" hangingPunct="0">
-              <a:lnSpc>
-                <a:spcPct val="96000"/>
-              </a:lnSpc>
-              <a:spcBef>
-                <a:spcPct val="0"/>
-              </a:spcBef>
-              <a:spcAft>
-                <a:spcPct val="0"/>
-              </a:spcAft>
-              <a:buClr>
-                <a:srgbClr val="000000"/>
-              </a:buClr>
-              <a:buSzPct val="45000"/>
-              <a:buFont typeface="Wingdings" charset="0"/>
-              <a:tabLst>
-                <a:tab pos="649628" algn="l"/>
-                <a:tab pos="1299256" algn="l"/>
-                <a:tab pos="1948884" algn="l"/>
-                <a:tab pos="2598511" algn="l"/>
-              </a:tabLst>
-              <a:defRPr sz="2200">
-                <a:solidFill>
-                  <a:schemeClr val="tx1"/>
-                </a:solidFill>
-                <a:latin typeface="Arial" charset="0"/>
-                <a:ea typeface="ＭＳ Ｐゴシック" charset="0"/>
-              </a:defRPr>
-            </a:lvl6pPr>
-            <a:lvl7pPr marL="2666893" indent="-205146" eaLnBrk="0" fontAlgn="base" hangingPunct="0">
-              <a:lnSpc>
-                <a:spcPct val="96000"/>
-              </a:lnSpc>
-              <a:spcBef>
-                <a:spcPct val="0"/>
-              </a:spcBef>
-              <a:spcAft>
-                <a:spcPct val="0"/>
-              </a:spcAft>
-              <a:buClr>
-                <a:srgbClr val="000000"/>
-              </a:buClr>
-              <a:buSzPct val="45000"/>
-              <a:buFont typeface="Wingdings" charset="0"/>
-              <a:tabLst>
-                <a:tab pos="649628" algn="l"/>
-                <a:tab pos="1299256" algn="l"/>
-                <a:tab pos="1948884" algn="l"/>
-                <a:tab pos="2598511" algn="l"/>
-              </a:tabLst>
-              <a:defRPr sz="2200">
-                <a:solidFill>
-                  <a:schemeClr val="tx1"/>
-                </a:solidFill>
-                <a:latin typeface="Arial" charset="0"/>
-                <a:ea typeface="ＭＳ Ｐゴシック" charset="0"/>
-              </a:defRPr>
-            </a:lvl7pPr>
-            <a:lvl8pPr marL="3077185" indent="-205146" eaLnBrk="0" fontAlgn="base" hangingPunct="0">
-              <a:lnSpc>
-                <a:spcPct val="96000"/>
-              </a:lnSpc>
-              <a:spcBef>
-                <a:spcPct val="0"/>
-              </a:spcBef>
-              <a:spcAft>
-                <a:spcPct val="0"/>
-              </a:spcAft>
-              <a:buClr>
-                <a:srgbClr val="000000"/>
-              </a:buClr>
-              <a:buSzPct val="45000"/>
-              <a:buFont typeface="Wingdings" charset="0"/>
-              <a:tabLst>
-                <a:tab pos="649628" algn="l"/>
-                <a:tab pos="1299256" algn="l"/>
-                <a:tab pos="1948884" algn="l"/>
-                <a:tab pos="2598511" algn="l"/>
-              </a:tabLst>
-              <a:defRPr sz="2200">
-                <a:solidFill>
-                  <a:schemeClr val="tx1"/>
-                </a:solidFill>
-                <a:latin typeface="Arial" charset="0"/>
-                <a:ea typeface="ＭＳ Ｐゴシック" charset="0"/>
-              </a:defRPr>
-            </a:lvl8pPr>
-            <a:lvl9pPr marL="3487476" indent="-205146" eaLnBrk="0" fontAlgn="base" hangingPunct="0">
-              <a:lnSpc>
-                <a:spcPct val="96000"/>
-              </a:lnSpc>
-              <a:spcBef>
-                <a:spcPct val="0"/>
-              </a:spcBef>
-              <a:spcAft>
-                <a:spcPct val="0"/>
-              </a:spcAft>
-              <a:buClr>
-                <a:srgbClr val="000000"/>
-              </a:buClr>
-              <a:buSzPct val="45000"/>
-              <a:buFont typeface="Wingdings" charset="0"/>
-              <a:tabLst>
-                <a:tab pos="649628" algn="l"/>
-                <a:tab pos="1299256" algn="l"/>
-                <a:tab pos="1948884" algn="l"/>
-                <a:tab pos="2598511" algn="l"/>
-              </a:tabLst>
-              <a:defRPr sz="2200">
-                <a:solidFill>
-                  <a:schemeClr val="tx1"/>
-                </a:solidFill>
-                <a:latin typeface="Arial" charset="0"/>
-                <a:ea typeface="ＭＳ Ｐゴシック" charset="0"/>
-              </a:defRPr>
-            </a:lvl9pPr>
-          </a:lstStyle>
-          <a:p>
-            <a:pPr eaLnBrk="1"/>
-            <a:fld id="{23E61A28-28A8-F245-AB9B-A6A04D3399A3}" type="slidenum">
-              <a:rPr lang="en-GB" sz="1300">
-                <a:solidFill>
-                  <a:srgbClr val="000000"/>
-                </a:solidFill>
-                <a:latin typeface="Times New Roman" charset="0"/>
-              </a:rPr>
-              <a:pPr eaLnBrk="1"/>
-              <a:t>36</a:t>
-            </a:fld>
-            <a:endParaRPr lang="en-GB" sz="1300">
-              <a:solidFill>
-                <a:srgbClr val="000000"/>
-              </a:solidFill>
-              <a:latin typeface="Times New Roman" charset="0"/>
-            </a:endParaRPr>
-          </a:p>
-        </p:txBody>
-      </p:sp>
-      <p:sp>
-        <p:nvSpPr>
-          <p:cNvPr id="31747" name="Text Box 1"/>
-          <p:cNvSpPr>
-            <a:spLocks noGrp="1" noRot="1" noChangeAspect="1" noChangeArrowheads="1"/>
-          </p:cNvSpPr>
-          <p:nvPr>
-            <p:ph type="sldImg"/>
-          </p:nvPr>
-        </p:nvSpPr>
-        <p:spPr>
-          <a:xfrm>
-            <a:off x="1143000" y="693738"/>
-            <a:ext cx="4572000" cy="3429000"/>
-          </a:xfrm>
-          <a:solidFill>
-            <a:srgbClr val="FFFFFF"/>
-          </a:solidFill>
-          <a:ln>
-            <a:solidFill>
-              <a:srgbClr val="000000"/>
-            </a:solidFill>
-            <a:miter lim="800000"/>
-            <a:headEnd/>
-            <a:tailEnd/>
-          </a:ln>
-        </p:spPr>
-      </p:sp>
-      <p:sp>
-        <p:nvSpPr>
-          <p:cNvPr id="31748" name="Text Box 2"/>
-          <p:cNvSpPr>
-            <a:spLocks noGrp="1" noChangeArrowheads="1"/>
-          </p:cNvSpPr>
-          <p:nvPr>
-            <p:ph type="body" idx="1"/>
-          </p:nvPr>
-        </p:nvSpPr>
-        <p:spPr>
-          <a:xfrm>
-            <a:off x="686360" y="4342534"/>
-            <a:ext cx="5486681" cy="4033693"/>
-          </a:xfrm>
-          <a:noFill/>
-          <a:ln/>
-          <a:extLst>
-            <a:ext uri="{909E8E84-426E-40dd-AFC4-6F175D3DCCD1}">
-              <a14:hiddenFill xmlns:a14="http://schemas.microsoft.com/office/drawing/2010/main">
-                <a:solidFill>
-                  <a:srgbClr val="FFFFFF"/>
-                </a:solidFill>
-              </a14:hiddenFill>
-            </a:ext>
-            <a:ext uri="{91240B29-F687-4f45-9708-019B960494DF}">
-              <a14:hiddenLine xmlns:a14="http://schemas.microsoft.com/office/drawing/2010/main" w="9525">
-                <a:solidFill>
-                  <a:srgbClr val="000000"/>
-                </a:solidFill>
-                <a:round/>
-                <a:headEnd/>
-                <a:tailEnd/>
-              </a14:hiddenLine>
-            </a:ext>
-            <a:ext uri="{FAA26D3D-D897-4be2-8F04-BA451C77F1D7}">
-              <ma14:placeholderFlag xmlns:ma14="http://schemas.microsoft.com/office/mac/drawingml/2011/main" val="1"/>
-            </a:ext>
-          </a:extLst>
-        </p:spPr>
-        <p:txBody>
-          <a:bodyPr wrap="none" anchor="ctr"/>
-          <a:lstStyle/>
-          <a:p>
-            <a:endParaRPr lang="en-US">
-              <a:latin typeface="Times New Roman" charset="0"/>
-              <a:ea typeface="ＭＳ Ｐゴシック" charset="0"/>
-              <a:cs typeface="ＭＳ Ｐゴシック" charset="0"/>
-            </a:endParaRPr>
-          </a:p>
-        </p:txBody>
-      </p:sp>
-    </p:spTree>
-  </p:cSld>
-  <p:clrMapOvr>
-    <a:masterClrMapping/>
-  </p:clrMapOvr>
-</p:notes>
 </file>
 
 <file path=ppt/slideLayouts/slideLayout1.xml><?xml version="1.0" encoding="utf-8"?>
@@ -4591,7 +3499,11 @@
           <a:p>
             <a:r>
               <a:rPr lang="en-US" b="1" dirty="0" smtClean="0"/>
-              <a:t>Email Best Practices, Postfix and Dovecot</a:t>
+              <a:t>Email Best </a:t>
+            </a:r>
+            <a:r>
+              <a:rPr lang="en-US" b="1" dirty="0" smtClean="0"/>
+              <a:t>Practices</a:t>
             </a:r>
             <a:endParaRPr lang="en-US" b="1" dirty="0"/>
           </a:p>
@@ -4699,7 +3611,15 @@
           <a:p>
             <a:r>
               <a:rPr lang="en-US" dirty="0" smtClean="0"/>
-              <a:t>Have multiple MX records so that your server is not the only able to receive mail for you</a:t>
+              <a:t>Have multiple MX records so that your server is not the </a:t>
+            </a:r>
+            <a:r>
+              <a:rPr lang="en-US" dirty="0" smtClean="0"/>
+              <a:t>only one </a:t>
+            </a:r>
+            <a:r>
+              <a:rPr lang="en-US" dirty="0" smtClean="0"/>
+              <a:t>able to receive mail for you</a:t>
             </a:r>
           </a:p>
           <a:p>
@@ -7585,19 +6505,28 @@
         </p:nvSpPr>
         <p:spPr>
           <a:xfrm>
-            <a:off x="457200" y="2925370"/>
+            <a:off x="457200" y="2662584"/>
             <a:ext cx="8229600" cy="1143000"/>
           </a:xfrm>
         </p:spPr>
         <p:txBody>
-          <a:bodyPr/>
+          <a:bodyPr>
+            <a:normAutofit fontScale="90000"/>
+          </a:bodyPr>
           <a:lstStyle/>
           <a:p>
             <a:r>
               <a:rPr lang="en-US" b="1" dirty="0" smtClean="0"/>
-              <a:t>POP and IMAP</a:t>
-            </a:r>
-            <a:endParaRPr lang="en-US" b="1" dirty="0"/>
+              <a:t>Building a Mail Gateway</a:t>
+            </a:r>
+            <a:br>
+              <a:rPr lang="en-US" b="1" dirty="0" smtClean="0"/>
+            </a:br>
+            <a:r>
+              <a:rPr lang="en-US" sz="4000" dirty="0" smtClean="0"/>
+              <a:t>aka Mail Firewall or Mail Filter appliance</a:t>
+            </a:r>
+            <a:endParaRPr lang="en-US" sz="4000" dirty="0"/>
           </a:p>
         </p:txBody>
       </p:sp>
@@ -7633,7 +6562,7 @@
       </p:grpSpPr>
       <p:sp>
         <p:nvSpPr>
-          <p:cNvPr id="17409" name="Title 1"/>
+          <p:cNvPr id="2" name="Title 1"/>
           <p:cNvSpPr>
             <a:spLocks noGrp="1"/>
           </p:cNvSpPr>
@@ -7647,18 +6576,16 @@
           <a:lstStyle/>
           <a:p>
             <a:r>
-              <a:rPr lang="en-US" b="1" dirty="0">
-                <a:latin typeface="Arial" charset="0"/>
-                <a:cs typeface="DejaVu Sans" charset="0"/>
-              </a:rPr>
-              <a:t>What is POP3</a:t>
-            </a:r>
-          </a:p>
-        </p:txBody>
-      </p:sp>
-      <p:sp>
-        <p:nvSpPr>
-          <p:cNvPr id="17410" name="Content Placeholder 2"/>
+              <a:rPr lang="en-US" b="1" dirty="0" smtClean="0"/>
+              <a:t>What is a Mail Gateway?</a:t>
+            </a:r>
+            <a:endParaRPr lang="en-US" b="1" dirty="0"/>
+          </a:p>
+        </p:txBody>
+      </p:sp>
+      <p:sp>
+        <p:nvSpPr>
+          <p:cNvPr id="3" name="Content Placeholder 2"/>
           <p:cNvSpPr>
             <a:spLocks noGrp="1"/>
           </p:cNvSpPr>
@@ -7666,162 +6593,51 @@
             <p:ph idx="1"/>
           </p:nvPr>
         </p:nvSpPr>
-        <p:spPr>
-          <a:xfrm>
-            <a:off x="456481" y="1604329"/>
-            <a:ext cx="8228160" cy="4797144"/>
-          </a:xfrm>
-        </p:spPr>
-        <p:txBody>
-          <a:bodyPr/>
-          <a:lstStyle/>
-          <a:p>
-            <a:pPr>
-              <a:lnSpc>
-                <a:spcPct val="76000"/>
-              </a:lnSpc>
-              <a:buFont typeface="Wingdings" charset="0"/>
-              <a:buChar char="§"/>
-            </a:pPr>
-            <a:r>
-              <a:rPr lang="en-US" sz="2300">
-                <a:latin typeface="Arial" charset="0"/>
-                <a:cs typeface="DejaVu Sans" charset="0"/>
-              </a:rPr>
-              <a:t>POP3 stands for Post Office Protocol ver 3</a:t>
-            </a:r>
-          </a:p>
-          <a:p>
-            <a:pPr>
-              <a:lnSpc>
-                <a:spcPct val="76000"/>
-              </a:lnSpc>
-              <a:buFont typeface="Wingdings" charset="0"/>
-              <a:buChar char="§"/>
-            </a:pPr>
-            <a:r>
-              <a:rPr lang="en-US" sz="2300">
-                <a:latin typeface="Arial" charset="0"/>
-                <a:cs typeface="DejaVu Sans" charset="0"/>
-              </a:rPr>
-              <a:t>Described in RFC1913 </a:t>
-            </a:r>
-          </a:p>
-          <a:p>
-            <a:pPr>
-              <a:lnSpc>
-                <a:spcPct val="76000"/>
-              </a:lnSpc>
-              <a:buFont typeface="Wingdings" charset="0"/>
-              <a:buChar char="§"/>
-            </a:pPr>
-            <a:r>
-              <a:rPr lang="en-US" sz="2300">
-                <a:latin typeface="Arial" charset="0"/>
-                <a:cs typeface="DejaVu Sans" charset="0"/>
-              </a:rPr>
-              <a:t>Runs on TCP Port 110 as a client server function</a:t>
-            </a:r>
-          </a:p>
-          <a:p>
-            <a:pPr>
-              <a:lnSpc>
-                <a:spcPct val="76000"/>
-              </a:lnSpc>
-              <a:buFont typeface="Wingdings" charset="0"/>
-              <a:buChar char="§"/>
-            </a:pPr>
-            <a:r>
-              <a:rPr lang="en-US" sz="2300">
-                <a:latin typeface="Arial" charset="0"/>
-                <a:cs typeface="DejaVu Sans" charset="0"/>
-              </a:rPr>
-              <a:t>Allows for a maildrop service (similar to the post box mail service ) hence the name</a:t>
-            </a:r>
-          </a:p>
-          <a:p>
-            <a:pPr>
-              <a:lnSpc>
-                <a:spcPct val="76000"/>
-              </a:lnSpc>
-              <a:buFont typeface="Wingdings" charset="0"/>
-              <a:buChar char="§"/>
-            </a:pPr>
-            <a:r>
-              <a:rPr lang="en-US" sz="2300">
-                <a:latin typeface="Arial" charset="0"/>
-                <a:cs typeface="DejaVu Sans" charset="0"/>
-              </a:rPr>
-              <a:t>By design its limited in features to download and delete email from server</a:t>
-            </a:r>
-          </a:p>
-          <a:p>
-            <a:pPr>
-              <a:lnSpc>
-                <a:spcPct val="76000"/>
-              </a:lnSpc>
-              <a:buFont typeface="Wingdings" charset="0"/>
-              <a:buChar char="§"/>
-            </a:pPr>
-            <a:r>
-              <a:rPr lang="en-US" sz="2300">
-                <a:latin typeface="Arial" charset="0"/>
-                <a:cs typeface="DejaVu Sans" charset="0"/>
-              </a:rPr>
-              <a:t>Security was also limited to using APOP (md5 hash for authentication</a:t>
-            </a:r>
-          </a:p>
-          <a:p>
-            <a:pPr>
-              <a:lnSpc>
-                <a:spcPct val="76000"/>
-              </a:lnSpc>
-              <a:buFont typeface="Wingdings" charset="0"/>
-              <a:buChar char="§"/>
-            </a:pPr>
-            <a:r>
-              <a:rPr lang="en-US" sz="2300">
-                <a:latin typeface="Arial" charset="0"/>
-                <a:cs typeface="DejaVu Sans" charset="0"/>
-              </a:rPr>
-              <a:t>RFC 2449 proposed POP3 extensions which included SASL Mechanism, Expiry, Pipelining, etc.</a:t>
-            </a:r>
-          </a:p>
-          <a:p>
-            <a:pPr>
-              <a:lnSpc>
-                <a:spcPct val="76000"/>
-              </a:lnSpc>
-              <a:buFont typeface="Wingdings" charset="0"/>
-              <a:buChar char="§"/>
-            </a:pPr>
-            <a:r>
-              <a:rPr lang="en-US" sz="2300">
-                <a:latin typeface="Arial" charset="0"/>
-                <a:cs typeface="DejaVu Sans" charset="0"/>
-              </a:rPr>
-              <a:t>RFC 2595 describes using TLS with POP3 also known as POP3s and runs on port 995</a:t>
-            </a:r>
+        <p:spPr/>
+        <p:txBody>
+          <a:bodyPr>
+            <a:normAutofit fontScale="85000" lnSpcReduction="10000"/>
+          </a:bodyPr>
+          <a:lstStyle/>
+          <a:p>
+            <a:r>
+              <a:rPr lang="en-US" dirty="0" smtClean="0"/>
+              <a:t>A software/service/appliance that is able to receive and filter emails before they reach the email boxes</a:t>
+            </a:r>
+            <a:endParaRPr lang="en-US" dirty="0" smtClean="0"/>
+          </a:p>
+          <a:p>
+            <a:r>
+              <a:rPr lang="en-US" dirty="0" smtClean="0"/>
+              <a:t>Typically, a mail gateway will not contain mail box accounts and will only receive emails, filter them based on configured parameters, and then forward them to the mail server that contains the mailboxes</a:t>
+            </a:r>
+          </a:p>
+          <a:p>
+            <a:r>
+              <a:rPr lang="en-US" dirty="0" smtClean="0"/>
+              <a:t>The purpose is to remove dangerous or harmful content (like spam and viruses) on email before they reach user boxes</a:t>
+            </a:r>
+            <a:endParaRPr lang="en-US" dirty="0" smtClean="0"/>
+          </a:p>
+          <a:p>
+            <a:r>
+              <a:rPr lang="en-US" dirty="0" smtClean="0"/>
+              <a:t>A mail filter can process incoming emails and or outgoing emails</a:t>
+            </a:r>
+            <a:endParaRPr lang="en-US" dirty="0" smtClean="0"/>
           </a:p>
         </p:txBody>
       </p:sp>
     </p:spTree>
     <p:extLst>
       <p:ext uri="{BB962C8B-B14F-4D97-AF65-F5344CB8AC3E}">
-        <p14:creationId xmlns:p14="http://schemas.microsoft.com/office/powerpoint/2010/main" val="4286479937"/>
+        <p14:creationId xmlns:p14="http://schemas.microsoft.com/office/powerpoint/2010/main" val="447427610"/>
       </p:ext>
     </p:extLst>
   </p:cSld>
   <p:clrMapOvr>
     <a:masterClrMapping/>
   </p:clrMapOvr>
-  <p:timing>
-    <p:tnLst>
-      <p:par>
-        <p:cTn xmlns:p14="http://schemas.microsoft.com/office/powerpoint/2010/main" id="1" dur="indefinite" restart="never" nodeType="tmRoot"/>
-      </p:par>
-    </p:tnLst>
-  </p:timing>
 </p:sld>
 </file>
 
@@ -8008,7 +6824,7 @@
       </p:grpSpPr>
       <p:sp>
         <p:nvSpPr>
-          <p:cNvPr id="18433" name="Title 1"/>
+          <p:cNvPr id="2" name="Title 1"/>
           <p:cNvSpPr>
             <a:spLocks noGrp="1"/>
           </p:cNvSpPr>
@@ -8022,18 +6838,16 @@
           <a:lstStyle/>
           <a:p>
             <a:r>
-              <a:rPr lang="en-US" b="1" dirty="0">
-                <a:latin typeface="Arial" charset="0"/>
-                <a:cs typeface="DejaVu Sans" charset="0"/>
-              </a:rPr>
-              <a:t>What is IMAP4?</a:t>
-            </a:r>
-          </a:p>
-        </p:txBody>
-      </p:sp>
-      <p:sp>
-        <p:nvSpPr>
-          <p:cNvPr id="18434" name="Content Placeholder 2"/>
+              <a:rPr lang="en-US" b="1" dirty="0" smtClean="0"/>
+              <a:t>Advantages</a:t>
+            </a:r>
+            <a:endParaRPr lang="en-US" b="1" dirty="0"/>
+          </a:p>
+        </p:txBody>
+      </p:sp>
+      <p:sp>
+        <p:nvSpPr>
+          <p:cNvPr id="3" name="Content Placeholder 2"/>
           <p:cNvSpPr>
             <a:spLocks noGrp="1"/>
           </p:cNvSpPr>
@@ -8041,191 +6855,51 @@
             <p:ph idx="1"/>
           </p:nvPr>
         </p:nvSpPr>
-        <p:spPr>
-          <a:xfrm>
-            <a:off x="456481" y="1424310"/>
-            <a:ext cx="8228160" cy="5253672"/>
-          </a:xfrm>
-        </p:spPr>
-        <p:txBody>
-          <a:bodyPr/>
-          <a:lstStyle/>
-          <a:p>
-            <a:pPr>
-              <a:lnSpc>
-                <a:spcPct val="76000"/>
-              </a:lnSpc>
-              <a:buFont typeface="Wingdings" charset="0"/>
-              <a:buChar char="§"/>
-            </a:pPr>
-            <a:r>
-              <a:rPr lang="en-US" sz="2300">
-                <a:latin typeface="Arial" charset="0"/>
-                <a:cs typeface="DejaVu Sans" charset="0"/>
-              </a:rPr>
-              <a:t>Internet Message Access Protocol version 4</a:t>
-            </a:r>
-          </a:p>
-          <a:p>
-            <a:pPr>
-              <a:lnSpc>
-                <a:spcPct val="76000"/>
-              </a:lnSpc>
-              <a:buFont typeface="Wingdings" charset="0"/>
-              <a:buChar char="§"/>
-            </a:pPr>
-            <a:r>
-              <a:rPr lang="en-US" sz="2300">
-                <a:latin typeface="Arial" charset="0"/>
-                <a:cs typeface="DejaVu Sans" charset="0"/>
-              </a:rPr>
-              <a:t>Described in RFC 1730</a:t>
-            </a:r>
-          </a:p>
-          <a:p>
-            <a:pPr>
-              <a:lnSpc>
-                <a:spcPct val="76000"/>
-              </a:lnSpc>
-              <a:buFont typeface="Wingdings" charset="0"/>
-              <a:buChar char="§"/>
-            </a:pPr>
-            <a:r>
-              <a:rPr lang="en-US" sz="2300">
-                <a:latin typeface="Arial" charset="0"/>
-                <a:cs typeface="DejaVu Sans" charset="0"/>
-              </a:rPr>
-              <a:t>Runs on TCP Port 143 as client-server function</a:t>
-            </a:r>
-          </a:p>
-          <a:p>
-            <a:pPr>
-              <a:lnSpc>
-                <a:spcPct val="76000"/>
-              </a:lnSpc>
-              <a:buFont typeface="Wingdings" charset="0"/>
-              <a:buChar char="§"/>
-            </a:pPr>
-            <a:r>
-              <a:rPr lang="en-US" sz="2300">
-                <a:latin typeface="Arial" charset="0"/>
-                <a:cs typeface="DejaVu Sans" charset="0"/>
-              </a:rPr>
-              <a:t>More advanced in features compared to POP3</a:t>
-            </a:r>
-          </a:p>
-          <a:p>
-            <a:pPr>
-              <a:lnSpc>
-                <a:spcPct val="76000"/>
-              </a:lnSpc>
-              <a:buFont typeface="Wingdings" charset="0"/>
-              <a:buChar char="§"/>
-            </a:pPr>
-            <a:r>
-              <a:rPr lang="en-US" sz="2300">
-                <a:latin typeface="Arial" charset="0"/>
-                <a:cs typeface="DejaVu Sans" charset="0"/>
-              </a:rPr>
-              <a:t>IMAP4 stores mail on server and copies can be transferred to the client on request.</a:t>
-            </a:r>
-          </a:p>
-          <a:p>
-            <a:pPr>
-              <a:lnSpc>
-                <a:spcPct val="76000"/>
-              </a:lnSpc>
-              <a:buFont typeface="Wingdings" charset="0"/>
-              <a:buChar char="§"/>
-            </a:pPr>
-            <a:r>
-              <a:rPr lang="en-US" sz="2300">
-                <a:latin typeface="Arial" charset="0"/>
-                <a:cs typeface="DejaVu Sans" charset="0"/>
-              </a:rPr>
-              <a:t>By default only the message headers are sent to the client, the rest of the message is accessed on opening the email.</a:t>
-            </a:r>
-          </a:p>
-          <a:p>
-            <a:pPr>
-              <a:lnSpc>
-                <a:spcPct val="76000"/>
-              </a:lnSpc>
-              <a:buFont typeface="Wingdings" charset="0"/>
-              <a:buChar char="§"/>
-            </a:pPr>
-            <a:r>
-              <a:rPr lang="en-US" sz="2300">
-                <a:latin typeface="Arial" charset="0"/>
-                <a:cs typeface="DejaVu Sans" charset="0"/>
-              </a:rPr>
-              <a:t>Allows client to access and manipulate email residing on a server, creation of folders, filters, etc.</a:t>
-            </a:r>
-          </a:p>
-          <a:p>
-            <a:pPr>
-              <a:lnSpc>
-                <a:spcPct val="76000"/>
-              </a:lnSpc>
-              <a:buFont typeface="Wingdings" charset="0"/>
-              <a:buChar char="§"/>
-            </a:pPr>
-            <a:r>
-              <a:rPr lang="en-US" sz="2300">
-                <a:latin typeface="Arial" charset="0"/>
-                <a:cs typeface="DejaVu Sans" charset="0"/>
-              </a:rPr>
-              <a:t>RFC 1731 describes the IMAP Authentication Mechanisms</a:t>
-            </a:r>
-          </a:p>
-          <a:p>
-            <a:pPr>
-              <a:lnSpc>
-                <a:spcPct val="76000"/>
-              </a:lnSpc>
-              <a:buFont typeface="Wingdings" charset="0"/>
-              <a:buChar char="§"/>
-            </a:pPr>
-            <a:r>
-              <a:rPr lang="en-US" sz="2300">
-                <a:latin typeface="Arial" charset="0"/>
-                <a:cs typeface="DejaVu Sans" charset="0"/>
-              </a:rPr>
-              <a:t>RFC 2595 describes using TLS with IMAP4 running on TCP port 993</a:t>
-            </a:r>
-          </a:p>
-          <a:p>
-            <a:pPr>
-              <a:lnSpc>
-                <a:spcPct val="76000"/>
-              </a:lnSpc>
-              <a:buFont typeface="Wingdings" charset="0"/>
-              <a:buChar char="§"/>
-            </a:pPr>
-            <a:endParaRPr lang="en-US" sz="2300">
-              <a:latin typeface="Arial" charset="0"/>
-              <a:cs typeface="DejaVu Sans" charset="0"/>
-            </a:endParaRPr>
+        <p:spPr/>
+        <p:txBody>
+          <a:bodyPr>
+            <a:normAutofit fontScale="92500" lnSpcReduction="10000"/>
+          </a:bodyPr>
+          <a:lstStyle/>
+          <a:p>
+            <a:r>
+              <a:rPr lang="en-US" dirty="0" smtClean="0"/>
+              <a:t>Remove harmful email before it reaches mail boxes</a:t>
+            </a:r>
+          </a:p>
+          <a:p>
+            <a:r>
+              <a:rPr lang="en-US" dirty="0" smtClean="0"/>
+              <a:t>Remove the work of filtering email from the server that is handling email boxes</a:t>
+            </a:r>
+          </a:p>
+          <a:p>
+            <a:r>
+              <a:rPr lang="en-US" dirty="0" smtClean="0"/>
+              <a:t>Highly configurable and can block emails based on a number of criteria including content that is in the body of the email</a:t>
+            </a:r>
+          </a:p>
+          <a:p>
+            <a:r>
+              <a:rPr lang="en-US" dirty="0" smtClean="0"/>
+              <a:t>If hosted outside the network, can reduce load on the network connection/link (also known as far side scrubbing)</a:t>
+            </a:r>
+          </a:p>
+          <a:p>
+            <a:endParaRPr lang="en-US" dirty="0"/>
           </a:p>
         </p:txBody>
       </p:sp>
     </p:spTree>
     <p:extLst>
       <p:ext uri="{BB962C8B-B14F-4D97-AF65-F5344CB8AC3E}">
-        <p14:creationId xmlns:p14="http://schemas.microsoft.com/office/powerpoint/2010/main" val="3238726262"/>
+        <p14:creationId xmlns:p14="http://schemas.microsoft.com/office/powerpoint/2010/main" val="3762031849"/>
       </p:ext>
     </p:extLst>
   </p:cSld>
   <p:clrMapOvr>
     <a:masterClrMapping/>
   </p:clrMapOvr>
-  <p:timing>
-    <p:tnLst>
-      <p:par>
-        <p:cTn xmlns:p14="http://schemas.microsoft.com/office/powerpoint/2010/main" id="1" dur="indefinite" restart="never" nodeType="tmRoot"/>
-      </p:par>
-    </p:tnLst>
-  </p:timing>
 </p:sld>
 </file>
 
@@ -8248,7 +6922,7 @@
       </p:grpSpPr>
       <p:sp>
         <p:nvSpPr>
-          <p:cNvPr id="19457" name="Title 1"/>
+          <p:cNvPr id="2" name="Title 1"/>
           <p:cNvSpPr>
             <a:spLocks noGrp="1"/>
           </p:cNvSpPr>
@@ -8262,18 +6936,16 @@
           <a:lstStyle/>
           <a:p>
             <a:r>
-              <a:rPr lang="en-US" b="1" dirty="0">
-                <a:latin typeface="Arial" charset="0"/>
-                <a:cs typeface="DejaVu Sans" charset="0"/>
-              </a:rPr>
-              <a:t>Mail Storage Formats</a:t>
-            </a:r>
-          </a:p>
-        </p:txBody>
-      </p:sp>
-      <p:sp>
-        <p:nvSpPr>
-          <p:cNvPr id="19458" name="Content Placeholder 2"/>
+              <a:rPr lang="en-US" b="1" dirty="0" smtClean="0"/>
+              <a:t>Disadvantage</a:t>
+            </a:r>
+            <a:endParaRPr lang="en-US" b="1" dirty="0"/>
+          </a:p>
+        </p:txBody>
+      </p:sp>
+      <p:sp>
+        <p:nvSpPr>
+          <p:cNvPr id="3" name="Content Placeholder 2"/>
           <p:cNvSpPr>
             <a:spLocks noGrp="1"/>
           </p:cNvSpPr>
@@ -8286,117 +6958,43 @@
           <a:bodyPr/>
           <a:lstStyle/>
           <a:p>
-            <a:pPr>
-              <a:lnSpc>
-                <a:spcPct val="76000"/>
-              </a:lnSpc>
-              <a:buFont typeface="Wingdings" charset="0"/>
-              <a:buChar char="§"/>
+            <a:r>
+              <a:rPr lang="en-US" dirty="0" smtClean="0"/>
+              <a:t>Mistakes in configuration may mean mail is not delivered. They are highly </a:t>
+            </a:r>
+            <a:r>
+              <a:rPr lang="en-US" dirty="0" err="1" smtClean="0"/>
+              <a:t>customisable</a:t>
+            </a:r>
+            <a:r>
+              <a:rPr lang="en-US" dirty="0" smtClean="0"/>
+              <a:t> with hundreds of options and parameters which you must be careful with</a:t>
+            </a:r>
+          </a:p>
+          <a:p>
+            <a:r>
+              <a:rPr lang="en-US" dirty="0" smtClean="0"/>
+              <a:t>Increase the number of email servers to be managed</a:t>
+            </a:r>
+          </a:p>
+          <a:p>
+            <a:pPr marL="0" indent="0">
+              <a:buNone/>
             </a:pPr>
-            <a:r>
-              <a:rPr lang="en-US" sz="2400">
-                <a:latin typeface="Arial" charset="0"/>
-                <a:cs typeface="DejaVu Sans" charset="0"/>
-              </a:rPr>
-              <a:t>Mailbox Format (Mbox)</a:t>
-            </a:r>
-          </a:p>
-          <a:p>
-            <a:pPr>
-              <a:lnSpc>
-                <a:spcPct val="76000"/>
-              </a:lnSpc>
-              <a:buFont typeface="Wingdings" charset="0"/>
-              <a:buChar char="§"/>
-            </a:pPr>
-            <a:r>
-              <a:rPr lang="en-US" sz="2400">
-                <a:latin typeface="Arial" charset="0"/>
-                <a:cs typeface="DejaVu Sans" charset="0"/>
-              </a:rPr>
-              <a:t>	Defined in RFC 4155</a:t>
-            </a:r>
-          </a:p>
-          <a:p>
-            <a:pPr>
-              <a:lnSpc>
-                <a:spcPct val="76000"/>
-              </a:lnSpc>
-              <a:buFont typeface="Wingdings" charset="0"/>
-              <a:buChar char="§"/>
-            </a:pPr>
-            <a:r>
-              <a:rPr lang="en-US" sz="2400">
-                <a:latin typeface="Arial" charset="0"/>
-                <a:cs typeface="DejaVu Sans" charset="0"/>
-              </a:rPr>
-              <a:t> All messages in an Mbox mailbox are concatenated and stored as a plain text in a single file</a:t>
-            </a:r>
-          </a:p>
-          <a:p>
-            <a:pPr>
-              <a:lnSpc>
-                <a:spcPct val="76000"/>
-              </a:lnSpc>
-              <a:buFont typeface="Wingdings" charset="0"/>
-              <a:buChar char="§"/>
-            </a:pPr>
-            <a:r>
-              <a:rPr lang="en-US" sz="2400">
-                <a:latin typeface="Arial" charset="0"/>
-                <a:cs typeface="DejaVu Sans" charset="0"/>
-              </a:rPr>
-              <a:t>Mails are stored in RFC822 format with a blank space separating each message (2 spaces as each message has one space) and “From” determining start of next message.</a:t>
-            </a:r>
-          </a:p>
-          <a:p>
-            <a:pPr>
-              <a:lnSpc>
-                <a:spcPct val="76000"/>
-              </a:lnSpc>
-              <a:buFont typeface="Wingdings" charset="0"/>
-              <a:buChar char="§"/>
-            </a:pPr>
-            <a:r>
-              <a:rPr lang="en-US" sz="2400">
-                <a:latin typeface="Arial" charset="0"/>
-                <a:cs typeface="DejaVu Sans" charset="0"/>
-              </a:rPr>
-              <a:t>Mbox has a distinct disadvantage in cases of large mailbox (a single large file) requires more resources to read/open and can be slow depending on the servers load.</a:t>
-            </a:r>
-          </a:p>
-          <a:p>
-            <a:pPr>
-              <a:lnSpc>
-                <a:spcPct val="76000"/>
-              </a:lnSpc>
-              <a:buFont typeface="Wingdings" charset="0"/>
-              <a:buChar char="§"/>
-            </a:pPr>
-            <a:endParaRPr lang="en-US" sz="2400">
-              <a:latin typeface="Arial" charset="0"/>
-              <a:cs typeface="DejaVu Sans" charset="0"/>
-            </a:endParaRPr>
+            <a:endParaRPr lang="en-US" dirty="0"/>
           </a:p>
         </p:txBody>
       </p:sp>
     </p:spTree>
     <p:extLst>
       <p:ext uri="{BB962C8B-B14F-4D97-AF65-F5344CB8AC3E}">
-        <p14:creationId xmlns:p14="http://schemas.microsoft.com/office/powerpoint/2010/main" val="1856570155"/>
+        <p14:creationId xmlns:p14="http://schemas.microsoft.com/office/powerpoint/2010/main" val="2756647032"/>
       </p:ext>
     </p:extLst>
   </p:cSld>
   <p:clrMapOvr>
     <a:masterClrMapping/>
   </p:clrMapOvr>
-  <p:timing>
-    <p:tnLst>
-      <p:par>
-        <p:cTn xmlns:p14="http://schemas.microsoft.com/office/powerpoint/2010/main" id="1" dur="indefinite" restart="never" nodeType="tmRoot"/>
-      </p:par>
-    </p:tnLst>
-  </p:timing>
 </p:sld>
 </file>
 
@@ -8419,7 +7017,7 @@
       </p:grpSpPr>
       <p:sp>
         <p:nvSpPr>
-          <p:cNvPr id="20481" name="Title 1"/>
+          <p:cNvPr id="2" name="Title 1"/>
           <p:cNvSpPr>
             <a:spLocks noGrp="1"/>
           </p:cNvSpPr>
@@ -8427,216 +7025,169 @@
             <p:ph type="title"/>
           </p:nvPr>
         </p:nvSpPr>
-        <p:spPr/>
-        <p:txBody>
-          <a:bodyPr/>
-          <a:lstStyle/>
-          <a:p>
-            <a:r>
-              <a:rPr lang="en-US" b="1" dirty="0" err="1">
-                <a:latin typeface="Arial" charset="0"/>
-                <a:cs typeface="DejaVu Sans" charset="0"/>
-              </a:rPr>
-              <a:t>Maildir</a:t>
-            </a:r>
-            <a:r>
-              <a:rPr lang="en-US" b="1" dirty="0">
-                <a:latin typeface="Arial" charset="0"/>
-                <a:cs typeface="DejaVu Sans" charset="0"/>
-              </a:rPr>
-              <a:t> Storage Format</a:t>
-            </a:r>
-          </a:p>
-        </p:txBody>
-      </p:sp>
-      <p:pic>
-        <p:nvPicPr>
-          <p:cNvPr id="20482" name="Content Placeholder 3" descr="Maildir.png"/>
-          <p:cNvPicPr>
-            <a:picLocks noGrp="1" noChangeAspect="1"/>
-          </p:cNvPicPr>
-          <p:nvPr>
-            <p:ph sz="half" idx="1"/>
-          </p:nvPr>
-        </p:nvPicPr>
-        <p:blipFill>
-          <a:blip r:embed="rId2">
-            <a:extLst>
-              <a:ext uri="{28A0092B-C50C-407E-A947-70E740481C1C}">
-                <a14:useLocalDpi xmlns:a14="http://schemas.microsoft.com/office/drawing/2010/main" val="0"/>
-              </a:ext>
-            </a:extLst>
-          </a:blip>
-          <a:srcRect l="-25420" r="-25420"/>
-          <a:stretch>
-            <a:fillRect/>
-          </a:stretch>
-        </p:blipFill>
-        <p:spPr/>
-      </p:pic>
-      <p:sp>
-        <p:nvSpPr>
-          <p:cNvPr id="20483" name="Content Placeholder 4"/>
-          <p:cNvSpPr>
-            <a:spLocks noGrp="1"/>
-          </p:cNvSpPr>
-          <p:nvPr>
-            <p:ph sz="half" idx="2"/>
-          </p:nvPr>
-        </p:nvSpPr>
-        <p:spPr/>
-        <p:txBody>
-          <a:bodyPr/>
-          <a:lstStyle/>
-          <a:p>
-            <a:pPr marL="97921" indent="0">
-              <a:lnSpc>
-                <a:spcPct val="76000"/>
-              </a:lnSpc>
-              <a:buFont typeface="Wingdings" charset="0"/>
-              <a:buChar char="§"/>
-            </a:pPr>
-            <a:r>
-              <a:rPr lang="en-US" sz="2400">
-                <a:latin typeface="Arial" charset="0"/>
-                <a:cs typeface="DejaVu Sans" charset="0"/>
-              </a:rPr>
-              <a:t>Mail Directory Format (Maildir)</a:t>
-            </a:r>
-          </a:p>
-          <a:p>
-            <a:pPr marL="97921" indent="0">
-              <a:lnSpc>
-                <a:spcPct val="76000"/>
-              </a:lnSpc>
-              <a:buFont typeface="Wingdings" charset="0"/>
-              <a:buChar char="§"/>
-            </a:pPr>
-            <a:r>
-              <a:rPr lang="en-US" sz="2400">
-                <a:latin typeface="Arial" charset="0"/>
-                <a:cs typeface="DejaVu Sans" charset="0"/>
-              </a:rPr>
-              <a:t>Each message is stored in a separate file with a unique name and each folder in a directory</a:t>
-            </a:r>
-          </a:p>
-          <a:p>
-            <a:pPr marL="97921" indent="0">
-              <a:lnSpc>
-                <a:spcPct val="76000"/>
-              </a:lnSpc>
-              <a:buFont typeface="Wingdings" charset="0"/>
-              <a:buChar char="§"/>
-            </a:pPr>
-            <a:r>
-              <a:rPr lang="en-US" sz="2400">
-                <a:latin typeface="Arial" charset="0"/>
-                <a:cs typeface="DejaVu Sans" charset="0"/>
-              </a:rPr>
-              <a:t>Maildir++ provides extension to the Maildir specification providing support for subfolders and quotas.</a:t>
-            </a:r>
-          </a:p>
-          <a:p>
-            <a:pPr marL="97921" indent="0">
-              <a:lnSpc>
-                <a:spcPct val="76000"/>
-              </a:lnSpc>
-              <a:buFont typeface="Wingdings" charset="0"/>
-              <a:buChar char="§"/>
-            </a:pPr>
-            <a:r>
-              <a:rPr lang="en-US" sz="2400">
-                <a:latin typeface="Arial" charset="0"/>
-                <a:cs typeface="DejaVu Sans" charset="0"/>
-              </a:rPr>
-              <a:t>Maildir directory has 3 folders </a:t>
-            </a:r>
-            <a:r>
-              <a:rPr lang="en-US" sz="2400" b="1">
-                <a:latin typeface="Arial" charset="0"/>
-                <a:cs typeface="DejaVu Sans" charset="0"/>
-              </a:rPr>
-              <a:t>temp</a:t>
-            </a:r>
-            <a:r>
-              <a:rPr lang="en-US" sz="2400">
-                <a:latin typeface="Arial" charset="0"/>
-                <a:cs typeface="DejaVu Sans" charset="0"/>
-              </a:rPr>
-              <a:t>, </a:t>
-            </a:r>
-            <a:r>
-              <a:rPr lang="en-US" sz="2400" b="1">
-                <a:latin typeface="Arial" charset="0"/>
-                <a:cs typeface="DejaVu Sans" charset="0"/>
-              </a:rPr>
-              <a:t>new</a:t>
-            </a:r>
-            <a:r>
-              <a:rPr lang="en-US" sz="2400">
-                <a:latin typeface="Arial" charset="0"/>
-                <a:cs typeface="DejaVu Sans" charset="0"/>
-              </a:rPr>
+        <p:spPr>
+          <a:xfrm>
+            <a:off x="457200" y="156334"/>
+            <a:ext cx="8229600" cy="1143000"/>
+          </a:xfrm>
+        </p:spPr>
+        <p:txBody>
+          <a:bodyPr>
+            <a:normAutofit fontScale="90000"/>
+          </a:bodyPr>
+          <a:lstStyle/>
+          <a:p>
+            <a:r>
+              <a:rPr lang="en-US" b="1" dirty="0" smtClean="0"/>
+              <a:t>Common tools used in Mail Gateways</a:t>
+            </a:r>
+            <a:endParaRPr lang="en-US" b="1" dirty="0"/>
+          </a:p>
+        </p:txBody>
+      </p:sp>
+      <p:sp>
+        <p:nvSpPr>
+          <p:cNvPr id="3" name="Content Placeholder 2"/>
+          <p:cNvSpPr>
+            <a:spLocks noGrp="1"/>
+          </p:cNvSpPr>
+          <p:nvPr>
+            <p:ph idx="1"/>
+          </p:nvPr>
+        </p:nvSpPr>
+        <p:spPr>
+          <a:xfrm>
+            <a:off x="457200" y="1299334"/>
+            <a:ext cx="8229600" cy="4826829"/>
+          </a:xfrm>
+        </p:spPr>
+        <p:txBody>
+          <a:bodyPr>
+            <a:normAutofit fontScale="92500" lnSpcReduction="20000"/>
+          </a:bodyPr>
+          <a:lstStyle/>
+          <a:p>
+            <a:r>
+              <a:rPr lang="en-US" dirty="0" err="1" smtClean="0"/>
+              <a:t>Spamassassin</a:t>
+            </a:r>
+            <a:r>
+              <a:rPr lang="en-US" dirty="0" smtClean="0"/>
+              <a:t> – No. 1 </a:t>
+            </a:r>
+            <a:r>
+              <a:rPr lang="en-US" dirty="0"/>
+              <a:t>Open Source anti-spam platform giving system administrators a filter to classify email and block spam (unsolicited bulk email</a:t>
+            </a:r>
+            <a:r>
+              <a:rPr lang="en-US" dirty="0" smtClean="0"/>
+              <a:t>)</a:t>
+            </a:r>
+          </a:p>
+          <a:p>
+            <a:r>
+              <a:rPr lang="en-US" dirty="0" err="1" smtClean="0"/>
+              <a:t>ClamAV</a:t>
+            </a:r>
+            <a:r>
+              <a:rPr lang="en-US" dirty="0" smtClean="0"/>
+              <a:t> – Virus scanning software. Can be used for </a:t>
+            </a:r>
+            <a:r>
+              <a:rPr lang="en-US" dirty="0"/>
+              <a:t>email </a:t>
+            </a:r>
+            <a:r>
+              <a:rPr lang="en-US" dirty="0" smtClean="0"/>
+              <a:t>scanning</a:t>
+            </a:r>
+            <a:r>
+              <a:rPr lang="en-US" dirty="0"/>
+              <a:t> </a:t>
+            </a:r>
+            <a:r>
+              <a:rPr lang="en-US" dirty="0" smtClean="0"/>
+              <a:t>and web scanning</a:t>
+            </a:r>
+          </a:p>
+          <a:p>
+            <a:r>
+              <a:rPr lang="en-US" dirty="0" err="1" smtClean="0"/>
+              <a:t>Amavisd</a:t>
+            </a:r>
+            <a:r>
+              <a:rPr lang="en-US" dirty="0" smtClean="0"/>
+              <a:t> – interface between the MTA and the above tools. </a:t>
+            </a:r>
+            <a:r>
+              <a:rPr lang="en-US" dirty="0"/>
+              <a:t>A common mail filtering installation with </a:t>
+            </a:r>
+            <a:r>
+              <a:rPr lang="en-US" i="1" dirty="0" err="1"/>
+              <a:t>Amavis</a:t>
+            </a:r>
+            <a:r>
+              <a:rPr lang="en-US" dirty="0"/>
+              <a:t> consists of </a:t>
+            </a:r>
+            <a:r>
+              <a:rPr lang="en-US" dirty="0" smtClean="0"/>
+              <a:t>an MTA, </a:t>
+            </a:r>
+            <a:r>
+              <a:rPr lang="en-US" dirty="0" err="1" smtClean="0"/>
+              <a:t>ClamAV</a:t>
+            </a:r>
+            <a:r>
+              <a:rPr lang="en-US" dirty="0" smtClean="0"/>
               <a:t> and </a:t>
             </a:r>
             <a:r>
-              <a:rPr lang="en-US" sz="2400" b="1">
-                <a:latin typeface="Arial" charset="0"/>
-                <a:cs typeface="DejaVu Sans" charset="0"/>
-              </a:rPr>
-              <a:t>current</a:t>
-            </a:r>
-            <a:r>
-              <a:rPr lang="en-US" sz="2400">
-                <a:latin typeface="Arial" charset="0"/>
-                <a:cs typeface="DejaVu Sans" charset="0"/>
-              </a:rPr>
-              <a:t> </a:t>
-            </a:r>
-          </a:p>
-          <a:p>
-            <a:pPr marL="97921" indent="0">
-              <a:lnSpc>
-                <a:spcPct val="76000"/>
-              </a:lnSpc>
-              <a:buFont typeface="Wingdings" charset="0"/>
-              <a:buChar char="§"/>
-            </a:pPr>
-            <a:endParaRPr lang="en-US" sz="2400">
-              <a:latin typeface="Arial" charset="0"/>
-              <a:cs typeface="DejaVu Sans" charset="0"/>
-            </a:endParaRPr>
-          </a:p>
-          <a:p>
-            <a:pPr marL="97921" indent="0">
-              <a:lnSpc>
-                <a:spcPct val="76000"/>
-              </a:lnSpc>
-            </a:pPr>
-            <a:endParaRPr lang="en-US" sz="2400">
-              <a:latin typeface="Arial" charset="0"/>
-              <a:cs typeface="DejaVu Sans" charset="0"/>
-            </a:endParaRPr>
+              <a:rPr lang="en-US" dirty="0" err="1" smtClean="0"/>
+              <a:t>Spamassassin</a:t>
+            </a:r>
+            <a:endParaRPr lang="en-US" dirty="0"/>
+          </a:p>
+          <a:p>
+            <a:r>
+              <a:rPr lang="en-US" dirty="0" err="1" smtClean="0"/>
+              <a:t>MailScanner</a:t>
+            </a:r>
+            <a:r>
+              <a:rPr lang="en-US" dirty="0" smtClean="0"/>
+              <a:t> - </a:t>
+            </a:r>
+            <a:r>
+              <a:rPr lang="en-US" dirty="0"/>
+              <a:t>open source email security system design for Linux-based email </a:t>
+            </a:r>
+            <a:r>
+              <a:rPr lang="en-US" dirty="0" smtClean="0"/>
+              <a:t>gateways</a:t>
+            </a:r>
+          </a:p>
+          <a:p>
+            <a:endParaRPr lang="en-US" dirty="0"/>
+          </a:p>
+          <a:p>
+            <a:endParaRPr lang="en-US" dirty="0" smtClean="0"/>
+          </a:p>
+          <a:p>
+            <a:endParaRPr lang="en-US" dirty="0"/>
           </a:p>
         </p:txBody>
       </p:sp>
     </p:spTree>
     <p:extLst>
       <p:ext uri="{BB962C8B-B14F-4D97-AF65-F5344CB8AC3E}">
-        <p14:creationId xmlns:p14="http://schemas.microsoft.com/office/powerpoint/2010/main" val="1346429312"/>
+        <p14:creationId xmlns:p14="http://schemas.microsoft.com/office/powerpoint/2010/main" val="3027278549"/>
       </p:ext>
     </p:extLst>
   </p:cSld>
   <p:clrMapOvr>
     <a:masterClrMapping/>
   </p:clrMapOvr>
-  <p:timing>
-    <p:tnLst>
-      <p:par>
-        <p:cTn xmlns:p14="http://schemas.microsoft.com/office/powerpoint/2010/main" id="1" dur="indefinite" restart="never" nodeType="tmRoot"/>
-      </p:par>
-    </p:tnLst>
-  </p:timing>
 </p:sld>
 </file>
 
@@ -8659,7 +7210,7 @@
       </p:grpSpPr>
       <p:sp>
         <p:nvSpPr>
-          <p:cNvPr id="21505" name="Title 4"/>
+          <p:cNvPr id="2" name="Title 1"/>
           <p:cNvSpPr>
             <a:spLocks noGrp="1"/>
           </p:cNvSpPr>
@@ -8673,154 +7224,145 @@
           <a:lstStyle/>
           <a:p>
             <a:r>
-              <a:rPr lang="en-US" b="1" dirty="0">
-                <a:latin typeface="Arial" charset="0"/>
-                <a:cs typeface="DejaVu Sans" charset="0"/>
+              <a:rPr lang="en-US" b="1" dirty="0" smtClean="0"/>
+              <a:t>Mail Gateway Appliances</a:t>
+            </a:r>
+            <a:endParaRPr lang="en-US" b="1" dirty="0"/>
+          </a:p>
+        </p:txBody>
+      </p:sp>
+      <p:sp>
+        <p:nvSpPr>
+          <p:cNvPr id="3" name="Content Placeholder 2"/>
+          <p:cNvSpPr>
+            <a:spLocks noGrp="1"/>
+          </p:cNvSpPr>
+          <p:nvPr>
+            <p:ph idx="1"/>
+          </p:nvPr>
+        </p:nvSpPr>
+        <p:spPr/>
+        <p:txBody>
+          <a:bodyPr/>
+          <a:lstStyle/>
+          <a:p>
+            <a:pPr marL="0" indent="0">
+              <a:buNone/>
+            </a:pPr>
+            <a:r>
+              <a:rPr lang="en-US" dirty="0" smtClean="0"/>
+              <a:t>These are solutions that can be installed on servers and provide Mail Gateway services</a:t>
+            </a:r>
+          </a:p>
+          <a:p>
+            <a:r>
+              <a:rPr lang="en-US" dirty="0" smtClean="0"/>
+              <a:t>Anti Spam SMTP </a:t>
+            </a:r>
+            <a:r>
+              <a:rPr lang="en-US" dirty="0"/>
+              <a:t>Proxy - </a:t>
+            </a:r>
+            <a:r>
+              <a:rPr lang="en-US" dirty="0">
+                <a:hlinkClick r:id="rId2"/>
               </a:rPr>
-              <a:t>How </a:t>
-            </a:r>
-            <a:r>
-              <a:rPr lang="en-US" b="1" dirty="0" err="1">
-                <a:latin typeface="Arial" charset="0"/>
-                <a:cs typeface="DejaVu Sans" charset="0"/>
+              <a:t>http://en.wikipedia.org/wiki/Anti-</a:t>
+            </a:r>
+            <a:r>
+              <a:rPr lang="en-US" dirty="0" smtClean="0">
+                <a:hlinkClick r:id="rId2"/>
               </a:rPr>
-              <a:t>Maildir</a:t>
-            </a:r>
-            <a:r>
-              <a:rPr lang="en-US" b="1" dirty="0">
-                <a:latin typeface="Arial" charset="0"/>
-                <a:cs typeface="DejaVu Sans" charset="0"/>
+              <a:t>Spam_SMTP_Proxy</a:t>
+            </a:r>
+            <a:r>
+              <a:rPr lang="en-US" dirty="0" smtClean="0"/>
+              <a:t> </a:t>
+            </a:r>
+          </a:p>
+          <a:p>
+            <a:r>
+              <a:rPr lang="en-US" dirty="0"/>
+              <a:t>Mail Border -  </a:t>
+            </a:r>
+            <a:r>
+              <a:rPr lang="en-US" dirty="0">
+                <a:hlinkClick r:id="rId3"/>
               </a:rPr>
-              <a:t> Works</a:t>
-            </a:r>
-          </a:p>
-        </p:txBody>
-      </p:sp>
-      <p:sp>
-        <p:nvSpPr>
-          <p:cNvPr id="21506" name="Content Placeholder 5"/>
-          <p:cNvSpPr>
-            <a:spLocks noGrp="1"/>
-          </p:cNvSpPr>
-          <p:nvPr>
-            <p:ph idx="1"/>
-          </p:nvPr>
-        </p:nvSpPr>
-        <p:spPr/>
-        <p:txBody>
-          <a:bodyPr/>
-          <a:lstStyle/>
-          <a:p>
-            <a:pPr>
-              <a:lnSpc>
-                <a:spcPct val="76000"/>
-              </a:lnSpc>
-              <a:buFont typeface="Wingdings" charset="0"/>
-              <a:buChar char="§"/>
-            </a:pPr>
-            <a:r>
-              <a:rPr lang="en-US" sz="2700">
-                <a:latin typeface="Arial" charset="0"/>
-                <a:cs typeface="DejaVu Sans" charset="0"/>
+              <a:t>http://www.mailborder.com</a:t>
+            </a:r>
+            <a:r>
+              <a:rPr lang="en-US" dirty="0" smtClean="0">
+                <a:hlinkClick r:id="rId3"/>
               </a:rPr>
-              <a:t>The mail delivery agent stores all new emails to the mailbox in the tmp directory with a unique filename. (unique = time + hostname+ random generated number) </a:t>
-            </a:r>
-          </a:p>
-          <a:p>
-            <a:pPr>
-              <a:lnSpc>
-                <a:spcPct val="76000"/>
-              </a:lnSpc>
-              <a:buFont typeface="Wingdings" charset="0"/>
-              <a:buChar char="§"/>
-            </a:pPr>
-            <a:r>
-              <a:rPr lang="en-US" sz="2700">
-                <a:latin typeface="Arial" charset="0"/>
-                <a:cs typeface="DejaVu Sans" charset="0"/>
+              <a:t>/</a:t>
+            </a:r>
+            <a:r>
+              <a:rPr lang="en-US" dirty="0" smtClean="0"/>
+              <a:t> </a:t>
+            </a:r>
+          </a:p>
+          <a:p>
+            <a:r>
+              <a:rPr lang="en-US" dirty="0"/>
+              <a:t>ScrolloutF1 - </a:t>
+            </a:r>
+            <a:r>
+              <a:rPr lang="en-US" dirty="0">
+                <a:hlinkClick r:id="rId4"/>
               </a:rPr>
-              <a:t>The MDA creates a hard link to the file in tmp/unique to new/unique</a:t>
-            </a:r>
-          </a:p>
-          <a:p>
-            <a:pPr>
-              <a:lnSpc>
-                <a:spcPct val="76000"/>
-              </a:lnSpc>
-              <a:buFont typeface="Wingdings" charset="0"/>
-              <a:buChar char="§"/>
-            </a:pPr>
-            <a:r>
-              <a:rPr lang="en-US" sz="2700">
-                <a:latin typeface="Arial" charset="0"/>
-                <a:cs typeface="DejaVu Sans" charset="0"/>
+              <a:t>http://www.scrolloutf1.com</a:t>
+            </a:r>
+            <a:r>
+              <a:rPr lang="en-US" dirty="0" smtClean="0">
+                <a:hlinkClick r:id="rId4"/>
               </a:rPr>
-              <a:t>The Mail User Agent will check for new emails in new folder and move them to current folder</a:t>
-            </a:r>
-          </a:p>
-          <a:p>
-            <a:pPr>
-              <a:lnSpc>
-                <a:spcPct val="76000"/>
-              </a:lnSpc>
-              <a:buFont typeface="Wingdings" charset="0"/>
-              <a:buChar char="§"/>
-            </a:pPr>
-            <a:r>
-              <a:rPr lang="en-US" sz="2700">
-                <a:latin typeface="Arial" charset="0"/>
-                <a:cs typeface="DejaVu Sans" charset="0"/>
+              <a:t>/</a:t>
+            </a:r>
+            <a:r>
+              <a:rPr lang="en-US" dirty="0" smtClean="0"/>
+              <a:t> </a:t>
+            </a:r>
+          </a:p>
+          <a:p>
+            <a:r>
+              <a:rPr lang="en-US" dirty="0" err="1" smtClean="0"/>
+              <a:t>Xeams</a:t>
+            </a:r>
+            <a:r>
+              <a:rPr lang="en-US" dirty="0"/>
+              <a:t> - </a:t>
+            </a:r>
+            <a:r>
+              <a:rPr lang="en-US" dirty="0">
+                <a:hlinkClick r:id="rId5"/>
               </a:rPr>
-              <a:t>The MUA modifies the filename to add a colon (</a:t>
-            </a:r>
-            <a:r>
-              <a:rPr lang="en-US" sz="2700">
-                <a:latin typeface="Arial" charset="0"/>
-                <a:cs typeface="DejaVu Sans" charset="0"/>
-                <a:sym typeface="Wingdings" charset="0"/>
+              <a:t>http://www.xeams.com</a:t>
+            </a:r>
+            <a:r>
+              <a:rPr lang="en-US" dirty="0" smtClean="0">
+                <a:hlinkClick r:id="rId5"/>
               </a:rPr>
-              <a:t>:), a ‘2’ and various flags to represent message status i.e read, replied, forwarded, deleted, etc</a:t>
-            </a:r>
-            <a:endParaRPr lang="en-US" sz="2700">
-              <a:latin typeface="Arial" charset="0"/>
-              <a:cs typeface="DejaVu Sans" charset="0"/>
-            </a:endParaRPr>
-          </a:p>
-          <a:p>
-            <a:pPr>
-              <a:lnSpc>
-                <a:spcPct val="76000"/>
-              </a:lnSpc>
-              <a:buFont typeface="Wingdings" charset="0"/>
-              <a:buChar char="§"/>
-            </a:pPr>
-            <a:r>
-              <a:rPr lang="en-US" sz="2700">
-                <a:latin typeface="Arial" charset="0"/>
-                <a:cs typeface="DejaVu Sans" charset="0"/>
-              </a:rPr>
-              <a:t>  </a:t>
-            </a:r>
+              <a:t>/</a:t>
+            </a:r>
+            <a:r>
+              <a:rPr lang="en-US" dirty="0" smtClean="0"/>
+              <a:t> </a:t>
+            </a:r>
+            <a:endParaRPr lang="en-US" dirty="0"/>
           </a:p>
         </p:txBody>
       </p:sp>
     </p:spTree>
     <p:extLst>
       <p:ext uri="{BB962C8B-B14F-4D97-AF65-F5344CB8AC3E}">
-        <p14:creationId xmlns:p14="http://schemas.microsoft.com/office/powerpoint/2010/main" val="1626622386"/>
+        <p14:creationId xmlns:p14="http://schemas.microsoft.com/office/powerpoint/2010/main" val="3989550600"/>
       </p:ext>
     </p:extLst>
   </p:cSld>
   <p:clrMapOvr>
     <a:masterClrMapping/>
   </p:clrMapOvr>
-  <p:timing>
-    <p:tnLst>
-      <p:par>
-        <p:cTn xmlns:p14="http://schemas.microsoft.com/office/powerpoint/2010/main" id="1" dur="indefinite" restart="never" nodeType="tmRoot"/>
-      </p:par>
-    </p:tnLst>
-  </p:timing>
 </p:sld>
 </file>
 
@@ -8843,480 +7385,130 @@
       </p:grpSpPr>
       <p:sp>
         <p:nvSpPr>
-          <p:cNvPr id="22529" name="Rectangle 1"/>
-          <p:cNvSpPr>
-            <a:spLocks noGrp="1" noChangeArrowheads="1"/>
+          <p:cNvPr id="2" name="Title 1"/>
+          <p:cNvSpPr>
+            <a:spLocks noGrp="1"/>
           </p:cNvSpPr>
           <p:nvPr>
             <p:ph type="title"/>
           </p:nvPr>
         </p:nvSpPr>
-        <p:spPr>
-          <a:xfrm>
-            <a:off x="391680" y="0"/>
-            <a:ext cx="8229600" cy="1146360"/>
-          </a:xfrm>
-        </p:spPr>
+        <p:spPr/>
         <p:txBody>
           <a:bodyPr/>
           <a:lstStyle/>
           <a:p>
-            <a:pPr>
-              <a:tabLst>
-                <a:tab pos="656650" algn="l"/>
-                <a:tab pos="1313299" algn="l"/>
-                <a:tab pos="1969949" algn="l"/>
-                <a:tab pos="2626599" algn="l"/>
-                <a:tab pos="3283248" algn="l"/>
-                <a:tab pos="3939898" algn="l"/>
-                <a:tab pos="4596548" algn="l"/>
-                <a:tab pos="5253198" algn="l"/>
-                <a:tab pos="5909847" algn="l"/>
-                <a:tab pos="6566497" algn="l"/>
-                <a:tab pos="7223147" algn="l"/>
-                <a:tab pos="7879796" algn="l"/>
-              </a:tabLst>
-            </a:pPr>
-            <a:r>
-              <a:rPr lang="en-GB" dirty="0">
-                <a:latin typeface="Arial" charset="0"/>
-                <a:cs typeface="DejaVu Sans" charset="0"/>
+            <a:r>
+              <a:rPr lang="en-US" b="1" dirty="0" err="1" smtClean="0"/>
+              <a:t>MailScanner</a:t>
+            </a:r>
+            <a:r>
+              <a:rPr lang="en-US" b="1" dirty="0" smtClean="0"/>
+              <a:t> as an Appliance</a:t>
+            </a:r>
+            <a:endParaRPr lang="en-US" b="1" dirty="0"/>
+          </a:p>
+        </p:txBody>
+      </p:sp>
+      <p:sp>
+        <p:nvSpPr>
+          <p:cNvPr id="3" name="Content Placeholder 2"/>
+          <p:cNvSpPr>
+            <a:spLocks noGrp="1"/>
+          </p:cNvSpPr>
+          <p:nvPr>
+            <p:ph idx="1"/>
+          </p:nvPr>
+        </p:nvSpPr>
+        <p:spPr/>
+        <p:txBody>
+          <a:bodyPr/>
+          <a:lstStyle/>
+          <a:p>
+            <a:r>
+              <a:rPr lang="en-US" dirty="0" err="1" smtClean="0"/>
+              <a:t>MailScanner</a:t>
+            </a:r>
+            <a:r>
+              <a:rPr lang="en-US" dirty="0" smtClean="0"/>
+              <a:t> can be combined with a frontend to become a Mail Gateway appliance</a:t>
+            </a:r>
+          </a:p>
+          <a:p>
+            <a:r>
+              <a:rPr lang="en-US" dirty="0" smtClean="0"/>
+              <a:t>Two frontends are available:</a:t>
+            </a:r>
+          </a:p>
+          <a:p>
+            <a:pPr lvl="1"/>
+            <a:r>
+              <a:rPr lang="en-US" dirty="0" err="1" smtClean="0"/>
+              <a:t>Baruwa</a:t>
+            </a:r>
+            <a:r>
+              <a:rPr lang="en-US" dirty="0" smtClean="0"/>
+              <a:t> – </a:t>
+            </a:r>
+            <a:r>
+              <a:rPr lang="en-US" dirty="0" smtClean="0">
+                <a:hlinkClick r:id="rId2"/>
               </a:rPr>
-              <a:t>What is Dovecot?</a:t>
-            </a:r>
-          </a:p>
-        </p:txBody>
-      </p:sp>
-      <p:sp>
-        <p:nvSpPr>
-          <p:cNvPr id="22530" name="Rectangle 2"/>
-          <p:cNvSpPr>
-            <a:spLocks noGrp="1" noChangeArrowheads="1"/>
-          </p:cNvSpPr>
-          <p:nvPr>
-            <p:ph type="body" idx="1"/>
-          </p:nvPr>
-        </p:nvSpPr>
-        <p:spPr>
-          <a:xfrm>
-            <a:off x="456998" y="1142648"/>
-            <a:ext cx="8280000" cy="4860511"/>
-          </a:xfrm>
-        </p:spPr>
-        <p:txBody>
-          <a:bodyPr/>
-          <a:lstStyle/>
-          <a:p>
-            <a:pPr>
-              <a:lnSpc>
-                <a:spcPct val="86000"/>
-              </a:lnSpc>
-              <a:buFont typeface="Wingdings" charset="0"/>
-              <a:buChar char=""/>
-              <a:tabLst>
-                <a:tab pos="656650" algn="l"/>
-                <a:tab pos="1313299" algn="l"/>
-                <a:tab pos="1969949" algn="l"/>
-                <a:tab pos="2626599" algn="l"/>
-                <a:tab pos="3283248" algn="l"/>
-                <a:tab pos="3939898" algn="l"/>
-                <a:tab pos="4596548" algn="l"/>
-                <a:tab pos="5253198" algn="l"/>
-                <a:tab pos="5909847" algn="l"/>
-                <a:tab pos="6566497" algn="l"/>
-                <a:tab pos="7223147" algn="l"/>
-                <a:tab pos="7879796" algn="l"/>
-              </a:tabLst>
-            </a:pPr>
-            <a:r>
-              <a:rPr lang="en-GB" sz="2500" dirty="0">
-                <a:latin typeface="Arial" charset="0"/>
-                <a:cs typeface="DejaVu Sans" charset="0"/>
+              <a:t>http://baruwa.org</a:t>
+            </a:r>
+            <a:r>
+              <a:rPr lang="en-US" dirty="0" smtClean="0"/>
+              <a:t> </a:t>
+            </a:r>
+          </a:p>
+          <a:p>
+            <a:pPr lvl="1"/>
+            <a:r>
+              <a:rPr lang="en-US" dirty="0" err="1" smtClean="0"/>
+              <a:t>Mailwatch</a:t>
+            </a:r>
+            <a:r>
+              <a:rPr lang="en-US" dirty="0"/>
+              <a:t> - </a:t>
+            </a:r>
+            <a:r>
+              <a:rPr lang="en-US" dirty="0">
+                <a:hlinkClick r:id="rId3"/>
               </a:rPr>
-              <a:t>High-performance POP and IMAP server</a:t>
-            </a:r>
-          </a:p>
-          <a:p>
-            <a:pPr>
-              <a:lnSpc>
-                <a:spcPct val="86000"/>
-              </a:lnSpc>
-              <a:buFont typeface="Wingdings" charset="0"/>
-              <a:buChar char=""/>
-              <a:tabLst>
-                <a:tab pos="656650" algn="l"/>
-                <a:tab pos="1313299" algn="l"/>
-                <a:tab pos="1969949" algn="l"/>
-                <a:tab pos="2626599" algn="l"/>
-                <a:tab pos="3283248" algn="l"/>
-                <a:tab pos="3939898" algn="l"/>
-                <a:tab pos="4596548" algn="l"/>
-                <a:tab pos="5253198" algn="l"/>
-                <a:tab pos="5909847" algn="l"/>
-                <a:tab pos="6566497" algn="l"/>
-                <a:tab pos="7223147" algn="l"/>
-                <a:tab pos="7879796" algn="l"/>
-              </a:tabLst>
-            </a:pPr>
-            <a:r>
-              <a:rPr lang="en-GB" sz="2500" dirty="0">
-                <a:latin typeface="Arial" charset="0"/>
-                <a:cs typeface="DejaVu Sans" charset="0"/>
+              <a:t>http://mailwatch.org</a:t>
+            </a:r>
+            <a:r>
+              <a:rPr lang="en-US" dirty="0" smtClean="0">
+                <a:hlinkClick r:id="rId3"/>
               </a:rPr>
-              <a:t>Developed by </a:t>
-            </a:r>
-            <a:r>
-              <a:rPr lang="en-GB" sz="2500" dirty="0" err="1">
-                <a:latin typeface="Arial" charset="0"/>
-                <a:cs typeface="DejaVu Sans" charset="0"/>
-              </a:rPr>
-              <a:t>Timo</a:t>
-            </a:r>
-            <a:r>
-              <a:rPr lang="en-GB" sz="2500" dirty="0">
-                <a:latin typeface="Arial" charset="0"/>
-                <a:cs typeface="DejaVu Sans" charset="0"/>
-              </a:rPr>
+              <a:t>/</a:t>
+            </a:r>
+            <a:r>
+              <a:rPr lang="en-US" dirty="0" smtClean="0"/>
               <a:t> </a:t>
             </a:r>
-            <a:r>
-              <a:rPr lang="en-GB" sz="2500" dirty="0" err="1">
-                <a:latin typeface="Arial" charset="0"/>
-                <a:cs typeface="DejaVu Sans" charset="0"/>
-              </a:rPr>
-              <a:t>Sirainen</a:t>
-            </a:r>
-            <a:endParaRPr lang="en-GB" sz="2500" dirty="0">
-              <a:latin typeface="Arial" charset="0"/>
-              <a:cs typeface="DejaVu Sans" charset="0"/>
-            </a:endParaRPr>
-          </a:p>
-          <a:p>
-            <a:pPr>
-              <a:lnSpc>
-                <a:spcPct val="86000"/>
-              </a:lnSpc>
-              <a:buFont typeface="Wingdings" charset="0"/>
-              <a:buChar char=""/>
-              <a:tabLst>
-                <a:tab pos="656650" algn="l"/>
-                <a:tab pos="1313299" algn="l"/>
-                <a:tab pos="1969949" algn="l"/>
-                <a:tab pos="2626599" algn="l"/>
-                <a:tab pos="3283248" algn="l"/>
-                <a:tab pos="3939898" algn="l"/>
-                <a:tab pos="4596548" algn="l"/>
-                <a:tab pos="5253198" algn="l"/>
-                <a:tab pos="5909847" algn="l"/>
-                <a:tab pos="6566497" algn="l"/>
-                <a:tab pos="7223147" algn="l"/>
-                <a:tab pos="7879796" algn="l"/>
-              </a:tabLst>
-            </a:pPr>
-            <a:r>
-              <a:rPr lang="en-GB" sz="2500" dirty="0">
-                <a:latin typeface="Arial" charset="0"/>
-                <a:cs typeface="DejaVu Sans" charset="0"/>
-              </a:rPr>
-              <a:t>Unlike say UW IMAP it wasn't written in the 80s</a:t>
-            </a:r>
-          </a:p>
-          <a:p>
-            <a:pPr>
-              <a:lnSpc>
-                <a:spcPct val="86000"/>
-              </a:lnSpc>
-              <a:buFont typeface="Wingdings" charset="0"/>
-              <a:buChar char=""/>
-              <a:tabLst>
-                <a:tab pos="656650" algn="l"/>
-                <a:tab pos="1313299" algn="l"/>
-                <a:tab pos="1969949" algn="l"/>
-                <a:tab pos="2626599" algn="l"/>
-                <a:tab pos="3283248" algn="l"/>
-                <a:tab pos="3939898" algn="l"/>
-                <a:tab pos="4596548" algn="l"/>
-                <a:tab pos="5253198" algn="l"/>
-                <a:tab pos="5909847" algn="l"/>
-                <a:tab pos="6566497" algn="l"/>
-                <a:tab pos="7223147" algn="l"/>
-                <a:tab pos="7879796" algn="l"/>
-              </a:tabLst>
-            </a:pPr>
-            <a:r>
-              <a:rPr lang="en-GB" sz="2500" dirty="0">
-                <a:latin typeface="Arial" charset="0"/>
-                <a:cs typeface="DejaVu Sans" charset="0"/>
-              </a:rPr>
-              <a:t>Transparently index's mailbox contents (Why is this important?)</a:t>
-            </a:r>
-          </a:p>
-          <a:p>
-            <a:pPr>
-              <a:lnSpc>
-                <a:spcPct val="86000"/>
-              </a:lnSpc>
-              <a:buFont typeface="Wingdings" charset="0"/>
-              <a:buChar char=""/>
-              <a:tabLst>
-                <a:tab pos="656650" algn="l"/>
-                <a:tab pos="1313299" algn="l"/>
-                <a:tab pos="1969949" algn="l"/>
-                <a:tab pos="2626599" algn="l"/>
-                <a:tab pos="3283248" algn="l"/>
-                <a:tab pos="3939898" algn="l"/>
-                <a:tab pos="4596548" algn="l"/>
-                <a:tab pos="5253198" algn="l"/>
-                <a:tab pos="5909847" algn="l"/>
-                <a:tab pos="6566497" algn="l"/>
-                <a:tab pos="7223147" algn="l"/>
-                <a:tab pos="7879796" algn="l"/>
-              </a:tabLst>
-            </a:pPr>
-            <a:r>
-              <a:rPr lang="en-GB" sz="2500" dirty="0">
-                <a:latin typeface="Arial" charset="0"/>
-                <a:cs typeface="DejaVu Sans" charset="0"/>
-              </a:rPr>
-              <a:t>Supports both </a:t>
-            </a:r>
-            <a:r>
-              <a:rPr lang="en-GB" sz="2500" dirty="0" err="1">
-                <a:latin typeface="Arial" charset="0"/>
-                <a:cs typeface="DejaVu Sans" charset="0"/>
-              </a:rPr>
-              <a:t>mbox</a:t>
-            </a:r>
-            <a:r>
-              <a:rPr lang="en-GB" sz="2500" dirty="0">
-                <a:latin typeface="Arial" charset="0"/>
-                <a:cs typeface="DejaVu Sans" charset="0"/>
-              </a:rPr>
-              <a:t> and </a:t>
-            </a:r>
-            <a:r>
-              <a:rPr lang="en-GB" sz="2500" dirty="0" err="1">
-                <a:latin typeface="Arial" charset="0"/>
-                <a:cs typeface="DejaVu Sans" charset="0"/>
-              </a:rPr>
-              <a:t>maildir</a:t>
-            </a:r>
-            <a:r>
-              <a:rPr lang="en-GB" sz="2500" dirty="0">
-                <a:latin typeface="Arial" charset="0"/>
-                <a:cs typeface="DejaVu Sans" charset="0"/>
-              </a:rPr>
-              <a:t> formats</a:t>
-            </a:r>
-          </a:p>
-          <a:p>
-            <a:pPr>
-              <a:lnSpc>
-                <a:spcPct val="86000"/>
-              </a:lnSpc>
-              <a:buFont typeface="Wingdings" charset="0"/>
-              <a:buChar char=""/>
-              <a:tabLst>
-                <a:tab pos="656650" algn="l"/>
-                <a:tab pos="1313299" algn="l"/>
-                <a:tab pos="1969949" algn="l"/>
-                <a:tab pos="2626599" algn="l"/>
-                <a:tab pos="3283248" algn="l"/>
-                <a:tab pos="3939898" algn="l"/>
-                <a:tab pos="4596548" algn="l"/>
-                <a:tab pos="5253198" algn="l"/>
-                <a:tab pos="5909847" algn="l"/>
-                <a:tab pos="6566497" algn="l"/>
-                <a:tab pos="7223147" algn="l"/>
-                <a:tab pos="7879796" algn="l"/>
-              </a:tabLst>
-            </a:pPr>
-            <a:r>
-              <a:rPr lang="en-GB" sz="2500" dirty="0">
-                <a:latin typeface="Arial" charset="0"/>
-                <a:cs typeface="DejaVu Sans" charset="0"/>
-              </a:rPr>
-              <a:t>Capable of operating in an environment with minimal locking. (Why is this important)</a:t>
-            </a:r>
-          </a:p>
-          <a:p>
-            <a:pPr>
-              <a:lnSpc>
-                <a:spcPct val="86000"/>
-              </a:lnSpc>
-              <a:buFont typeface="Wingdings" charset="0"/>
-              <a:buChar char=""/>
-              <a:tabLst>
-                <a:tab pos="656650" algn="l"/>
-                <a:tab pos="1313299" algn="l"/>
-                <a:tab pos="1969949" algn="l"/>
-                <a:tab pos="2626599" algn="l"/>
-                <a:tab pos="3283248" algn="l"/>
-                <a:tab pos="3939898" algn="l"/>
-                <a:tab pos="4596548" algn="l"/>
-                <a:tab pos="5253198" algn="l"/>
-                <a:tab pos="5909847" algn="l"/>
-                <a:tab pos="6566497" algn="l"/>
-                <a:tab pos="7223147" algn="l"/>
-                <a:tab pos="7879796" algn="l"/>
-              </a:tabLst>
-            </a:pPr>
-            <a:r>
-              <a:rPr lang="en-GB" sz="2500" dirty="0">
-                <a:latin typeface="Arial" charset="0"/>
-                <a:cs typeface="DejaVu Sans" charset="0"/>
-              </a:rPr>
-              <a:t>Graceful around failures (index repair for example)</a:t>
-            </a:r>
-          </a:p>
-          <a:p>
-            <a:pPr>
-              <a:lnSpc>
-                <a:spcPct val="86000"/>
-              </a:lnSpc>
-              <a:buFont typeface="Wingdings" charset="0"/>
-              <a:buChar char=""/>
-              <a:tabLst>
-                <a:tab pos="656650" algn="l"/>
-                <a:tab pos="1313299" algn="l"/>
-                <a:tab pos="1969949" algn="l"/>
-                <a:tab pos="2626599" algn="l"/>
-                <a:tab pos="3283248" algn="l"/>
-                <a:tab pos="3939898" algn="l"/>
-                <a:tab pos="4596548" algn="l"/>
-                <a:tab pos="5253198" algn="l"/>
-                <a:tab pos="5909847" algn="l"/>
-                <a:tab pos="6566497" algn="l"/>
-                <a:tab pos="7223147" algn="l"/>
-                <a:tab pos="7879796" algn="l"/>
-              </a:tabLst>
-            </a:pPr>
-            <a:r>
-              <a:rPr lang="en-GB" sz="2500" dirty="0">
-                <a:latin typeface="Arial" charset="0"/>
-                <a:cs typeface="DejaVu Sans" charset="0"/>
-              </a:rPr>
-              <a:t>Designed with Security in mind – support for Authentication Mechanism and SSL/TLS </a:t>
-            </a:r>
-          </a:p>
-          <a:p>
-            <a:pPr>
-              <a:lnSpc>
-                <a:spcPct val="86000"/>
-              </a:lnSpc>
-              <a:buFont typeface="Wingdings" charset="0"/>
-              <a:buChar char=""/>
-              <a:tabLst>
-                <a:tab pos="656650" algn="l"/>
-                <a:tab pos="1313299" algn="l"/>
-                <a:tab pos="1969949" algn="l"/>
-                <a:tab pos="2626599" algn="l"/>
-                <a:tab pos="3283248" algn="l"/>
-                <a:tab pos="3939898" algn="l"/>
-                <a:tab pos="4596548" algn="l"/>
-                <a:tab pos="5253198" algn="l"/>
-                <a:tab pos="5909847" algn="l"/>
-                <a:tab pos="6566497" algn="l"/>
-                <a:tab pos="7223147" algn="l"/>
-                <a:tab pos="7879796" algn="l"/>
-              </a:tabLst>
-            </a:pPr>
-            <a:r>
-              <a:rPr lang="en-GB" sz="2500" dirty="0">
-                <a:latin typeface="Arial" charset="0"/>
-                <a:cs typeface="DejaVu Sans" charset="0"/>
-              </a:rPr>
-              <a:t>Install: </a:t>
-            </a:r>
-            <a:r>
-              <a:rPr lang="en-GB" sz="2500" dirty="0">
-                <a:latin typeface="Courier New" charset="0"/>
-                <a:cs typeface="DejaVu Sans" charset="0"/>
-              </a:rPr>
-              <a:t>#cd </a:t>
-            </a:r>
-            <a:r>
-              <a:rPr lang="en-GB" sz="2500" dirty="0" err="1">
-                <a:latin typeface="Courier New" charset="0"/>
-                <a:cs typeface="DejaVu Sans" charset="0"/>
-              </a:rPr>
-              <a:t>pkg</a:t>
-            </a:r>
-            <a:r>
-              <a:rPr lang="en-GB" sz="2500" dirty="0">
-                <a:latin typeface="Courier New" charset="0"/>
-                <a:cs typeface="DejaVu Sans" charset="0"/>
-              </a:rPr>
-              <a:t> install dovecot</a:t>
-            </a:r>
-          </a:p>
-          <a:p>
-            <a:pPr>
-              <a:lnSpc>
-                <a:spcPct val="86000"/>
-              </a:lnSpc>
-              <a:buFont typeface="Wingdings" charset="0"/>
-              <a:buChar char=""/>
-              <a:tabLst>
-                <a:tab pos="656650" algn="l"/>
-                <a:tab pos="1313299" algn="l"/>
-                <a:tab pos="1969949" algn="l"/>
-                <a:tab pos="2626599" algn="l"/>
-                <a:tab pos="3283248" algn="l"/>
-                <a:tab pos="3939898" algn="l"/>
-                <a:tab pos="4596548" algn="l"/>
-                <a:tab pos="5253198" algn="l"/>
-                <a:tab pos="5909847" algn="l"/>
-                <a:tab pos="6566497" algn="l"/>
-                <a:tab pos="7223147" algn="l"/>
-                <a:tab pos="7879796" algn="l"/>
-              </a:tabLst>
-            </a:pPr>
-            <a:endParaRPr lang="en-GB" sz="2500" dirty="0">
-              <a:latin typeface="Arial" charset="0"/>
-              <a:cs typeface="DejaVu Sans" charset="0"/>
-            </a:endParaRPr>
+          </a:p>
+          <a:p>
+            <a:r>
+              <a:rPr lang="en-US" dirty="0" smtClean="0"/>
+              <a:t>When properly managed and configured with Postfix or Exim as the MTA, one can build a industrial strength grade mail gateway</a:t>
+            </a:r>
+          </a:p>
+          <a:p>
+            <a:endParaRPr lang="en-US" dirty="0"/>
           </a:p>
         </p:txBody>
       </p:sp>
     </p:spTree>
     <p:extLst>
       <p:ext uri="{BB962C8B-B14F-4D97-AF65-F5344CB8AC3E}">
-        <p14:creationId xmlns:p14="http://schemas.microsoft.com/office/powerpoint/2010/main" val="2956427372"/>
+        <p14:creationId xmlns:p14="http://schemas.microsoft.com/office/powerpoint/2010/main" val="3042801393"/>
       </p:ext>
     </p:extLst>
   </p:cSld>
   <p:clrMapOvr>
     <a:masterClrMapping/>
   </p:clrMapOvr>
-  <p:transition xmlns:p14="http://schemas.microsoft.com/office/powerpoint/2010/main" spd="med"/>
-  <p:timing>
-    <p:tnLst>
-      <p:par>
-        <p:cTn xmlns:p14="http://schemas.microsoft.com/office/powerpoint/2010/main" id="1" dur="indefinite" restart="never" nodeType="tmRoot">
-          <p:childTnLst>
-            <p:seq concurrent="1" nextAc="seek">
-              <p:cTn id="2" dur="0" nodeType="mainSeq"/>
-              <p:prevCondLst>
-                <p:cond evt="onPrev" delay="0">
-                  <p:tgtEl>
-                    <p:sldTgt/>
-                  </p:tgtEl>
-                </p:cond>
-              </p:prevCondLst>
-              <p:nextCondLst>
-                <p:cond evt="onNext" delay="0">
-                  <p:tgtEl>
-                    <p:sldTgt/>
-                  </p:tgtEl>
-                </p:cond>
-              </p:nextCondLst>
-            </p:seq>
-          </p:childTnLst>
-        </p:cTn>
-      </p:par>
-    </p:tnLst>
-  </p:timing>
 </p:sld>
 </file>
 
@@ -9339,2320 +7531,80 @@
       </p:grpSpPr>
       <p:sp>
         <p:nvSpPr>
-          <p:cNvPr id="28673" name="Rectangle 1"/>
-          <p:cNvSpPr>
-            <a:spLocks noGrp="1" noChangeArrowheads="1"/>
+          <p:cNvPr id="2" name="Title 1"/>
+          <p:cNvSpPr>
+            <a:spLocks noGrp="1"/>
           </p:cNvSpPr>
           <p:nvPr>
             <p:ph type="title"/>
           </p:nvPr>
         </p:nvSpPr>
-        <p:spPr>
-          <a:xfrm>
-            <a:off x="456480" y="119312"/>
-            <a:ext cx="8229600" cy="1064272"/>
-          </a:xfrm>
-        </p:spPr>
-        <p:txBody>
-          <a:bodyPr>
-            <a:normAutofit/>
-          </a:bodyPr>
-          <a:lstStyle/>
-          <a:p>
-            <a:pPr>
-              <a:tabLst>
-                <a:tab pos="656650" algn="l"/>
-                <a:tab pos="1313299" algn="l"/>
-                <a:tab pos="1969949" algn="l"/>
-                <a:tab pos="2626599" algn="l"/>
-                <a:tab pos="3283248" algn="l"/>
-                <a:tab pos="3939898" algn="l"/>
-                <a:tab pos="4596548" algn="l"/>
-                <a:tab pos="5253198" algn="l"/>
-                <a:tab pos="5909847" algn="l"/>
-                <a:tab pos="6566497" algn="l"/>
-                <a:tab pos="7223147" algn="l"/>
-                <a:tab pos="7879796" algn="l"/>
-              </a:tabLst>
-            </a:pPr>
-            <a:r>
-              <a:rPr lang="en-GB" sz="3200" b="1" dirty="0">
-                <a:latin typeface="Arial" charset="0"/>
-                <a:cs typeface="DejaVu Sans" charset="0"/>
-              </a:rPr>
-              <a:t>Dovecot 2 Protocols Configuration</a:t>
-            </a:r>
-          </a:p>
-        </p:txBody>
-      </p:sp>
-      <p:sp>
-        <p:nvSpPr>
-          <p:cNvPr id="25603" name="Rectangle 2"/>
-          <p:cNvSpPr>
-            <a:spLocks noGrp="1" noChangeArrowheads="1"/>
-          </p:cNvSpPr>
-          <p:nvPr>
-            <p:ph type="body" idx="1"/>
-          </p:nvPr>
-        </p:nvSpPr>
-        <p:spPr>
-          <a:xfrm>
-            <a:off x="217440" y="1183584"/>
-            <a:ext cx="8709120" cy="5380626"/>
-          </a:xfrm>
-        </p:spPr>
+        <p:spPr/>
+        <p:txBody>
+          <a:bodyPr/>
+          <a:lstStyle/>
+          <a:p>
+            <a:r>
+              <a:rPr lang="en-US" b="1" dirty="0" smtClean="0"/>
+              <a:t>Let us build our Mail Gateway</a:t>
+            </a:r>
+            <a:endParaRPr lang="en-US" b="1" dirty="0"/>
+          </a:p>
+        </p:txBody>
+      </p:sp>
+      <p:sp>
+        <p:nvSpPr>
+          <p:cNvPr id="3" name="Content Placeholder 2"/>
+          <p:cNvSpPr>
+            <a:spLocks noGrp="1"/>
+          </p:cNvSpPr>
+          <p:nvPr>
+            <p:ph idx="1"/>
+          </p:nvPr>
+        </p:nvSpPr>
+        <p:spPr/>
         <p:txBody>
           <a:bodyPr>
             <a:normAutofit fontScale="92500" lnSpcReduction="20000"/>
           </a:bodyPr>
           <a:lstStyle/>
           <a:p>
-            <a:pPr>
-              <a:buFont typeface="Wingdings" charset="0"/>
-              <a:buChar char=""/>
-              <a:tabLst>
-                <a:tab pos="656650" algn="l"/>
-                <a:tab pos="1313299" algn="l"/>
-                <a:tab pos="1969949" algn="l"/>
-                <a:tab pos="2626599" algn="l"/>
-                <a:tab pos="3283248" algn="l"/>
-                <a:tab pos="3939898" algn="l"/>
-                <a:tab pos="4596548" algn="l"/>
-                <a:tab pos="5253198" algn="l"/>
-                <a:tab pos="5909847" algn="l"/>
-                <a:tab pos="6566497" algn="l"/>
-                <a:tab pos="7223147" algn="l"/>
-                <a:tab pos="7879796" algn="l"/>
-              </a:tabLst>
-              <a:defRPr/>
-            </a:pPr>
-            <a:r>
-              <a:rPr lang="en-GB" dirty="0" smtClean="0">
-                <a:latin typeface="Arial" charset="0"/>
-                <a:cs typeface="DejaVu Sans" charset="0"/>
-              </a:rPr>
-              <a:t>Default dovecot </a:t>
-            </a:r>
-            <a:r>
-              <a:rPr lang="en-GB" dirty="0" err="1" smtClean="0">
-                <a:latin typeface="Arial" charset="0"/>
-                <a:cs typeface="DejaVu Sans" charset="0"/>
-              </a:rPr>
-              <a:t>config</a:t>
-            </a:r>
-            <a:r>
-              <a:rPr lang="en-GB" dirty="0" smtClean="0">
-                <a:latin typeface="Arial" charset="0"/>
-                <a:cs typeface="DejaVu Sans" charset="0"/>
-              </a:rPr>
-              <a:t> file</a:t>
-            </a:r>
-          </a:p>
-          <a:p>
-            <a:pPr lvl="1">
-              <a:buFont typeface="Wingdings" charset="0"/>
-              <a:buChar char=""/>
-              <a:tabLst>
-                <a:tab pos="656650" algn="l"/>
-                <a:tab pos="1313299" algn="l"/>
-                <a:tab pos="1969949" algn="l"/>
-                <a:tab pos="2626599" algn="l"/>
-                <a:tab pos="3283248" algn="l"/>
-                <a:tab pos="3939898" algn="l"/>
-                <a:tab pos="4596548" algn="l"/>
-                <a:tab pos="5253198" algn="l"/>
-                <a:tab pos="5909847" algn="l"/>
-                <a:tab pos="6566497" algn="l"/>
-                <a:tab pos="7223147" algn="l"/>
-                <a:tab pos="7879796" algn="l"/>
-              </a:tabLst>
-              <a:defRPr/>
-            </a:pPr>
-            <a:r>
-              <a:rPr lang="en-GB" dirty="0" smtClean="0">
-                <a:latin typeface="Courier New"/>
-                <a:cs typeface="Courier New"/>
-              </a:rPr>
-              <a:t>$ </a:t>
-            </a:r>
-            <a:r>
-              <a:rPr lang="en-GB" dirty="0" err="1" smtClean="0">
-                <a:latin typeface="Courier New"/>
-                <a:cs typeface="Courier New"/>
-              </a:rPr>
-              <a:t>sudo</a:t>
-            </a:r>
-            <a:r>
-              <a:rPr lang="en-GB" dirty="0" smtClean="0">
-                <a:latin typeface="Courier New"/>
-                <a:cs typeface="Courier New"/>
-              </a:rPr>
-              <a:t> </a:t>
-            </a:r>
-            <a:r>
-              <a:rPr lang="en-GB" dirty="0" err="1" smtClean="0">
-                <a:latin typeface="Courier New"/>
-                <a:cs typeface="Courier New"/>
-              </a:rPr>
-              <a:t>ee</a:t>
-            </a:r>
-            <a:r>
-              <a:rPr lang="en-GB" dirty="0" smtClean="0">
-                <a:latin typeface="Courier New"/>
-                <a:cs typeface="Courier New"/>
-              </a:rPr>
-              <a:t> /</a:t>
-            </a:r>
-            <a:r>
-              <a:rPr lang="en-GB" dirty="0" err="1" smtClean="0">
-                <a:latin typeface="Courier New"/>
-                <a:cs typeface="Courier New"/>
-              </a:rPr>
-              <a:t>usr</a:t>
-            </a:r>
-            <a:r>
-              <a:rPr lang="en-GB" dirty="0" smtClean="0">
-                <a:latin typeface="Courier New"/>
-                <a:cs typeface="Courier New"/>
-              </a:rPr>
-              <a:t>/local/</a:t>
-            </a:r>
-            <a:r>
-              <a:rPr lang="en-GB" dirty="0" err="1" smtClean="0">
-                <a:latin typeface="Courier New"/>
-                <a:cs typeface="Courier New"/>
-              </a:rPr>
-              <a:t>etc</a:t>
-            </a:r>
-            <a:r>
-              <a:rPr lang="en-GB" dirty="0" smtClean="0">
-                <a:latin typeface="Courier New"/>
-                <a:cs typeface="Courier New"/>
-              </a:rPr>
-              <a:t>/dovecot/</a:t>
-            </a:r>
-            <a:r>
-              <a:rPr lang="en-GB" dirty="0" err="1" smtClean="0">
-                <a:latin typeface="Courier New"/>
-                <a:cs typeface="Courier New"/>
-              </a:rPr>
-              <a:t>dovecot.conf</a:t>
-            </a:r>
-            <a:endParaRPr lang="en-GB" sz="2700" dirty="0">
-              <a:latin typeface="Courier New"/>
-              <a:cs typeface="Courier New"/>
-            </a:endParaRPr>
-          </a:p>
-          <a:p>
-            <a:pPr>
-              <a:lnSpc>
-                <a:spcPct val="76000"/>
-              </a:lnSpc>
-              <a:buFont typeface="Wingdings" charset="0"/>
-              <a:buChar char=""/>
-              <a:tabLst>
-                <a:tab pos="656650" algn="l"/>
-                <a:tab pos="1313299" algn="l"/>
-                <a:tab pos="1969949" algn="l"/>
-                <a:tab pos="2626599" algn="l"/>
-                <a:tab pos="3283248" algn="l"/>
-                <a:tab pos="3939898" algn="l"/>
-                <a:tab pos="4596548" algn="l"/>
-                <a:tab pos="5253198" algn="l"/>
-                <a:tab pos="5909847" algn="l"/>
-                <a:tab pos="6566497" algn="l"/>
-                <a:tab pos="7223147" algn="l"/>
-                <a:tab pos="7879796" algn="l"/>
-              </a:tabLst>
-              <a:defRPr/>
-            </a:pPr>
-            <a:r>
-              <a:rPr lang="en-GB" sz="2700" dirty="0">
-                <a:latin typeface="Arial" charset="0"/>
-                <a:cs typeface="DejaVu Sans" charset="0"/>
-              </a:rPr>
-              <a:t>Note that the default listening services are:</a:t>
-            </a:r>
-          </a:p>
-          <a:p>
-            <a:pPr marL="489607" lvl="1" indent="0">
-              <a:lnSpc>
-                <a:spcPct val="74000"/>
-              </a:lnSpc>
-              <a:tabLst>
-                <a:tab pos="656650" algn="l"/>
-                <a:tab pos="1313299" algn="l"/>
-                <a:tab pos="1969949" algn="l"/>
-                <a:tab pos="2626599" algn="l"/>
-                <a:tab pos="3283248" algn="l"/>
-                <a:tab pos="3939898" algn="l"/>
-                <a:tab pos="4596548" algn="l"/>
-                <a:tab pos="5253198" algn="l"/>
-                <a:tab pos="5909847" algn="l"/>
-                <a:tab pos="6566497" algn="l"/>
-                <a:tab pos="7223147" algn="l"/>
-                <a:tab pos="7879796" algn="l"/>
-              </a:tabLst>
-              <a:defRPr/>
-            </a:pPr>
-            <a:r>
-              <a:rPr lang="en-GB" sz="2400" dirty="0">
-                <a:latin typeface="Courier New" charset="0"/>
-                <a:ea typeface="DejaVu Sans" charset="0"/>
-                <a:cs typeface="DejaVu Sans" charset="0"/>
-              </a:rPr>
-              <a:t>protocols = </a:t>
-            </a:r>
-            <a:r>
-              <a:rPr lang="en-GB" sz="2400" dirty="0" err="1">
-                <a:latin typeface="Courier New" charset="0"/>
-                <a:ea typeface="DejaVu Sans" charset="0"/>
-                <a:cs typeface="DejaVu Sans" charset="0"/>
-              </a:rPr>
-              <a:t>imap</a:t>
-            </a:r>
-            <a:r>
-              <a:rPr lang="en-GB" sz="2400" dirty="0">
-                <a:latin typeface="Courier New" charset="0"/>
-                <a:ea typeface="DejaVu Sans" charset="0"/>
-                <a:cs typeface="DejaVu Sans" charset="0"/>
-              </a:rPr>
-              <a:t> pop3 </a:t>
-            </a:r>
-            <a:r>
-              <a:rPr lang="en-GB" sz="2400" dirty="0" err="1">
-                <a:latin typeface="Courier New" charset="0"/>
-                <a:ea typeface="DejaVu Sans" charset="0"/>
-                <a:cs typeface="DejaVu Sans" charset="0"/>
-              </a:rPr>
-              <a:t>lmtp</a:t>
-            </a:r>
-            <a:endParaRPr lang="en-GB" sz="2400" dirty="0">
-              <a:latin typeface="Courier New" charset="0"/>
-              <a:ea typeface="DejaVu Sans" charset="0"/>
-              <a:cs typeface="DejaVu Sans" charset="0"/>
-            </a:endParaRPr>
-          </a:p>
-          <a:p>
-            <a:pPr lvl="2">
-              <a:lnSpc>
-                <a:spcPct val="76000"/>
-              </a:lnSpc>
-              <a:buFont typeface="Wingdings" charset="0"/>
-              <a:buChar char=""/>
-              <a:tabLst>
-                <a:tab pos="656650" algn="l"/>
-                <a:tab pos="1313299" algn="l"/>
-                <a:tab pos="1969949" algn="l"/>
-                <a:tab pos="2626599" algn="l"/>
-                <a:tab pos="3283248" algn="l"/>
-                <a:tab pos="3939898" algn="l"/>
-                <a:tab pos="4596548" algn="l"/>
-                <a:tab pos="5253198" algn="l"/>
-                <a:tab pos="5909847" algn="l"/>
-                <a:tab pos="6566497" algn="l"/>
-                <a:tab pos="7223147" algn="l"/>
-                <a:tab pos="7879796" algn="l"/>
-              </a:tabLst>
-              <a:defRPr/>
-            </a:pPr>
-            <a:r>
-              <a:rPr lang="en-GB" sz="2000" i="1" dirty="0">
-                <a:latin typeface="Arial" charset="0"/>
-                <a:ea typeface="DejaVu Sans" charset="0"/>
-                <a:cs typeface="DejaVu Sans" charset="0"/>
-              </a:rPr>
-              <a:t>The TCP listeners are on 110, 143, 993, and 995</a:t>
-            </a:r>
-          </a:p>
-          <a:p>
-            <a:pPr lvl="2">
-              <a:lnSpc>
-                <a:spcPct val="90000"/>
-              </a:lnSpc>
-              <a:buFont typeface="Wingdings" charset="0"/>
-              <a:buChar char=""/>
-              <a:tabLst>
-                <a:tab pos="656650" algn="l"/>
-                <a:tab pos="1313299" algn="l"/>
-                <a:tab pos="1969949" algn="l"/>
-                <a:tab pos="2626599" algn="l"/>
-                <a:tab pos="3283248" algn="l"/>
-                <a:tab pos="3939898" algn="l"/>
-                <a:tab pos="4596548" algn="l"/>
-                <a:tab pos="5253198" algn="l"/>
-                <a:tab pos="5909847" algn="l"/>
-                <a:tab pos="6566497" algn="l"/>
-                <a:tab pos="7223147" algn="l"/>
-                <a:tab pos="7879796" algn="l"/>
-              </a:tabLst>
-              <a:defRPr/>
-            </a:pPr>
-            <a:r>
-              <a:rPr lang="en-GB" sz="2000" i="1" dirty="0">
-                <a:latin typeface="Arial" charset="0"/>
-                <a:ea typeface="DejaVu Sans" charset="0"/>
-                <a:cs typeface="DejaVu Sans" charset="0"/>
-              </a:rPr>
-              <a:t>If you need the unencrypted versions of the protocol for some reason (e.g. a webmail application) then you should firewall them off from the rest of your end users (end-user clients should never be be allowed to connect insecurely) </a:t>
-            </a:r>
-            <a:endParaRPr lang="en-GB" sz="2700" b="1" i="1" dirty="0">
-              <a:latin typeface="Arial" charset="0"/>
-              <a:ea typeface="DejaVu Sans" charset="0"/>
-              <a:cs typeface="DejaVu Sans" charset="0"/>
-            </a:endParaRPr>
-          </a:p>
-          <a:p>
-            <a:pPr>
-              <a:lnSpc>
-                <a:spcPct val="90000"/>
-              </a:lnSpc>
-              <a:buFont typeface="Wingdings" charset="0"/>
-              <a:buChar char=""/>
-              <a:tabLst>
-                <a:tab pos="656650" algn="l"/>
-                <a:tab pos="1313299" algn="l"/>
-                <a:tab pos="1969949" algn="l"/>
-                <a:tab pos="2626599" algn="l"/>
-                <a:tab pos="3283248" algn="l"/>
-                <a:tab pos="3939898" algn="l"/>
-                <a:tab pos="4596548" algn="l"/>
-                <a:tab pos="5253198" algn="l"/>
-                <a:tab pos="5909847" algn="l"/>
-                <a:tab pos="6566497" algn="l"/>
-                <a:tab pos="7223147" algn="l"/>
-                <a:tab pos="7879796" algn="l"/>
-              </a:tabLst>
-              <a:defRPr/>
-            </a:pPr>
-            <a:r>
-              <a:rPr lang="en-GB" sz="2700" dirty="0">
-                <a:latin typeface="Arial" charset="0"/>
-                <a:ea typeface="DejaVu Sans" charset="0"/>
-                <a:cs typeface="DejaVu Sans" charset="0"/>
-              </a:rPr>
-              <a:t>If you have working SSL Certificate (from Apache-SSL session), uncomment and add </a:t>
-            </a:r>
-            <a:r>
-              <a:rPr lang="en-GB" sz="2700" dirty="0" err="1">
-                <a:latin typeface="Arial" charset="0"/>
-                <a:ea typeface="DejaVu Sans" charset="0"/>
-                <a:cs typeface="DejaVu Sans" charset="0"/>
-              </a:rPr>
-              <a:t>imaps</a:t>
-            </a:r>
-            <a:r>
-              <a:rPr lang="en-GB" sz="2700" dirty="0">
-                <a:latin typeface="Arial" charset="0"/>
-                <a:ea typeface="DejaVu Sans" charset="0"/>
-                <a:cs typeface="DejaVu Sans" charset="0"/>
-              </a:rPr>
-              <a:t> and pop3s protocols as follows;</a:t>
-            </a:r>
-          </a:p>
-          <a:p>
-            <a:pPr marL="489607" lvl="1" indent="0">
-              <a:lnSpc>
-                <a:spcPct val="76000"/>
-              </a:lnSpc>
-              <a:tabLst>
-                <a:tab pos="656650" algn="l"/>
-                <a:tab pos="1313299" algn="l"/>
-                <a:tab pos="1969949" algn="l"/>
-                <a:tab pos="2626599" algn="l"/>
-                <a:tab pos="3283248" algn="l"/>
-                <a:tab pos="3939898" algn="l"/>
-                <a:tab pos="4596548" algn="l"/>
-                <a:tab pos="5253198" algn="l"/>
-                <a:tab pos="5909847" algn="l"/>
-                <a:tab pos="6566497" algn="l"/>
-                <a:tab pos="7223147" algn="l"/>
-                <a:tab pos="7879796" algn="l"/>
-              </a:tabLst>
-              <a:defRPr/>
-            </a:pPr>
-            <a:r>
-              <a:rPr lang="en-GB" sz="2400" dirty="0" smtClean="0">
-                <a:latin typeface="Courier New"/>
-                <a:ea typeface="DejaVu Sans" charset="0"/>
-                <a:cs typeface="Courier New"/>
-              </a:rPr>
-              <a:t>	p</a:t>
-            </a:r>
-            <a:r>
-              <a:rPr lang="en-US" sz="2400" dirty="0" err="1" smtClean="0">
-                <a:latin typeface="Courier New"/>
-                <a:ea typeface="DejaVu Sans" charset="0"/>
-                <a:cs typeface="Courier New"/>
-              </a:rPr>
-              <a:t>rotocols</a:t>
-            </a:r>
-            <a:r>
-              <a:rPr lang="en-US" sz="2400" dirty="0" smtClean="0">
-                <a:latin typeface="Courier New"/>
-                <a:ea typeface="DejaVu Sans" charset="0"/>
-                <a:cs typeface="Courier New"/>
-              </a:rPr>
-              <a:t> = </a:t>
-            </a:r>
-            <a:r>
-              <a:rPr lang="en-US" sz="2400" dirty="0" err="1" smtClean="0">
-                <a:latin typeface="Courier New"/>
-                <a:ea typeface="DejaVu Sans" charset="0"/>
-                <a:cs typeface="Courier New"/>
-              </a:rPr>
-              <a:t>imap</a:t>
-            </a:r>
-            <a:r>
-              <a:rPr lang="en-US" sz="2400" dirty="0" smtClean="0">
-                <a:latin typeface="Courier New"/>
-                <a:ea typeface="DejaVu Sans" charset="0"/>
-                <a:cs typeface="Courier New"/>
-              </a:rPr>
-              <a:t> </a:t>
-            </a:r>
-            <a:r>
-              <a:rPr lang="en-US" sz="2400" dirty="0" err="1" smtClean="0">
-                <a:latin typeface="Courier New"/>
-                <a:ea typeface="DejaVu Sans" charset="0"/>
-                <a:cs typeface="Courier New"/>
-              </a:rPr>
-              <a:t>imaps</a:t>
-            </a:r>
-            <a:r>
-              <a:rPr lang="en-US" sz="2400" dirty="0" smtClean="0">
-                <a:latin typeface="Courier New"/>
-                <a:ea typeface="DejaVu Sans" charset="0"/>
-                <a:cs typeface="Courier New"/>
-              </a:rPr>
-              <a:t> pop3 pop3s </a:t>
-            </a:r>
-            <a:r>
-              <a:rPr lang="en-US" sz="2400" dirty="0" err="1" smtClean="0">
-                <a:latin typeface="Courier New"/>
-                <a:ea typeface="DejaVu Sans" charset="0"/>
-                <a:cs typeface="Courier New"/>
-              </a:rPr>
-              <a:t>lmtp</a:t>
-            </a:r>
-            <a:r>
-              <a:rPr lang="en-US" sz="2400" dirty="0" smtClean="0">
-                <a:latin typeface="Times New Roman"/>
-                <a:ea typeface="DejaVu Sans" charset="0"/>
-                <a:cs typeface="Times New Roman"/>
-              </a:rPr>
-              <a:t> </a:t>
-            </a:r>
-          </a:p>
-          <a:p>
-            <a:pPr>
-              <a:lnSpc>
-                <a:spcPct val="76000"/>
-              </a:lnSpc>
-              <a:buFont typeface="Wingdings" charset="0"/>
-              <a:buChar char=""/>
-              <a:tabLst>
-                <a:tab pos="656650" algn="l"/>
-                <a:tab pos="1313299" algn="l"/>
-                <a:tab pos="1969949" algn="l"/>
-                <a:tab pos="2626599" algn="l"/>
-                <a:tab pos="3283248" algn="l"/>
-                <a:tab pos="3939898" algn="l"/>
-                <a:tab pos="4596548" algn="l"/>
-                <a:tab pos="5253198" algn="l"/>
-                <a:tab pos="5909847" algn="l"/>
-                <a:tab pos="6566497" algn="l"/>
-                <a:tab pos="7223147" algn="l"/>
-                <a:tab pos="7879796" algn="l"/>
-              </a:tabLst>
-              <a:defRPr/>
-            </a:pPr>
-            <a:endParaRPr lang="en-US" sz="2700" dirty="0">
-              <a:latin typeface="Times New Roman"/>
-              <a:ea typeface="DejaVu Sans" charset="0"/>
-              <a:cs typeface="Times New Roman"/>
-            </a:endParaRPr>
-          </a:p>
-          <a:p>
-            <a:pPr>
-              <a:lnSpc>
-                <a:spcPct val="76000"/>
-              </a:lnSpc>
-              <a:buFont typeface="Wingdings" charset="0"/>
-              <a:buChar char=""/>
-              <a:tabLst>
-                <a:tab pos="656650" algn="l"/>
-                <a:tab pos="1313299" algn="l"/>
-                <a:tab pos="1969949" algn="l"/>
-                <a:tab pos="2626599" algn="l"/>
-                <a:tab pos="3283248" algn="l"/>
-                <a:tab pos="3939898" algn="l"/>
-                <a:tab pos="4596548" algn="l"/>
-                <a:tab pos="5253198" algn="l"/>
-                <a:tab pos="5909847" algn="l"/>
-                <a:tab pos="6566497" algn="l"/>
-                <a:tab pos="7223147" algn="l"/>
-                <a:tab pos="7879796" algn="l"/>
-              </a:tabLst>
-              <a:defRPr/>
-            </a:pPr>
-            <a:r>
-              <a:rPr lang="en-US" sz="2700" dirty="0">
-                <a:latin typeface="Times New Roman"/>
-                <a:ea typeface="DejaVu Sans" charset="0"/>
-                <a:cs typeface="Times New Roman"/>
-              </a:rPr>
-              <a:t>If you do NOT have working SSL Certificates, uncomment and retain the </a:t>
-            </a:r>
-            <a:r>
-              <a:rPr lang="en-US" sz="2700" dirty="0" err="1">
-                <a:latin typeface="Times New Roman"/>
-                <a:ea typeface="DejaVu Sans" charset="0"/>
-                <a:cs typeface="Times New Roman"/>
-              </a:rPr>
-              <a:t>imap</a:t>
-            </a:r>
-            <a:r>
-              <a:rPr lang="en-US" sz="2700" dirty="0">
-                <a:latin typeface="Times New Roman"/>
-                <a:ea typeface="DejaVu Sans" charset="0"/>
-                <a:cs typeface="Times New Roman"/>
-              </a:rPr>
-              <a:t> and pop3 as follows;</a:t>
-            </a:r>
-          </a:p>
-          <a:p>
-            <a:pPr marL="489607" lvl="1" indent="0">
-              <a:lnSpc>
-                <a:spcPct val="76000"/>
-              </a:lnSpc>
-              <a:tabLst>
-                <a:tab pos="656650" algn="l"/>
-                <a:tab pos="1313299" algn="l"/>
-                <a:tab pos="1969949" algn="l"/>
-                <a:tab pos="2626599" algn="l"/>
-                <a:tab pos="3283248" algn="l"/>
-                <a:tab pos="3939898" algn="l"/>
-                <a:tab pos="4596548" algn="l"/>
-                <a:tab pos="5253198" algn="l"/>
-                <a:tab pos="5909847" algn="l"/>
-                <a:tab pos="6566497" algn="l"/>
-                <a:tab pos="7223147" algn="l"/>
-                <a:tab pos="7879796" algn="l"/>
-              </a:tabLst>
-              <a:defRPr/>
-            </a:pPr>
-            <a:r>
-              <a:rPr lang="en-GB" sz="2400" dirty="0">
-                <a:latin typeface="Courier New" charset="0"/>
-                <a:ea typeface="DejaVu Sans" charset="0"/>
-                <a:cs typeface="DejaVu Sans" charset="0"/>
-              </a:rPr>
-              <a:t>	protocols = </a:t>
-            </a:r>
-            <a:r>
-              <a:rPr lang="en-GB" sz="2400" dirty="0" err="1">
-                <a:latin typeface="Courier New" charset="0"/>
-                <a:ea typeface="DejaVu Sans" charset="0"/>
-                <a:cs typeface="DejaVu Sans" charset="0"/>
-              </a:rPr>
-              <a:t>imap</a:t>
-            </a:r>
-            <a:r>
-              <a:rPr lang="en-GB" sz="2400" dirty="0">
-                <a:latin typeface="Courier New" charset="0"/>
-                <a:ea typeface="DejaVu Sans" charset="0"/>
-                <a:cs typeface="DejaVu Sans" charset="0"/>
-              </a:rPr>
-              <a:t> pop3 </a:t>
-            </a:r>
-            <a:r>
-              <a:rPr lang="en-GB" sz="2400" dirty="0" err="1">
-                <a:latin typeface="Courier New" charset="0"/>
-                <a:ea typeface="DejaVu Sans" charset="0"/>
-                <a:cs typeface="DejaVu Sans" charset="0"/>
-              </a:rPr>
-              <a:t>lmtp</a:t>
-            </a:r>
-            <a:endParaRPr lang="en-GB" sz="2400" dirty="0">
-              <a:latin typeface="Times New Roman"/>
-              <a:ea typeface="DejaVu Sans" charset="0"/>
-              <a:cs typeface="Times New Roman"/>
-            </a:endParaRPr>
+            <a:r>
+              <a:rPr lang="en-US" dirty="0" smtClean="0"/>
+              <a:t>We will now setup a mail gateway</a:t>
+            </a:r>
+          </a:p>
+          <a:p>
+            <a:r>
+              <a:rPr lang="en-US" dirty="0" smtClean="0"/>
+              <a:t>Configuring a mail filter is not easy. You must be aware of what you are enabling or disabling. Preconfigured files will be provided due to time limitation</a:t>
+            </a:r>
+          </a:p>
+          <a:p>
+            <a:r>
+              <a:rPr lang="en-US" dirty="0" smtClean="0"/>
+              <a:t>Setting the correct DNS entries is key</a:t>
+            </a:r>
+          </a:p>
+          <a:p>
+            <a:r>
+              <a:rPr lang="en-US" dirty="0" smtClean="0"/>
+              <a:t>You will filter email for your neighbor and he will filter your email</a:t>
+            </a:r>
+          </a:p>
+          <a:p>
+            <a:r>
+              <a:rPr lang="en-US" dirty="0" smtClean="0"/>
+              <a:t>At the end, you should have a fairly strong and working mail filter</a:t>
+            </a:r>
+            <a:endParaRPr lang="en-US" dirty="0"/>
           </a:p>
         </p:txBody>
       </p:sp>
     </p:spTree>
     <p:extLst>
       <p:ext uri="{BB962C8B-B14F-4D97-AF65-F5344CB8AC3E}">
-        <p14:creationId xmlns:p14="http://schemas.microsoft.com/office/powerpoint/2010/main" val="2289471268"/>
-      </p:ext>
-    </p:extLst>
-  </p:cSld>
-  <p:clrMapOvr>
-    <a:masterClrMapping/>
-  </p:clrMapOvr>
-  <p:transition xmlns:p14="http://schemas.microsoft.com/office/powerpoint/2010/main" spd="med"/>
-  <p:timing>
-    <p:tnLst>
-      <p:par>
-        <p:cTn xmlns:p14="http://schemas.microsoft.com/office/powerpoint/2010/main" id="1" dur="indefinite" restart="never" nodeType="tmRoot">
-          <p:childTnLst>
-            <p:seq concurrent="1" nextAc="seek">
-              <p:cTn id="2" dur="0" nodeType="mainSeq"/>
-              <p:prevCondLst>
-                <p:cond evt="onPrev" delay="0">
-                  <p:tgtEl>
-                    <p:sldTgt/>
-                  </p:tgtEl>
-                </p:cond>
-              </p:prevCondLst>
-              <p:nextCondLst>
-                <p:cond evt="onNext" delay="0">
-                  <p:tgtEl>
-                    <p:sldTgt/>
-                  </p:tgtEl>
-                </p:cond>
-              </p:nextCondLst>
-            </p:seq>
-          </p:childTnLst>
-        </p:cTn>
-      </p:par>
-    </p:tnLst>
-  </p:timing>
-</p:sld>
-</file>
-
-<file path=ppt/slides/slide36.xml><?xml version="1.0" encoding="utf-8"?>
-<p:sld xmlns:a="http://schemas.openxmlformats.org/drawingml/2006/main" xmlns:r="http://schemas.openxmlformats.org/officeDocument/2006/relationships" xmlns:p="http://schemas.openxmlformats.org/presentationml/2006/main">
-  <p:cSld>
-    <p:spTree>
-      <p:nvGrpSpPr>
-        <p:cNvPr id="1" name=""/>
-        <p:cNvGrpSpPr/>
-        <p:nvPr/>
-      </p:nvGrpSpPr>
-      <p:grpSpPr>
-        <a:xfrm>
-          <a:off x="0" y="0"/>
-          <a:ext cx="0" cy="0"/>
-          <a:chOff x="0" y="0"/>
-          <a:chExt cx="0" cy="0"/>
-        </a:xfrm>
-      </p:grpSpPr>
-      <p:sp>
-        <p:nvSpPr>
-          <p:cNvPr id="30721" name="Rectangle 1"/>
-          <p:cNvSpPr>
-            <a:spLocks noGrp="1" noChangeArrowheads="1"/>
-          </p:cNvSpPr>
-          <p:nvPr>
-            <p:ph type="title"/>
-          </p:nvPr>
-        </p:nvSpPr>
-        <p:spPr>
-          <a:xfrm>
-            <a:off x="456480" y="313954"/>
-            <a:ext cx="8229600" cy="1064272"/>
-          </a:xfrm>
-        </p:spPr>
-        <p:txBody>
-          <a:bodyPr/>
-          <a:lstStyle/>
-          <a:p>
-            <a:pPr>
-              <a:tabLst>
-                <a:tab pos="656650" algn="l"/>
-                <a:tab pos="1313299" algn="l"/>
-                <a:tab pos="1969949" algn="l"/>
-                <a:tab pos="2626599" algn="l"/>
-                <a:tab pos="3283248" algn="l"/>
-                <a:tab pos="3939898" algn="l"/>
-                <a:tab pos="4596548" algn="l"/>
-                <a:tab pos="5253198" algn="l"/>
-                <a:tab pos="5909847" algn="l"/>
-                <a:tab pos="6566497" algn="l"/>
-                <a:tab pos="7223147" algn="l"/>
-                <a:tab pos="7879796" algn="l"/>
-              </a:tabLst>
-            </a:pPr>
-            <a:r>
-              <a:rPr lang="en-GB" b="1" dirty="0">
-                <a:latin typeface="Arial" charset="0"/>
-                <a:cs typeface="DejaVu Sans" charset="0"/>
-              </a:rPr>
-              <a:t>Dovecot 2 SSL Configuration</a:t>
-            </a:r>
-          </a:p>
-        </p:txBody>
-      </p:sp>
-      <p:sp>
-        <p:nvSpPr>
-          <p:cNvPr id="23555" name="Rectangle 2"/>
-          <p:cNvSpPr>
-            <a:spLocks noGrp="1" noChangeArrowheads="1"/>
-          </p:cNvSpPr>
-          <p:nvPr>
-            <p:ph type="body" idx="1"/>
-          </p:nvPr>
-        </p:nvSpPr>
-        <p:spPr>
-          <a:xfrm>
-            <a:off x="456480" y="1286056"/>
-            <a:ext cx="8229600" cy="5278154"/>
-          </a:xfrm>
-        </p:spPr>
-        <p:txBody>
-          <a:bodyPr>
-            <a:normAutofit/>
-          </a:bodyPr>
-          <a:lstStyle/>
-          <a:p>
-            <a:pPr>
-              <a:lnSpc>
-                <a:spcPct val="76000"/>
-              </a:lnSpc>
-              <a:buFont typeface="Wingdings" charset="0"/>
-              <a:buChar char=""/>
-              <a:tabLst>
-                <a:tab pos="656650" algn="l"/>
-                <a:tab pos="1313299" algn="l"/>
-                <a:tab pos="1969949" algn="l"/>
-                <a:tab pos="2626599" algn="l"/>
-                <a:tab pos="3283248" algn="l"/>
-                <a:tab pos="3939898" algn="l"/>
-                <a:tab pos="4596548" algn="l"/>
-                <a:tab pos="5253198" algn="l"/>
-                <a:tab pos="5909847" algn="l"/>
-                <a:tab pos="6566497" algn="l"/>
-                <a:tab pos="7223147" algn="l"/>
-                <a:tab pos="7879796" algn="l"/>
-              </a:tabLst>
-              <a:defRPr/>
-            </a:pPr>
-            <a:r>
-              <a:rPr lang="en-GB" sz="1800" b="1" i="1" dirty="0">
-                <a:latin typeface="Arial" charset="0"/>
-                <a:cs typeface="DejaVu Sans" charset="0"/>
-              </a:rPr>
-              <a:t>If you do </a:t>
-            </a:r>
-            <a:r>
-              <a:rPr lang="en-GB" sz="1800" b="1" i="1" dirty="0">
-                <a:solidFill>
-                  <a:srgbClr val="FF0000"/>
-                </a:solidFill>
-                <a:latin typeface="Arial" charset="0"/>
-                <a:cs typeface="DejaVu Sans" charset="0"/>
-              </a:rPr>
-              <a:t>NOT</a:t>
-            </a:r>
-            <a:r>
-              <a:rPr lang="en-GB" sz="1800" b="1" i="1" dirty="0">
-                <a:latin typeface="Arial" charset="0"/>
-                <a:cs typeface="DejaVu Sans" charset="0"/>
-              </a:rPr>
-              <a:t> have a working SSL Certificate, follow the next 3 steps</a:t>
-            </a:r>
-          </a:p>
-          <a:p>
-            <a:pPr marL="512648" indent="-414726">
-              <a:lnSpc>
-                <a:spcPct val="76000"/>
-              </a:lnSpc>
-              <a:buFont typeface="+mj-lt"/>
-              <a:buAutoNum type="arabicPeriod"/>
-              <a:tabLst>
-                <a:tab pos="656650" algn="l"/>
-                <a:tab pos="1313299" algn="l"/>
-                <a:tab pos="1969949" algn="l"/>
-                <a:tab pos="2626599" algn="l"/>
-                <a:tab pos="3283248" algn="l"/>
-                <a:tab pos="3939898" algn="l"/>
-                <a:tab pos="4596548" algn="l"/>
-                <a:tab pos="5253198" algn="l"/>
-                <a:tab pos="5909847" algn="l"/>
-                <a:tab pos="6566497" algn="l"/>
-                <a:tab pos="7223147" algn="l"/>
-                <a:tab pos="7879796" algn="l"/>
-              </a:tabLst>
-              <a:defRPr/>
-            </a:pPr>
-            <a:r>
-              <a:rPr lang="en-GB" sz="1800" b="1" i="1" dirty="0">
-                <a:latin typeface="Arial" charset="0"/>
-                <a:cs typeface="DejaVu Sans" charset="0"/>
-              </a:rPr>
-              <a:t>1. Edit the file /</a:t>
-            </a:r>
-            <a:r>
-              <a:rPr lang="en-GB" sz="1800" b="1" i="1" dirty="0" err="1">
-                <a:latin typeface="Arial" charset="0"/>
-                <a:cs typeface="DejaVu Sans" charset="0"/>
-              </a:rPr>
-              <a:t>usr</a:t>
-            </a:r>
-            <a:r>
-              <a:rPr lang="en-GB" sz="1800" b="1" i="1" dirty="0">
-                <a:latin typeface="Arial" charset="0"/>
-                <a:cs typeface="DejaVu Sans" charset="0"/>
-              </a:rPr>
-              <a:t>/local/</a:t>
-            </a:r>
-            <a:r>
-              <a:rPr lang="en-GB" sz="1800" b="1" i="1" dirty="0" err="1">
-                <a:latin typeface="Arial" charset="0"/>
-                <a:cs typeface="DejaVu Sans" charset="0"/>
-              </a:rPr>
-              <a:t>etc</a:t>
-            </a:r>
-            <a:r>
-              <a:rPr lang="en-GB" sz="1800" b="1" i="1" dirty="0">
-                <a:latin typeface="Arial" charset="0"/>
-                <a:cs typeface="DejaVu Sans" charset="0"/>
-              </a:rPr>
-              <a:t>/dovecot/</a:t>
-            </a:r>
-            <a:r>
-              <a:rPr lang="en-GB" sz="1800" b="1" i="1" dirty="0" err="1">
-                <a:latin typeface="Arial" charset="0"/>
-                <a:cs typeface="DejaVu Sans" charset="0"/>
-              </a:rPr>
-              <a:t>conf.d</a:t>
-            </a:r>
-            <a:r>
-              <a:rPr lang="en-GB" sz="1800" b="1" i="1" dirty="0">
-                <a:latin typeface="Arial" charset="0"/>
-                <a:cs typeface="DejaVu Sans" charset="0"/>
-              </a:rPr>
-              <a:t>/10-ssl.conf and find line</a:t>
-            </a:r>
-          </a:p>
-          <a:p>
-            <a:pPr marL="489607" lvl="1" indent="0">
-              <a:lnSpc>
-                <a:spcPct val="76000"/>
-              </a:lnSpc>
-              <a:tabLst>
-                <a:tab pos="656650" algn="l"/>
-                <a:tab pos="1313299" algn="l"/>
-                <a:tab pos="1969949" algn="l"/>
-                <a:tab pos="2626599" algn="l"/>
-                <a:tab pos="3283248" algn="l"/>
-                <a:tab pos="3939898" algn="l"/>
-                <a:tab pos="4596548" algn="l"/>
-                <a:tab pos="5253198" algn="l"/>
-                <a:tab pos="5909847" algn="l"/>
-                <a:tab pos="6566497" algn="l"/>
-                <a:tab pos="7223147" algn="l"/>
-                <a:tab pos="7879796" algn="l"/>
-              </a:tabLst>
-              <a:defRPr/>
-            </a:pPr>
-            <a:r>
-              <a:rPr lang="en-GB" sz="1600" i="1" dirty="0">
-                <a:latin typeface="Times New Roman"/>
-                <a:ea typeface="DejaVu Sans" charset="0"/>
-                <a:cs typeface="Times New Roman"/>
-              </a:rPr>
-              <a:t>	# </a:t>
-            </a:r>
-            <a:r>
-              <a:rPr lang="en-GB" sz="1600" i="1" dirty="0" err="1">
-                <a:latin typeface="Times New Roman"/>
-                <a:ea typeface="DejaVu Sans" charset="0"/>
-                <a:cs typeface="Times New Roman"/>
-              </a:rPr>
-              <a:t>ssl</a:t>
-            </a:r>
-            <a:r>
-              <a:rPr lang="en-GB" sz="1600" i="1" dirty="0">
-                <a:latin typeface="Times New Roman"/>
-                <a:ea typeface="DejaVu Sans" charset="0"/>
-                <a:cs typeface="Times New Roman"/>
-              </a:rPr>
-              <a:t> = yes</a:t>
-            </a:r>
-          </a:p>
-          <a:p>
-            <a:pPr marL="512648" indent="-414726">
-              <a:lnSpc>
-                <a:spcPct val="76000"/>
-              </a:lnSpc>
-              <a:buFont typeface="+mj-lt"/>
-              <a:buAutoNum type="arabicPeriod"/>
-              <a:tabLst>
-                <a:tab pos="656650" algn="l"/>
-                <a:tab pos="1313299" algn="l"/>
-                <a:tab pos="1969949" algn="l"/>
-                <a:tab pos="2626599" algn="l"/>
-                <a:tab pos="3283248" algn="l"/>
-                <a:tab pos="3939898" algn="l"/>
-                <a:tab pos="4596548" algn="l"/>
-                <a:tab pos="5253198" algn="l"/>
-                <a:tab pos="5909847" algn="l"/>
-                <a:tab pos="6566497" algn="l"/>
-                <a:tab pos="7223147" algn="l"/>
-                <a:tab pos="7879796" algn="l"/>
-              </a:tabLst>
-              <a:defRPr/>
-            </a:pPr>
-            <a:r>
-              <a:rPr lang="en-GB" sz="1800" b="1" i="1" dirty="0">
-                <a:latin typeface="Arial" charset="0"/>
-                <a:cs typeface="DejaVu Sans" charset="0"/>
-              </a:rPr>
-              <a:t>2. Uncomment the line and modify it to NO</a:t>
-            </a:r>
-          </a:p>
-          <a:p>
-            <a:pPr marL="489607" lvl="1" indent="0">
-              <a:lnSpc>
-                <a:spcPct val="76000"/>
-              </a:lnSpc>
-              <a:tabLst>
-                <a:tab pos="656650" algn="l"/>
-                <a:tab pos="1313299" algn="l"/>
-                <a:tab pos="1969949" algn="l"/>
-                <a:tab pos="2626599" algn="l"/>
-                <a:tab pos="3283248" algn="l"/>
-                <a:tab pos="3939898" algn="l"/>
-                <a:tab pos="4596548" algn="l"/>
-                <a:tab pos="5253198" algn="l"/>
-                <a:tab pos="5909847" algn="l"/>
-                <a:tab pos="6566497" algn="l"/>
-                <a:tab pos="7223147" algn="l"/>
-                <a:tab pos="7879796" algn="l"/>
-              </a:tabLst>
-              <a:defRPr/>
-            </a:pPr>
-            <a:r>
-              <a:rPr lang="en-GB" sz="1600" i="1" dirty="0">
-                <a:latin typeface="Times New Roman"/>
-                <a:ea typeface="DejaVu Sans" charset="0"/>
-                <a:cs typeface="Times New Roman"/>
-              </a:rPr>
-              <a:t>	</a:t>
-            </a:r>
-            <a:r>
-              <a:rPr lang="en-GB" sz="1600" i="1" dirty="0" err="1">
-                <a:latin typeface="Times New Roman"/>
-                <a:ea typeface="DejaVu Sans" charset="0"/>
-                <a:cs typeface="Times New Roman"/>
-              </a:rPr>
-              <a:t>ssl</a:t>
-            </a:r>
-            <a:r>
-              <a:rPr lang="en-GB" sz="1600" i="1" dirty="0">
-                <a:latin typeface="Times New Roman"/>
-                <a:ea typeface="DejaVu Sans" charset="0"/>
-                <a:cs typeface="Times New Roman"/>
-              </a:rPr>
-              <a:t> = no</a:t>
-            </a:r>
-          </a:p>
-          <a:p>
-            <a:pPr marL="489607" lvl="1" indent="0">
-              <a:lnSpc>
-                <a:spcPct val="76000"/>
-              </a:lnSpc>
-              <a:tabLst>
-                <a:tab pos="656650" algn="l"/>
-                <a:tab pos="1313299" algn="l"/>
-                <a:tab pos="1969949" algn="l"/>
-                <a:tab pos="2626599" algn="l"/>
-                <a:tab pos="3283248" algn="l"/>
-                <a:tab pos="3939898" algn="l"/>
-                <a:tab pos="4596548" algn="l"/>
-                <a:tab pos="5253198" algn="l"/>
-                <a:tab pos="5909847" algn="l"/>
-                <a:tab pos="6566497" algn="l"/>
-                <a:tab pos="7223147" algn="l"/>
-                <a:tab pos="7879796" algn="l"/>
-              </a:tabLst>
-              <a:defRPr/>
-            </a:pPr>
-            <a:r>
-              <a:rPr lang="en-GB" sz="1600" b="1" dirty="0">
-                <a:latin typeface="Arial"/>
-                <a:ea typeface="DejaVu Sans" charset="0"/>
-                <a:cs typeface="Arial"/>
-              </a:rPr>
-              <a:t>3. Comment the following lines </a:t>
-            </a:r>
-          </a:p>
-          <a:p>
-            <a:pPr lvl="1">
-              <a:lnSpc>
-                <a:spcPct val="76000"/>
-              </a:lnSpc>
-              <a:buFont typeface="Wingdings" charset="0"/>
-              <a:buChar char=""/>
-              <a:tabLst>
-                <a:tab pos="656650" algn="l"/>
-                <a:tab pos="1313299" algn="l"/>
-                <a:tab pos="1969949" algn="l"/>
-                <a:tab pos="2626599" algn="l"/>
-                <a:tab pos="3283248" algn="l"/>
-                <a:tab pos="3939898" algn="l"/>
-                <a:tab pos="4596548" algn="l"/>
-                <a:tab pos="5253198" algn="l"/>
-                <a:tab pos="5909847" algn="l"/>
-                <a:tab pos="6566497" algn="l"/>
-                <a:tab pos="7223147" algn="l"/>
-                <a:tab pos="7879796" algn="l"/>
-              </a:tabLst>
-              <a:defRPr/>
-            </a:pPr>
-            <a:r>
-              <a:rPr lang="en-GB" sz="1600" dirty="0">
-                <a:latin typeface="Arial" charset="0"/>
-                <a:ea typeface="DejaVu Sans" charset="0"/>
-                <a:cs typeface="DejaVu Sans" charset="0"/>
-              </a:rPr>
-              <a:t>#</a:t>
-            </a:r>
-            <a:r>
-              <a:rPr lang="en-GB" sz="1600" dirty="0" err="1">
-                <a:latin typeface="Arial" charset="0"/>
-                <a:ea typeface="DejaVu Sans" charset="0"/>
-                <a:cs typeface="DejaVu Sans" charset="0"/>
-              </a:rPr>
-              <a:t>ssl_cert</a:t>
-            </a:r>
-            <a:r>
-              <a:rPr lang="en-GB" sz="1600" dirty="0">
-                <a:latin typeface="Arial" charset="0"/>
-                <a:ea typeface="DejaVu Sans" charset="0"/>
-                <a:cs typeface="DejaVu Sans" charset="0"/>
-              </a:rPr>
-              <a:t> = &lt;/</a:t>
-            </a:r>
-            <a:r>
-              <a:rPr lang="en-GB" sz="1600" dirty="0" err="1">
-                <a:latin typeface="Arial" charset="0"/>
-                <a:ea typeface="DejaVu Sans" charset="0"/>
-                <a:cs typeface="DejaVu Sans" charset="0"/>
-              </a:rPr>
-              <a:t>etc</a:t>
-            </a:r>
-            <a:r>
-              <a:rPr lang="en-GB" sz="1600" dirty="0">
-                <a:latin typeface="Arial" charset="0"/>
-                <a:ea typeface="DejaVu Sans" charset="0"/>
-                <a:cs typeface="DejaVu Sans" charset="0"/>
-              </a:rPr>
-              <a:t>/</a:t>
-            </a:r>
-            <a:r>
-              <a:rPr lang="en-GB" sz="1600" dirty="0" err="1">
-                <a:latin typeface="Arial" charset="0"/>
-                <a:ea typeface="DejaVu Sans" charset="0"/>
-                <a:cs typeface="DejaVu Sans" charset="0"/>
-              </a:rPr>
-              <a:t>ssl</a:t>
-            </a:r>
-            <a:r>
-              <a:rPr lang="en-GB" sz="1600" dirty="0">
-                <a:latin typeface="Arial" charset="0"/>
-                <a:ea typeface="DejaVu Sans" charset="0"/>
-                <a:cs typeface="DejaVu Sans" charset="0"/>
-              </a:rPr>
-              <a:t>/certs/</a:t>
-            </a:r>
-            <a:r>
-              <a:rPr lang="en-GB" sz="1600" dirty="0" err="1">
-                <a:latin typeface="Arial" charset="0"/>
-                <a:ea typeface="DejaVu Sans" charset="0"/>
-                <a:cs typeface="DejaVu Sans" charset="0"/>
-              </a:rPr>
-              <a:t>dovecot.pem</a:t>
-            </a:r>
-            <a:endParaRPr lang="en-GB" sz="1600" dirty="0">
-              <a:latin typeface="Arial" charset="0"/>
-              <a:ea typeface="DejaVu Sans" charset="0"/>
-              <a:cs typeface="DejaVu Sans" charset="0"/>
-            </a:endParaRPr>
-          </a:p>
-          <a:p>
-            <a:pPr lvl="1">
-              <a:lnSpc>
-                <a:spcPct val="76000"/>
-              </a:lnSpc>
-              <a:buFont typeface="Wingdings" charset="0"/>
-              <a:buChar char=""/>
-              <a:tabLst>
-                <a:tab pos="656650" algn="l"/>
-                <a:tab pos="1313299" algn="l"/>
-                <a:tab pos="1969949" algn="l"/>
-                <a:tab pos="2626599" algn="l"/>
-                <a:tab pos="3283248" algn="l"/>
-                <a:tab pos="3939898" algn="l"/>
-                <a:tab pos="4596548" algn="l"/>
-                <a:tab pos="5253198" algn="l"/>
-                <a:tab pos="5909847" algn="l"/>
-                <a:tab pos="6566497" algn="l"/>
-                <a:tab pos="7223147" algn="l"/>
-                <a:tab pos="7879796" algn="l"/>
-              </a:tabLst>
-              <a:defRPr/>
-            </a:pPr>
-            <a:r>
-              <a:rPr lang="en-GB" sz="1600" dirty="0">
-                <a:latin typeface="Arial" charset="0"/>
-                <a:ea typeface="DejaVu Sans" charset="0"/>
-                <a:cs typeface="DejaVu Sans" charset="0"/>
-              </a:rPr>
-              <a:t>#</a:t>
-            </a:r>
-            <a:r>
-              <a:rPr lang="en-GB" sz="1600" dirty="0" err="1">
-                <a:latin typeface="Arial" charset="0"/>
-                <a:ea typeface="DejaVu Sans" charset="0"/>
-                <a:cs typeface="DejaVu Sans" charset="0"/>
-              </a:rPr>
-              <a:t>ssl_key</a:t>
-            </a:r>
-            <a:r>
-              <a:rPr lang="en-GB" sz="1600" dirty="0">
-                <a:latin typeface="Arial" charset="0"/>
-                <a:ea typeface="DejaVu Sans" charset="0"/>
-                <a:cs typeface="DejaVu Sans" charset="0"/>
-              </a:rPr>
-              <a:t> = &lt;/</a:t>
-            </a:r>
-            <a:r>
-              <a:rPr lang="en-GB" sz="1600" dirty="0" err="1">
-                <a:latin typeface="Arial" charset="0"/>
-                <a:ea typeface="DejaVu Sans" charset="0"/>
-                <a:cs typeface="DejaVu Sans" charset="0"/>
-              </a:rPr>
-              <a:t>etc</a:t>
-            </a:r>
-            <a:r>
-              <a:rPr lang="en-GB" sz="1600" dirty="0">
-                <a:latin typeface="Arial" charset="0"/>
-                <a:ea typeface="DejaVu Sans" charset="0"/>
-                <a:cs typeface="DejaVu Sans" charset="0"/>
-              </a:rPr>
-              <a:t>/</a:t>
-            </a:r>
-            <a:r>
-              <a:rPr lang="en-GB" sz="1600" dirty="0" err="1">
-                <a:latin typeface="Arial" charset="0"/>
-                <a:ea typeface="DejaVu Sans" charset="0"/>
-                <a:cs typeface="DejaVu Sans" charset="0"/>
-              </a:rPr>
-              <a:t>ssl</a:t>
-            </a:r>
-            <a:r>
-              <a:rPr lang="en-GB" sz="1600" dirty="0">
-                <a:latin typeface="Arial" charset="0"/>
-                <a:ea typeface="DejaVu Sans" charset="0"/>
-                <a:cs typeface="DejaVu Sans" charset="0"/>
-              </a:rPr>
-              <a:t>/private/</a:t>
-            </a:r>
-            <a:r>
-              <a:rPr lang="en-GB" sz="1600" dirty="0" err="1">
-                <a:latin typeface="Arial" charset="0"/>
-                <a:ea typeface="DejaVu Sans" charset="0"/>
-                <a:cs typeface="DejaVu Sans" charset="0"/>
-              </a:rPr>
-              <a:t>dovecot.pem</a:t>
-            </a:r>
-            <a:endParaRPr lang="en-GB" sz="1600" b="1" dirty="0">
-              <a:latin typeface="Arial"/>
-              <a:ea typeface="DejaVu Sans" charset="0"/>
-              <a:cs typeface="Arial"/>
-            </a:endParaRPr>
-          </a:p>
-          <a:p>
-            <a:pPr marL="489607" lvl="1" indent="0">
-              <a:lnSpc>
-                <a:spcPct val="76000"/>
-              </a:lnSpc>
-              <a:tabLst>
-                <a:tab pos="656650" algn="l"/>
-                <a:tab pos="1313299" algn="l"/>
-                <a:tab pos="1969949" algn="l"/>
-                <a:tab pos="2626599" algn="l"/>
-                <a:tab pos="3283248" algn="l"/>
-                <a:tab pos="3939898" algn="l"/>
-                <a:tab pos="4596548" algn="l"/>
-                <a:tab pos="5253198" algn="l"/>
-                <a:tab pos="5909847" algn="l"/>
-                <a:tab pos="6566497" algn="l"/>
-                <a:tab pos="7223147" algn="l"/>
-                <a:tab pos="7879796" algn="l"/>
-              </a:tabLst>
-              <a:defRPr/>
-            </a:pPr>
-            <a:endParaRPr lang="en-GB" sz="1600" dirty="0">
-              <a:latin typeface="Times New Roman"/>
-              <a:ea typeface="DejaVu Sans" charset="0"/>
-              <a:cs typeface="Times New Roman"/>
-            </a:endParaRPr>
-          </a:p>
-          <a:p>
-            <a:pPr>
-              <a:lnSpc>
-                <a:spcPct val="76000"/>
-              </a:lnSpc>
-              <a:buFont typeface="Wingdings" charset="0"/>
-              <a:buChar char=""/>
-              <a:tabLst>
-                <a:tab pos="656650" algn="l"/>
-                <a:tab pos="1313299" algn="l"/>
-                <a:tab pos="1969949" algn="l"/>
-                <a:tab pos="2626599" algn="l"/>
-                <a:tab pos="3283248" algn="l"/>
-                <a:tab pos="3939898" algn="l"/>
-                <a:tab pos="4596548" algn="l"/>
-                <a:tab pos="5253198" algn="l"/>
-                <a:tab pos="5909847" algn="l"/>
-                <a:tab pos="6566497" algn="l"/>
-                <a:tab pos="7223147" algn="l"/>
-                <a:tab pos="7879796" algn="l"/>
-              </a:tabLst>
-              <a:defRPr/>
-            </a:pPr>
-            <a:r>
-              <a:rPr lang="en-GB" sz="1800" b="1" dirty="0">
-                <a:latin typeface="Arial" charset="0"/>
-                <a:cs typeface="DejaVu Sans" charset="0"/>
-              </a:rPr>
-              <a:t>If you have SSL Certs Working during Apache Session, </a:t>
-            </a:r>
-            <a:r>
-              <a:rPr lang="en-GB" sz="1800" b="1" i="1" dirty="0">
-                <a:latin typeface="Arial" charset="0"/>
-                <a:cs typeface="DejaVu Sans" charset="0"/>
-              </a:rPr>
-              <a:t>edit the file /</a:t>
-            </a:r>
-            <a:r>
-              <a:rPr lang="en-GB" sz="1800" b="1" i="1" dirty="0" err="1">
-                <a:latin typeface="Arial" charset="0"/>
-                <a:cs typeface="DejaVu Sans" charset="0"/>
-              </a:rPr>
-              <a:t>usr</a:t>
-            </a:r>
-            <a:r>
-              <a:rPr lang="en-GB" sz="1800" b="1" i="1" dirty="0">
-                <a:latin typeface="Arial" charset="0"/>
-                <a:cs typeface="DejaVu Sans" charset="0"/>
-              </a:rPr>
-              <a:t>/local/</a:t>
-            </a:r>
-            <a:r>
-              <a:rPr lang="en-GB" sz="1800" b="1" i="1" dirty="0" err="1">
-                <a:latin typeface="Arial" charset="0"/>
-                <a:cs typeface="DejaVu Sans" charset="0"/>
-              </a:rPr>
-              <a:t>etc</a:t>
-            </a:r>
-            <a:r>
-              <a:rPr lang="en-GB" sz="1800" b="1" i="1" dirty="0">
-                <a:latin typeface="Arial" charset="0"/>
-                <a:cs typeface="DejaVu Sans" charset="0"/>
-              </a:rPr>
-              <a:t>/dovecot/</a:t>
-            </a:r>
-            <a:r>
-              <a:rPr lang="en-GB" sz="1800" b="1" i="1" dirty="0" err="1">
-                <a:latin typeface="Arial" charset="0"/>
-                <a:cs typeface="DejaVu Sans" charset="0"/>
-              </a:rPr>
-              <a:t>conf.d</a:t>
-            </a:r>
-            <a:r>
-              <a:rPr lang="en-GB" sz="1800" b="1" i="1" dirty="0">
-                <a:latin typeface="Arial" charset="0"/>
-                <a:cs typeface="DejaVu Sans" charset="0"/>
-              </a:rPr>
-              <a:t>/10-ssl.conf and find lines</a:t>
-            </a:r>
-            <a:endParaRPr lang="en-GB" sz="1800" b="1" dirty="0">
-              <a:latin typeface="Arial" charset="0"/>
-              <a:cs typeface="DejaVu Sans" charset="0"/>
-            </a:endParaRPr>
-          </a:p>
-          <a:p>
-            <a:pPr lvl="1">
-              <a:lnSpc>
-                <a:spcPct val="76000"/>
-              </a:lnSpc>
-              <a:buFont typeface="Wingdings" charset="0"/>
-              <a:buChar char=""/>
-              <a:tabLst>
-                <a:tab pos="656650" algn="l"/>
-                <a:tab pos="1313299" algn="l"/>
-                <a:tab pos="1969949" algn="l"/>
-                <a:tab pos="2626599" algn="l"/>
-                <a:tab pos="3283248" algn="l"/>
-                <a:tab pos="3939898" algn="l"/>
-                <a:tab pos="4596548" algn="l"/>
-                <a:tab pos="5253198" algn="l"/>
-                <a:tab pos="5909847" algn="l"/>
-                <a:tab pos="6566497" algn="l"/>
-                <a:tab pos="7223147" algn="l"/>
-                <a:tab pos="7879796" algn="l"/>
-              </a:tabLst>
-              <a:defRPr/>
-            </a:pPr>
-            <a:r>
-              <a:rPr lang="en-GB" sz="1600" dirty="0" err="1">
-                <a:latin typeface="Arial" charset="0"/>
-                <a:ea typeface="DejaVu Sans" charset="0"/>
-                <a:cs typeface="DejaVu Sans" charset="0"/>
-              </a:rPr>
-              <a:t>ssl_cert</a:t>
-            </a:r>
-            <a:r>
-              <a:rPr lang="en-GB" sz="1600" dirty="0">
-                <a:latin typeface="Arial" charset="0"/>
-                <a:ea typeface="DejaVu Sans" charset="0"/>
-                <a:cs typeface="DejaVu Sans" charset="0"/>
-              </a:rPr>
-              <a:t> = &lt;/</a:t>
-            </a:r>
-            <a:r>
-              <a:rPr lang="en-GB" sz="1600" dirty="0" err="1">
-                <a:latin typeface="Arial" charset="0"/>
-                <a:ea typeface="DejaVu Sans" charset="0"/>
-                <a:cs typeface="DejaVu Sans" charset="0"/>
-              </a:rPr>
-              <a:t>etc</a:t>
-            </a:r>
-            <a:r>
-              <a:rPr lang="en-GB" sz="1600" dirty="0">
-                <a:latin typeface="Arial" charset="0"/>
-                <a:ea typeface="DejaVu Sans" charset="0"/>
-                <a:cs typeface="DejaVu Sans" charset="0"/>
-              </a:rPr>
-              <a:t>/</a:t>
-            </a:r>
-            <a:r>
-              <a:rPr lang="en-GB" sz="1600" dirty="0" err="1">
-                <a:latin typeface="Arial" charset="0"/>
-                <a:ea typeface="DejaVu Sans" charset="0"/>
-                <a:cs typeface="DejaVu Sans" charset="0"/>
-              </a:rPr>
-              <a:t>ssl</a:t>
-            </a:r>
-            <a:r>
-              <a:rPr lang="en-GB" sz="1600" dirty="0">
-                <a:latin typeface="Arial" charset="0"/>
-                <a:ea typeface="DejaVu Sans" charset="0"/>
-                <a:cs typeface="DejaVu Sans" charset="0"/>
-              </a:rPr>
-              <a:t>/certs/</a:t>
-            </a:r>
-            <a:r>
-              <a:rPr lang="en-GB" sz="1600" dirty="0" err="1">
-                <a:latin typeface="Arial" charset="0"/>
-                <a:ea typeface="DejaVu Sans" charset="0"/>
-                <a:cs typeface="DejaVu Sans" charset="0"/>
-              </a:rPr>
-              <a:t>dovecot.pem</a:t>
-            </a:r>
-            <a:endParaRPr lang="en-GB" sz="1600" dirty="0">
-              <a:latin typeface="Arial" charset="0"/>
-              <a:ea typeface="DejaVu Sans" charset="0"/>
-              <a:cs typeface="DejaVu Sans" charset="0"/>
-            </a:endParaRPr>
-          </a:p>
-          <a:p>
-            <a:pPr lvl="1">
-              <a:lnSpc>
-                <a:spcPct val="76000"/>
-              </a:lnSpc>
-              <a:buFont typeface="Wingdings" charset="0"/>
-              <a:buChar char=""/>
-              <a:tabLst>
-                <a:tab pos="656650" algn="l"/>
-                <a:tab pos="1313299" algn="l"/>
-                <a:tab pos="1969949" algn="l"/>
-                <a:tab pos="2626599" algn="l"/>
-                <a:tab pos="3283248" algn="l"/>
-                <a:tab pos="3939898" algn="l"/>
-                <a:tab pos="4596548" algn="l"/>
-                <a:tab pos="5253198" algn="l"/>
-                <a:tab pos="5909847" algn="l"/>
-                <a:tab pos="6566497" algn="l"/>
-                <a:tab pos="7223147" algn="l"/>
-                <a:tab pos="7879796" algn="l"/>
-              </a:tabLst>
-              <a:defRPr/>
-            </a:pPr>
-            <a:r>
-              <a:rPr lang="en-GB" sz="1600" dirty="0" err="1">
-                <a:latin typeface="Arial" charset="0"/>
-                <a:ea typeface="DejaVu Sans" charset="0"/>
-                <a:cs typeface="DejaVu Sans" charset="0"/>
-              </a:rPr>
-              <a:t>ssl_key</a:t>
-            </a:r>
-            <a:r>
-              <a:rPr lang="en-GB" sz="1600" dirty="0">
-                <a:latin typeface="Arial" charset="0"/>
-                <a:ea typeface="DejaVu Sans" charset="0"/>
-                <a:cs typeface="DejaVu Sans" charset="0"/>
-              </a:rPr>
-              <a:t> = &lt;/</a:t>
-            </a:r>
-            <a:r>
-              <a:rPr lang="en-GB" sz="1600" dirty="0" err="1">
-                <a:latin typeface="Arial" charset="0"/>
-                <a:ea typeface="DejaVu Sans" charset="0"/>
-                <a:cs typeface="DejaVu Sans" charset="0"/>
-              </a:rPr>
-              <a:t>etc</a:t>
-            </a:r>
-            <a:r>
-              <a:rPr lang="en-GB" sz="1600" dirty="0">
-                <a:latin typeface="Arial" charset="0"/>
-                <a:ea typeface="DejaVu Sans" charset="0"/>
-                <a:cs typeface="DejaVu Sans" charset="0"/>
-              </a:rPr>
-              <a:t>/</a:t>
-            </a:r>
-            <a:r>
-              <a:rPr lang="en-GB" sz="1600" dirty="0" err="1">
-                <a:latin typeface="Arial" charset="0"/>
-                <a:ea typeface="DejaVu Sans" charset="0"/>
-                <a:cs typeface="DejaVu Sans" charset="0"/>
-              </a:rPr>
-              <a:t>ssl</a:t>
-            </a:r>
-            <a:r>
-              <a:rPr lang="en-GB" sz="1600" dirty="0">
-                <a:latin typeface="Arial" charset="0"/>
-                <a:ea typeface="DejaVu Sans" charset="0"/>
-                <a:cs typeface="DejaVu Sans" charset="0"/>
-              </a:rPr>
-              <a:t>/private/</a:t>
-            </a:r>
-            <a:r>
-              <a:rPr lang="en-GB" sz="1600" dirty="0" err="1">
-                <a:latin typeface="Arial" charset="0"/>
-                <a:ea typeface="DejaVu Sans" charset="0"/>
-                <a:cs typeface="DejaVu Sans" charset="0"/>
-              </a:rPr>
-              <a:t>dovecot.pem</a:t>
-            </a:r>
-            <a:endParaRPr lang="en-GB" sz="1600" dirty="0">
-              <a:latin typeface="Arial" charset="0"/>
-              <a:ea typeface="DejaVu Sans" charset="0"/>
-              <a:cs typeface="DejaVu Sans" charset="0"/>
-            </a:endParaRPr>
-          </a:p>
-          <a:p>
-            <a:pPr marL="489607" lvl="1" indent="0">
-              <a:lnSpc>
-                <a:spcPct val="76000"/>
-              </a:lnSpc>
-              <a:tabLst>
-                <a:tab pos="656650" algn="l"/>
-                <a:tab pos="1313299" algn="l"/>
-                <a:tab pos="1969949" algn="l"/>
-                <a:tab pos="2626599" algn="l"/>
-                <a:tab pos="3283248" algn="l"/>
-                <a:tab pos="3939898" algn="l"/>
-                <a:tab pos="4596548" algn="l"/>
-                <a:tab pos="5253198" algn="l"/>
-                <a:tab pos="5909847" algn="l"/>
-                <a:tab pos="6566497" algn="l"/>
-                <a:tab pos="7223147" algn="l"/>
-                <a:tab pos="7879796" algn="l"/>
-              </a:tabLst>
-              <a:defRPr/>
-            </a:pPr>
-            <a:endParaRPr lang="en-GB" sz="1600" dirty="0">
-              <a:latin typeface="Arial" charset="0"/>
-              <a:ea typeface="DejaVu Sans" charset="0"/>
-              <a:cs typeface="DejaVu Sans" charset="0"/>
-            </a:endParaRPr>
-          </a:p>
-          <a:p>
-            <a:pPr>
-              <a:lnSpc>
-                <a:spcPct val="76000"/>
-              </a:lnSpc>
-              <a:buFont typeface="Wingdings" charset="0"/>
-              <a:buChar char=""/>
-              <a:tabLst>
-                <a:tab pos="656650" algn="l"/>
-                <a:tab pos="1313299" algn="l"/>
-                <a:tab pos="1969949" algn="l"/>
-                <a:tab pos="2626599" algn="l"/>
-                <a:tab pos="3283248" algn="l"/>
-                <a:tab pos="3939898" algn="l"/>
-                <a:tab pos="4596548" algn="l"/>
-                <a:tab pos="5253198" algn="l"/>
-                <a:tab pos="5909847" algn="l"/>
-                <a:tab pos="6566497" algn="l"/>
-                <a:tab pos="7223147" algn="l"/>
-                <a:tab pos="7879796" algn="l"/>
-              </a:tabLst>
-              <a:defRPr/>
-            </a:pPr>
-            <a:r>
-              <a:rPr lang="en-GB" sz="1800" b="1" i="1" dirty="0">
-                <a:latin typeface="Arial" charset="0"/>
-                <a:cs typeface="DejaVu Sans" charset="0"/>
-              </a:rPr>
-              <a:t>MODIFY </a:t>
-            </a:r>
-            <a:r>
-              <a:rPr lang="en-GB" sz="1800" dirty="0">
-                <a:latin typeface="Arial" charset="0"/>
-                <a:cs typeface="DejaVu Sans" charset="0"/>
-              </a:rPr>
-              <a:t>above lines and set </a:t>
-            </a:r>
-            <a:r>
-              <a:rPr lang="en-GB" sz="1800" b="1" i="1" dirty="0">
-                <a:latin typeface="Arial" charset="0"/>
-                <a:cs typeface="DejaVu Sans" charset="0"/>
-              </a:rPr>
-              <a:t>PATH</a:t>
-            </a:r>
-            <a:r>
-              <a:rPr lang="en-GB" sz="1800" dirty="0">
-                <a:latin typeface="Arial" charset="0"/>
-                <a:cs typeface="DejaVu Sans" charset="0"/>
-              </a:rPr>
-              <a:t> to point at the certificate and </a:t>
-            </a:r>
-            <a:r>
-              <a:rPr lang="en-GB" sz="1800" dirty="0" err="1">
-                <a:latin typeface="Arial" charset="0"/>
-                <a:cs typeface="DejaVu Sans" charset="0"/>
-              </a:rPr>
-              <a:t>keyfile</a:t>
-            </a:r>
-            <a:r>
-              <a:rPr lang="en-GB" sz="1800" dirty="0">
-                <a:latin typeface="Arial" charset="0"/>
-                <a:cs typeface="DejaVu Sans" charset="0"/>
-              </a:rPr>
-              <a:t> that was created during the apache tutorial. </a:t>
-            </a:r>
-            <a:r>
-              <a:rPr lang="en-GB" sz="1800" dirty="0" err="1">
-                <a:latin typeface="Arial" charset="0"/>
-                <a:cs typeface="DejaVu Sans" charset="0"/>
-              </a:rPr>
-              <a:t>i.e</a:t>
-            </a:r>
-            <a:endParaRPr lang="en-GB" sz="1800" dirty="0">
-              <a:latin typeface="Arial" charset="0"/>
-              <a:cs typeface="DejaVu Sans" charset="0"/>
-            </a:endParaRPr>
-          </a:p>
-          <a:p>
-            <a:pPr lvl="1">
-              <a:lnSpc>
-                <a:spcPct val="76000"/>
-              </a:lnSpc>
-              <a:buFont typeface="Wingdings" charset="0"/>
-              <a:buChar char=""/>
-              <a:tabLst>
-                <a:tab pos="656650" algn="l"/>
-                <a:tab pos="1313299" algn="l"/>
-                <a:tab pos="1969949" algn="l"/>
-                <a:tab pos="2626599" algn="l"/>
-                <a:tab pos="3283248" algn="l"/>
-                <a:tab pos="3939898" algn="l"/>
-                <a:tab pos="4596548" algn="l"/>
-                <a:tab pos="5253198" algn="l"/>
-                <a:tab pos="5909847" algn="l"/>
-                <a:tab pos="6566497" algn="l"/>
-                <a:tab pos="7223147" algn="l"/>
-                <a:tab pos="7879796" algn="l"/>
-              </a:tabLst>
-              <a:defRPr/>
-            </a:pPr>
-            <a:r>
-              <a:rPr lang="en-GB" sz="1600" dirty="0" err="1">
-                <a:latin typeface="Arial" charset="0"/>
-                <a:ea typeface="DejaVu Sans" charset="0"/>
-                <a:cs typeface="DejaVu Sans" charset="0"/>
-              </a:rPr>
-              <a:t>ssl_cert</a:t>
-            </a:r>
-            <a:r>
-              <a:rPr lang="en-GB" sz="1600" dirty="0">
-                <a:latin typeface="Arial" charset="0"/>
-                <a:ea typeface="DejaVu Sans" charset="0"/>
-                <a:cs typeface="DejaVu Sans" charset="0"/>
-              </a:rPr>
-              <a:t> = &lt;/</a:t>
-            </a:r>
-            <a:r>
-              <a:rPr lang="en-GB" sz="1600" dirty="0" err="1">
-                <a:latin typeface="Arial" charset="0"/>
-                <a:ea typeface="DejaVu Sans" charset="0"/>
-                <a:cs typeface="DejaVu Sans" charset="0"/>
-              </a:rPr>
-              <a:t>usr</a:t>
-            </a:r>
-            <a:r>
-              <a:rPr lang="en-GB" sz="1600" dirty="0">
-                <a:latin typeface="Arial" charset="0"/>
-                <a:ea typeface="DejaVu Sans" charset="0"/>
-                <a:cs typeface="DejaVu Sans" charset="0"/>
-              </a:rPr>
-              <a:t>/local/</a:t>
-            </a:r>
-            <a:r>
-              <a:rPr lang="en-GB" sz="1600" dirty="0" err="1">
-                <a:latin typeface="Arial" charset="0"/>
-                <a:ea typeface="DejaVu Sans" charset="0"/>
-                <a:cs typeface="DejaVu Sans" charset="0"/>
-              </a:rPr>
-              <a:t>etc</a:t>
-            </a:r>
-            <a:r>
-              <a:rPr lang="en-GB" sz="1600" dirty="0">
-                <a:latin typeface="Arial" charset="0"/>
-                <a:ea typeface="DejaVu Sans" charset="0"/>
-                <a:cs typeface="DejaVu Sans" charset="0"/>
-              </a:rPr>
-              <a:t>/apache22/</a:t>
-            </a:r>
-            <a:r>
-              <a:rPr lang="en-GB" sz="1600" dirty="0" err="1">
-                <a:latin typeface="Arial" charset="0"/>
-                <a:ea typeface="DejaVu Sans" charset="0"/>
-                <a:cs typeface="DejaVu Sans" charset="0"/>
-              </a:rPr>
-              <a:t>server.crt</a:t>
-            </a:r>
-            <a:endParaRPr lang="en-GB" sz="1600" dirty="0">
-              <a:latin typeface="Arial" charset="0"/>
-              <a:ea typeface="DejaVu Sans" charset="0"/>
-              <a:cs typeface="DejaVu Sans" charset="0"/>
-            </a:endParaRPr>
-          </a:p>
-          <a:p>
-            <a:pPr lvl="1">
-              <a:lnSpc>
-                <a:spcPct val="76000"/>
-              </a:lnSpc>
-              <a:buFont typeface="Wingdings" charset="0"/>
-              <a:buChar char=""/>
-              <a:tabLst>
-                <a:tab pos="656650" algn="l"/>
-                <a:tab pos="1313299" algn="l"/>
-                <a:tab pos="1969949" algn="l"/>
-                <a:tab pos="2626599" algn="l"/>
-                <a:tab pos="3283248" algn="l"/>
-                <a:tab pos="3939898" algn="l"/>
-                <a:tab pos="4596548" algn="l"/>
-                <a:tab pos="5253198" algn="l"/>
-                <a:tab pos="5909847" algn="l"/>
-                <a:tab pos="6566497" algn="l"/>
-                <a:tab pos="7223147" algn="l"/>
-                <a:tab pos="7879796" algn="l"/>
-              </a:tabLst>
-              <a:defRPr/>
-            </a:pPr>
-            <a:r>
-              <a:rPr lang="en-GB" sz="1600" dirty="0" err="1">
-                <a:latin typeface="Arial" charset="0"/>
-                <a:ea typeface="DejaVu Sans" charset="0"/>
-                <a:cs typeface="DejaVu Sans" charset="0"/>
-              </a:rPr>
-              <a:t>ssl_key</a:t>
-            </a:r>
-            <a:r>
-              <a:rPr lang="en-GB" sz="1600" dirty="0">
-                <a:latin typeface="Arial" charset="0"/>
-                <a:ea typeface="DejaVu Sans" charset="0"/>
-                <a:cs typeface="DejaVu Sans" charset="0"/>
-              </a:rPr>
-              <a:t> = &lt;/</a:t>
-            </a:r>
-            <a:r>
-              <a:rPr lang="en-GB" sz="1600" dirty="0" err="1">
-                <a:latin typeface="Arial" charset="0"/>
-                <a:ea typeface="DejaVu Sans" charset="0"/>
-                <a:cs typeface="DejaVu Sans" charset="0"/>
-              </a:rPr>
-              <a:t>usr</a:t>
-            </a:r>
-            <a:r>
-              <a:rPr lang="en-GB" sz="1600" dirty="0">
-                <a:latin typeface="Arial" charset="0"/>
-                <a:ea typeface="DejaVu Sans" charset="0"/>
-                <a:cs typeface="DejaVu Sans" charset="0"/>
-              </a:rPr>
-              <a:t>/local/</a:t>
-            </a:r>
-            <a:r>
-              <a:rPr lang="en-GB" sz="1600" dirty="0" err="1">
-                <a:latin typeface="Arial" charset="0"/>
-                <a:ea typeface="DejaVu Sans" charset="0"/>
-                <a:cs typeface="DejaVu Sans" charset="0"/>
-              </a:rPr>
-              <a:t>etc</a:t>
-            </a:r>
-            <a:r>
-              <a:rPr lang="en-GB" sz="1600" dirty="0">
-                <a:latin typeface="Arial" charset="0"/>
-                <a:ea typeface="DejaVu Sans" charset="0"/>
-                <a:cs typeface="DejaVu Sans" charset="0"/>
-              </a:rPr>
-              <a:t>/apache22/</a:t>
-            </a:r>
-            <a:r>
-              <a:rPr lang="en-GB" sz="1600" dirty="0" err="1">
-                <a:latin typeface="Arial" charset="0"/>
-                <a:ea typeface="DejaVu Sans" charset="0"/>
-                <a:cs typeface="DejaVu Sans" charset="0"/>
-              </a:rPr>
-              <a:t>server.key</a:t>
-            </a:r>
-            <a:endParaRPr lang="en-GB" sz="1600" dirty="0">
-              <a:latin typeface="Arial" charset="0"/>
-              <a:ea typeface="DejaVu Sans" charset="0"/>
-              <a:cs typeface="DejaVu Sans" charset="0"/>
-            </a:endParaRPr>
-          </a:p>
-          <a:p>
-            <a:pPr lvl="1">
-              <a:lnSpc>
-                <a:spcPct val="76000"/>
-              </a:lnSpc>
-              <a:buFont typeface="Wingdings" charset="0"/>
-              <a:buChar char=""/>
-              <a:tabLst>
-                <a:tab pos="656650" algn="l"/>
-                <a:tab pos="1313299" algn="l"/>
-                <a:tab pos="1969949" algn="l"/>
-                <a:tab pos="2626599" algn="l"/>
-                <a:tab pos="3283248" algn="l"/>
-                <a:tab pos="3939898" algn="l"/>
-                <a:tab pos="4596548" algn="l"/>
-                <a:tab pos="5253198" algn="l"/>
-                <a:tab pos="5909847" algn="l"/>
-                <a:tab pos="6566497" algn="l"/>
-                <a:tab pos="7223147" algn="l"/>
-                <a:tab pos="7879796" algn="l"/>
-              </a:tabLst>
-              <a:defRPr/>
-            </a:pPr>
-            <a:endParaRPr lang="en-GB" sz="1600" dirty="0">
-              <a:latin typeface="Arial" charset="0"/>
-              <a:ea typeface="DejaVu Sans" charset="0"/>
-              <a:cs typeface="DejaVu Sans" charset="0"/>
-            </a:endParaRPr>
-          </a:p>
-          <a:p>
-            <a:pPr>
-              <a:lnSpc>
-                <a:spcPct val="76000"/>
-              </a:lnSpc>
-              <a:buFont typeface="Wingdings" charset="0"/>
-              <a:buChar char=""/>
-              <a:tabLst>
-                <a:tab pos="656650" algn="l"/>
-                <a:tab pos="1313299" algn="l"/>
-                <a:tab pos="1969949" algn="l"/>
-                <a:tab pos="2626599" algn="l"/>
-                <a:tab pos="3283248" algn="l"/>
-                <a:tab pos="3939898" algn="l"/>
-                <a:tab pos="4596548" algn="l"/>
-                <a:tab pos="5253198" algn="l"/>
-                <a:tab pos="5909847" algn="l"/>
-                <a:tab pos="6566497" algn="l"/>
-                <a:tab pos="7223147" algn="l"/>
-                <a:tab pos="7879796" algn="l"/>
-              </a:tabLst>
-              <a:defRPr/>
-            </a:pPr>
-            <a:r>
-              <a:rPr lang="en-GB" sz="2000" dirty="0">
-                <a:latin typeface="Arial" charset="0"/>
-                <a:ea typeface="DejaVu Sans" charset="0"/>
-                <a:cs typeface="DejaVu Sans" charset="0"/>
-              </a:rPr>
-              <a:t>Save and close the 10-ssl.conf file</a:t>
-            </a:r>
-          </a:p>
-        </p:txBody>
-      </p:sp>
-    </p:spTree>
-    <p:extLst>
-      <p:ext uri="{BB962C8B-B14F-4D97-AF65-F5344CB8AC3E}">
-        <p14:creationId xmlns:p14="http://schemas.microsoft.com/office/powerpoint/2010/main" val="3293069661"/>
-      </p:ext>
-    </p:extLst>
-  </p:cSld>
-  <p:clrMapOvr>
-    <a:masterClrMapping/>
-  </p:clrMapOvr>
-  <p:transition xmlns:p14="http://schemas.microsoft.com/office/powerpoint/2010/main" spd="med"/>
-  <p:timing>
-    <p:tnLst>
-      <p:par>
-        <p:cTn xmlns:p14="http://schemas.microsoft.com/office/powerpoint/2010/main" id="1" dur="indefinite" restart="never" nodeType="tmRoot">
-          <p:childTnLst>
-            <p:seq concurrent="1" nextAc="seek">
-              <p:cTn id="2" dur="0" nodeType="mainSeq"/>
-              <p:prevCondLst>
-                <p:cond evt="onPrev" delay="0">
-                  <p:tgtEl>
-                    <p:sldTgt/>
-                  </p:tgtEl>
-                </p:cond>
-              </p:prevCondLst>
-              <p:nextCondLst>
-                <p:cond evt="onNext" delay="0">
-                  <p:tgtEl>
-                    <p:sldTgt/>
-                  </p:tgtEl>
-                </p:cond>
-              </p:nextCondLst>
-            </p:seq>
-          </p:childTnLst>
-        </p:cTn>
-      </p:par>
-    </p:tnLst>
-  </p:timing>
-</p:sld>
-</file>
-
-<file path=ppt/slides/slide37.xml><?xml version="1.0" encoding="utf-8"?>
-<p:sld xmlns:a="http://schemas.openxmlformats.org/drawingml/2006/main" xmlns:r="http://schemas.openxmlformats.org/officeDocument/2006/relationships" xmlns:p="http://schemas.openxmlformats.org/presentationml/2006/main">
-  <p:cSld>
-    <p:spTree>
-      <p:nvGrpSpPr>
-        <p:cNvPr id="1" name=""/>
-        <p:cNvGrpSpPr/>
-        <p:nvPr/>
-      </p:nvGrpSpPr>
-      <p:grpSpPr>
-        <a:xfrm>
-          <a:off x="0" y="0"/>
-          <a:ext cx="0" cy="0"/>
-          <a:chOff x="0" y="0"/>
-          <a:chExt cx="0" cy="0"/>
-        </a:xfrm>
-      </p:grpSpPr>
-      <p:sp>
-        <p:nvSpPr>
-          <p:cNvPr id="32769" name="Title 1"/>
-          <p:cNvSpPr>
-            <a:spLocks noGrp="1"/>
-          </p:cNvSpPr>
-          <p:nvPr>
-            <p:ph type="title"/>
-          </p:nvPr>
-        </p:nvSpPr>
-        <p:spPr/>
-        <p:txBody>
-          <a:bodyPr>
-            <a:normAutofit fontScale="90000"/>
-          </a:bodyPr>
-          <a:lstStyle/>
-          <a:p>
-            <a:r>
-              <a:rPr lang="en-US" b="1" dirty="0">
-                <a:latin typeface="Arial" charset="0"/>
-                <a:cs typeface="DejaVu Sans" charset="0"/>
-              </a:rPr>
-              <a:t>Dovecot 2 Authentication </a:t>
-            </a:r>
-            <a:r>
-              <a:rPr lang="en-US" b="1" dirty="0" err="1">
-                <a:latin typeface="Arial" charset="0"/>
-                <a:cs typeface="DejaVu Sans" charset="0"/>
-              </a:rPr>
-              <a:t>Config</a:t>
-            </a:r>
-            <a:endParaRPr lang="en-US" b="1" dirty="0">
-              <a:latin typeface="Arial" charset="0"/>
-              <a:cs typeface="DejaVu Sans" charset="0"/>
-            </a:endParaRPr>
-          </a:p>
-        </p:txBody>
-      </p:sp>
-      <p:sp>
-        <p:nvSpPr>
-          <p:cNvPr id="3" name="Content Placeholder 2"/>
-          <p:cNvSpPr>
-            <a:spLocks noGrp="1"/>
-          </p:cNvSpPr>
-          <p:nvPr>
-            <p:ph idx="1"/>
-          </p:nvPr>
-        </p:nvSpPr>
-        <p:spPr/>
-        <p:txBody>
-          <a:bodyPr>
-            <a:normAutofit/>
-          </a:bodyPr>
-          <a:lstStyle/>
-          <a:p>
-            <a:pPr>
-              <a:lnSpc>
-                <a:spcPct val="76000"/>
-              </a:lnSpc>
-              <a:buFont typeface="Wingdings" charset="0"/>
-              <a:buChar char=""/>
-              <a:tabLst>
-                <a:tab pos="656650" algn="l"/>
-                <a:tab pos="1313299" algn="l"/>
-                <a:tab pos="1969949" algn="l"/>
-                <a:tab pos="2626599" algn="l"/>
-                <a:tab pos="3283248" algn="l"/>
-                <a:tab pos="3939898" algn="l"/>
-                <a:tab pos="4596548" algn="l"/>
-                <a:tab pos="5253198" algn="l"/>
-                <a:tab pos="5909847" algn="l"/>
-                <a:tab pos="6566497" algn="l"/>
-                <a:tab pos="7223147" algn="l"/>
-                <a:tab pos="7879796" algn="l"/>
-              </a:tabLst>
-              <a:defRPr/>
-            </a:pPr>
-            <a:r>
-              <a:rPr lang="en-GB" sz="1800" b="1" i="1" dirty="0">
-                <a:latin typeface="Arial" charset="0"/>
-                <a:cs typeface="DejaVu Sans" charset="0"/>
-              </a:rPr>
-              <a:t>Edit the file /</a:t>
-            </a:r>
-            <a:r>
-              <a:rPr lang="en-GB" sz="1800" b="1" i="1" dirty="0" err="1">
-                <a:latin typeface="Arial" charset="0"/>
-                <a:cs typeface="DejaVu Sans" charset="0"/>
-              </a:rPr>
-              <a:t>usr</a:t>
-            </a:r>
-            <a:r>
-              <a:rPr lang="en-GB" sz="1800" b="1" i="1" dirty="0">
-                <a:latin typeface="Arial" charset="0"/>
-                <a:cs typeface="DejaVu Sans" charset="0"/>
-              </a:rPr>
-              <a:t>/local/</a:t>
-            </a:r>
-            <a:r>
-              <a:rPr lang="en-GB" sz="1800" b="1" i="1" dirty="0" err="1">
-                <a:latin typeface="Arial" charset="0"/>
-                <a:cs typeface="DejaVu Sans" charset="0"/>
-              </a:rPr>
-              <a:t>etc</a:t>
-            </a:r>
-            <a:r>
-              <a:rPr lang="en-GB" sz="1800" b="1" i="1" dirty="0">
-                <a:latin typeface="Arial" charset="0"/>
-                <a:cs typeface="DejaVu Sans" charset="0"/>
-              </a:rPr>
-              <a:t>/dovecot/</a:t>
-            </a:r>
-            <a:r>
-              <a:rPr lang="en-GB" sz="1800" b="1" i="1" dirty="0" err="1">
-                <a:latin typeface="Arial" charset="0"/>
-                <a:cs typeface="DejaVu Sans" charset="0"/>
-              </a:rPr>
-              <a:t>conf.d</a:t>
-            </a:r>
-            <a:r>
-              <a:rPr lang="en-GB" sz="1800" b="1" i="1" dirty="0">
-                <a:latin typeface="Arial" charset="0"/>
-                <a:cs typeface="DejaVu Sans" charset="0"/>
-              </a:rPr>
-              <a:t>/10-auth.conf</a:t>
-            </a:r>
-            <a:endParaRPr lang="en-GB" sz="1800" dirty="0">
-              <a:latin typeface="Arial" charset="0"/>
-              <a:cs typeface="DejaVu Sans" charset="0"/>
-            </a:endParaRPr>
-          </a:p>
-          <a:p>
-            <a:pPr>
-              <a:lnSpc>
-                <a:spcPct val="76000"/>
-              </a:lnSpc>
-              <a:buFont typeface="Wingdings" charset="0"/>
-              <a:buChar char=""/>
-              <a:tabLst>
-                <a:tab pos="656650" algn="l"/>
-                <a:tab pos="1313299" algn="l"/>
-                <a:tab pos="1969949" algn="l"/>
-                <a:tab pos="2626599" algn="l"/>
-                <a:tab pos="3283248" algn="l"/>
-                <a:tab pos="3939898" algn="l"/>
-                <a:tab pos="4596548" algn="l"/>
-                <a:tab pos="5253198" algn="l"/>
-                <a:tab pos="5909847" algn="l"/>
-                <a:tab pos="6566497" algn="l"/>
-                <a:tab pos="7223147" algn="l"/>
-                <a:tab pos="7879796" algn="l"/>
-              </a:tabLst>
-              <a:defRPr/>
-            </a:pPr>
-            <a:r>
-              <a:rPr lang="en-GB" sz="1800" dirty="0">
-                <a:latin typeface="Arial" charset="0"/>
-                <a:cs typeface="DejaVu Sans" charset="0"/>
-              </a:rPr>
-              <a:t>Disable plaintext authentication by finding the line below</a:t>
-            </a:r>
-          </a:p>
-          <a:p>
-            <a:pPr marL="489607" lvl="1" indent="0">
-              <a:lnSpc>
-                <a:spcPct val="74000"/>
-              </a:lnSpc>
-              <a:tabLst>
-                <a:tab pos="656650" algn="l"/>
-                <a:tab pos="1313299" algn="l"/>
-                <a:tab pos="1969949" algn="l"/>
-                <a:tab pos="2626599" algn="l"/>
-                <a:tab pos="3283248" algn="l"/>
-                <a:tab pos="3939898" algn="l"/>
-                <a:tab pos="4596548" algn="l"/>
-                <a:tab pos="5253198" algn="l"/>
-                <a:tab pos="5909847" algn="l"/>
-                <a:tab pos="6566497" algn="l"/>
-                <a:tab pos="7223147" algn="l"/>
-                <a:tab pos="7879796" algn="l"/>
-              </a:tabLst>
-              <a:defRPr/>
-            </a:pPr>
-            <a:r>
-              <a:rPr lang="en-GB" sz="1600" dirty="0">
-                <a:latin typeface="Courier New" charset="0"/>
-                <a:ea typeface="DejaVu Sans" charset="0"/>
-                <a:cs typeface="DejaVu Sans" charset="0"/>
-              </a:rPr>
-              <a:t>#</a:t>
-            </a:r>
-            <a:r>
-              <a:rPr lang="en-GB" sz="1600" dirty="0" err="1">
-                <a:latin typeface="Courier New" charset="0"/>
-                <a:ea typeface="DejaVu Sans" charset="0"/>
-                <a:cs typeface="DejaVu Sans" charset="0"/>
-              </a:rPr>
-              <a:t>disable_plaintext_auth</a:t>
-            </a:r>
-            <a:r>
-              <a:rPr lang="en-GB" sz="1600" dirty="0">
-                <a:latin typeface="Courier New" charset="0"/>
-                <a:ea typeface="DejaVu Sans" charset="0"/>
-                <a:cs typeface="DejaVu Sans" charset="0"/>
-              </a:rPr>
-              <a:t> = no</a:t>
-            </a:r>
-            <a:r>
-              <a:rPr lang="en-GB" sz="1600" b="1" dirty="0">
-                <a:latin typeface="Courier New" charset="0"/>
-                <a:ea typeface="DejaVu Sans" charset="0"/>
-                <a:cs typeface="DejaVu Sans" charset="0"/>
-              </a:rPr>
-              <a:t> </a:t>
-            </a:r>
-          </a:p>
-          <a:p>
-            <a:pPr>
-              <a:lnSpc>
-                <a:spcPct val="76000"/>
-              </a:lnSpc>
-              <a:buFont typeface="Wingdings" charset="0"/>
-              <a:buChar char=""/>
-              <a:tabLst>
-                <a:tab pos="656650" algn="l"/>
-                <a:tab pos="1313299" algn="l"/>
-                <a:tab pos="1969949" algn="l"/>
-                <a:tab pos="2626599" algn="l"/>
-                <a:tab pos="3283248" algn="l"/>
-                <a:tab pos="3939898" algn="l"/>
-                <a:tab pos="4596548" algn="l"/>
-                <a:tab pos="5253198" algn="l"/>
-                <a:tab pos="5909847" algn="l"/>
-                <a:tab pos="6566497" algn="l"/>
-                <a:tab pos="7223147" algn="l"/>
-                <a:tab pos="7879796" algn="l"/>
-              </a:tabLst>
-              <a:defRPr/>
-            </a:pPr>
-            <a:r>
-              <a:rPr lang="en-GB" sz="1800" dirty="0">
-                <a:latin typeface="Arial" charset="0"/>
-                <a:cs typeface="DejaVu Sans" charset="0"/>
-              </a:rPr>
-              <a:t>Uncomment the line and Set the value to yes as below</a:t>
-            </a:r>
-          </a:p>
-          <a:p>
-            <a:pPr marL="489607" lvl="1" indent="0">
-              <a:lnSpc>
-                <a:spcPct val="74000"/>
-              </a:lnSpc>
-              <a:tabLst>
-                <a:tab pos="656650" algn="l"/>
-                <a:tab pos="1313299" algn="l"/>
-                <a:tab pos="1969949" algn="l"/>
-                <a:tab pos="2626599" algn="l"/>
-                <a:tab pos="3283248" algn="l"/>
-                <a:tab pos="3939898" algn="l"/>
-                <a:tab pos="4596548" algn="l"/>
-                <a:tab pos="5253198" algn="l"/>
-                <a:tab pos="5909847" algn="l"/>
-                <a:tab pos="6566497" algn="l"/>
-                <a:tab pos="7223147" algn="l"/>
-                <a:tab pos="7879796" algn="l"/>
-              </a:tabLst>
-              <a:defRPr/>
-            </a:pPr>
-            <a:r>
-              <a:rPr lang="en-GB" sz="1600" dirty="0" err="1">
-                <a:latin typeface="Courier New" charset="0"/>
-                <a:ea typeface="DejaVu Sans" charset="0"/>
-                <a:cs typeface="DejaVu Sans" charset="0"/>
-              </a:rPr>
-              <a:t>disable_plaintext_auth</a:t>
-            </a:r>
-            <a:r>
-              <a:rPr lang="en-GB" sz="1600" dirty="0">
-                <a:latin typeface="Courier New" charset="0"/>
-                <a:ea typeface="DejaVu Sans" charset="0"/>
-                <a:cs typeface="DejaVu Sans" charset="0"/>
-              </a:rPr>
-              <a:t> = yes</a:t>
-            </a:r>
-          </a:p>
-          <a:p>
-            <a:pPr lvl="1">
-              <a:lnSpc>
-                <a:spcPct val="76000"/>
-              </a:lnSpc>
-              <a:buFont typeface="Wingdings" charset="0"/>
-              <a:buChar char=""/>
-              <a:tabLst>
-                <a:tab pos="656650" algn="l"/>
-                <a:tab pos="1313299" algn="l"/>
-                <a:tab pos="1969949" algn="l"/>
-                <a:tab pos="2626599" algn="l"/>
-                <a:tab pos="3283248" algn="l"/>
-                <a:tab pos="3939898" algn="l"/>
-                <a:tab pos="4596548" algn="l"/>
-                <a:tab pos="5253198" algn="l"/>
-                <a:tab pos="5909847" algn="l"/>
-                <a:tab pos="6566497" algn="l"/>
-                <a:tab pos="7223147" algn="l"/>
-                <a:tab pos="7879796" algn="l"/>
-              </a:tabLst>
-              <a:defRPr/>
-            </a:pPr>
-            <a:r>
-              <a:rPr lang="en-GB" sz="1600" dirty="0">
-                <a:latin typeface="Arial" charset="0"/>
-                <a:ea typeface="DejaVu Sans" charset="0"/>
-                <a:cs typeface="DejaVu Sans" charset="0"/>
-              </a:rPr>
-              <a:t>Note: unencrypted connections can still be made from </a:t>
-            </a:r>
-            <a:r>
-              <a:rPr lang="en-GB" sz="1600" dirty="0" err="1">
-                <a:latin typeface="Arial" charset="0"/>
-                <a:ea typeface="DejaVu Sans" charset="0"/>
-                <a:cs typeface="DejaVu Sans" charset="0"/>
-              </a:rPr>
-              <a:t>localhost</a:t>
-            </a:r>
-            <a:r>
-              <a:rPr lang="en-GB" sz="1600" dirty="0">
-                <a:latin typeface="Arial" charset="0"/>
-                <a:ea typeface="DejaVu Sans" charset="0"/>
-                <a:cs typeface="DejaVu Sans" charset="0"/>
-              </a:rPr>
-              <a:t>!</a:t>
-            </a:r>
-          </a:p>
-          <a:p>
-            <a:pPr>
-              <a:defRPr/>
-            </a:pPr>
-            <a:endParaRPr lang="en-US" dirty="0"/>
-          </a:p>
-        </p:txBody>
-      </p:sp>
-    </p:spTree>
-    <p:extLst>
-      <p:ext uri="{BB962C8B-B14F-4D97-AF65-F5344CB8AC3E}">
-        <p14:creationId xmlns:p14="http://schemas.microsoft.com/office/powerpoint/2010/main" val="2369071012"/>
-      </p:ext>
-    </p:extLst>
-  </p:cSld>
-  <p:clrMapOvr>
-    <a:masterClrMapping/>
-  </p:clrMapOvr>
-  <p:timing>
-    <p:tnLst>
-      <p:par>
-        <p:cTn xmlns:p14="http://schemas.microsoft.com/office/powerpoint/2010/main" id="1" dur="indefinite" restart="never" nodeType="tmRoot"/>
-      </p:par>
-    </p:tnLst>
-  </p:timing>
-</p:sld>
-</file>
-
-<file path=ppt/slides/slide38.xml><?xml version="1.0" encoding="utf-8"?>
-<p:sld xmlns:a="http://schemas.openxmlformats.org/drawingml/2006/main" xmlns:r="http://schemas.openxmlformats.org/officeDocument/2006/relationships" xmlns:p="http://schemas.openxmlformats.org/presentationml/2006/main">
-  <p:cSld>
-    <p:spTree>
-      <p:nvGrpSpPr>
-        <p:cNvPr id="1" name=""/>
-        <p:cNvGrpSpPr/>
-        <p:nvPr/>
-      </p:nvGrpSpPr>
-      <p:grpSpPr>
-        <a:xfrm>
-          <a:off x="0" y="0"/>
-          <a:ext cx="0" cy="0"/>
-          <a:chOff x="0" y="0"/>
-          <a:chExt cx="0" cy="0"/>
-        </a:xfrm>
-      </p:grpSpPr>
-      <p:sp>
-        <p:nvSpPr>
-          <p:cNvPr id="2" name="Title 1"/>
-          <p:cNvSpPr>
-            <a:spLocks noGrp="1"/>
-          </p:cNvSpPr>
-          <p:nvPr>
-            <p:ph type="title"/>
-          </p:nvPr>
-        </p:nvSpPr>
-        <p:spPr>
-          <a:xfrm>
-            <a:off x="272255" y="2900712"/>
-            <a:ext cx="8229600" cy="1143000"/>
-          </a:xfrm>
-        </p:spPr>
-        <p:txBody>
-          <a:bodyPr/>
-          <a:lstStyle/>
-          <a:p>
-            <a:r>
-              <a:rPr lang="en-US" b="1" dirty="0" smtClean="0"/>
-              <a:t>Questions?</a:t>
-            </a:r>
-            <a:endParaRPr lang="en-US" b="1" dirty="0"/>
-          </a:p>
-        </p:txBody>
-      </p:sp>
-    </p:spTree>
-    <p:extLst>
-      <p:ext uri="{BB962C8B-B14F-4D97-AF65-F5344CB8AC3E}">
-        <p14:creationId xmlns:p14="http://schemas.microsoft.com/office/powerpoint/2010/main" val="1662748599"/>
+        <p14:creationId xmlns:p14="http://schemas.microsoft.com/office/powerpoint/2010/main" val="3873975350"/>
       </p:ext>
     </p:extLst>
   </p:cSld>

--- a/postfix/postfix-preso-debian.pptx
+++ b/postfix/postfix-preso-debian.pptx
@@ -5,7 +5,7 @@
     <p:sldMasterId id="2147483648" r:id="rId1"/>
   </p:sldMasterIdLst>
   <p:notesMasterIdLst>
-    <p:notesMasterId r:id="rId37"/>
+    <p:notesMasterId r:id="rId40"/>
   </p:notesMasterIdLst>
   <p:sldIdLst>
     <p:sldId id="272" r:id="rId2"/>
@@ -42,7 +42,10 @@
     <p:sldId id="297" r:id="rId33"/>
     <p:sldId id="295" r:id="rId34"/>
     <p:sldId id="298" r:id="rId35"/>
-    <p:sldId id="300" r:id="rId36"/>
+    <p:sldId id="301" r:id="rId36"/>
+    <p:sldId id="302" r:id="rId37"/>
+    <p:sldId id="303" r:id="rId38"/>
+    <p:sldId id="300" r:id="rId39"/>
   </p:sldIdLst>
   <p:sldSz cx="9144000" cy="6858000" type="screen4x3"/>
   <p:notesSz cx="6858000" cy="9144000"/>
@@ -7491,7 +7494,7 @@
           <a:p>
             <a:r>
               <a:rPr lang="en-US" dirty="0" smtClean="0"/>
-              <a:t>When properly managed and configured with Postfix or Exim as the MTA, one can build a industrial strength grade mail gateway</a:t>
+              <a:t>When properly managed and configured with Postfix or Exim as the MTA, one can build a industrial strength mail gateway</a:t>
             </a:r>
           </a:p>
           <a:p>
@@ -7513,6 +7516,186 @@
 </file>
 
 <file path=ppt/slides/slide35.xml><?xml version="1.0" encoding="utf-8"?>
+<p:sld xmlns:a="http://schemas.openxmlformats.org/drawingml/2006/main" xmlns:r="http://schemas.openxmlformats.org/officeDocument/2006/relationships" xmlns:p="http://schemas.openxmlformats.org/presentationml/2006/main">
+  <p:cSld>
+    <p:spTree>
+      <p:nvGrpSpPr>
+        <p:cNvPr id="1" name=""/>
+        <p:cNvGrpSpPr/>
+        <p:nvPr/>
+      </p:nvGrpSpPr>
+      <p:grpSpPr>
+        <a:xfrm>
+          <a:off x="0" y="0"/>
+          <a:ext cx="0" cy="0"/>
+          <a:chOff x="0" y="0"/>
+          <a:chExt cx="0" cy="0"/>
+        </a:xfrm>
+      </p:grpSpPr>
+      <p:pic>
+        <p:nvPicPr>
+          <p:cNvPr id="4" name="Picture 3" descr="Screen Shot 2015-05-27 at 11.57.23 PM.png"/>
+          <p:cNvPicPr>
+            <a:picLocks noChangeAspect="1"/>
+          </p:cNvPicPr>
+          <p:nvPr/>
+        </p:nvPicPr>
+        <p:blipFill>
+          <a:blip r:embed="rId2">
+            <a:extLst>
+              <a:ext uri="{28A0092B-C50C-407E-A947-70E740481C1C}">
+                <a14:useLocalDpi xmlns:a14="http://schemas.microsoft.com/office/drawing/2010/main" val="0"/>
+              </a:ext>
+            </a:extLst>
+          </a:blip>
+          <a:stretch>
+            <a:fillRect/>
+          </a:stretch>
+        </p:blipFill>
+        <p:spPr>
+          <a:xfrm>
+            <a:off x="762000" y="0"/>
+            <a:ext cx="7620000" cy="6858000"/>
+          </a:xfrm>
+          <a:prstGeom prst="rect">
+            <a:avLst/>
+          </a:prstGeom>
+        </p:spPr>
+      </p:pic>
+    </p:spTree>
+    <p:extLst>
+      <p:ext uri="{BB962C8B-B14F-4D97-AF65-F5344CB8AC3E}">
+        <p14:creationId xmlns:p14="http://schemas.microsoft.com/office/powerpoint/2010/main" val="1942052109"/>
+      </p:ext>
+    </p:extLst>
+  </p:cSld>
+  <p:clrMapOvr>
+    <a:masterClrMapping/>
+  </p:clrMapOvr>
+</p:sld>
+</file>
+
+<file path=ppt/slides/slide36.xml><?xml version="1.0" encoding="utf-8"?>
+<p:sld xmlns:a="http://schemas.openxmlformats.org/drawingml/2006/main" xmlns:r="http://schemas.openxmlformats.org/officeDocument/2006/relationships" xmlns:p="http://schemas.openxmlformats.org/presentationml/2006/main">
+  <p:cSld>
+    <p:spTree>
+      <p:nvGrpSpPr>
+        <p:cNvPr id="1" name=""/>
+        <p:cNvGrpSpPr/>
+        <p:nvPr/>
+      </p:nvGrpSpPr>
+      <p:grpSpPr>
+        <a:xfrm>
+          <a:off x="0" y="0"/>
+          <a:ext cx="0" cy="0"/>
+          <a:chOff x="0" y="0"/>
+          <a:chExt cx="0" cy="0"/>
+        </a:xfrm>
+      </p:grpSpPr>
+      <p:pic>
+        <p:nvPicPr>
+          <p:cNvPr id="5" name="Picture 4" descr="Screen Shot 2015-05-27 at 11.56.40 PM.png"/>
+          <p:cNvPicPr>
+            <a:picLocks noChangeAspect="1"/>
+          </p:cNvPicPr>
+          <p:nvPr/>
+        </p:nvPicPr>
+        <p:blipFill>
+          <a:blip r:embed="rId2">
+            <a:extLst>
+              <a:ext uri="{28A0092B-C50C-407E-A947-70E740481C1C}">
+                <a14:useLocalDpi xmlns:a14="http://schemas.microsoft.com/office/drawing/2010/main" val="0"/>
+              </a:ext>
+            </a:extLst>
+          </a:blip>
+          <a:stretch>
+            <a:fillRect/>
+          </a:stretch>
+        </p:blipFill>
+        <p:spPr>
+          <a:xfrm>
+            <a:off x="114300" y="253999"/>
+            <a:ext cx="8902700" cy="5687898"/>
+          </a:xfrm>
+          <a:prstGeom prst="rect">
+            <a:avLst/>
+          </a:prstGeom>
+        </p:spPr>
+      </p:pic>
+    </p:spTree>
+    <p:extLst>
+      <p:ext uri="{BB962C8B-B14F-4D97-AF65-F5344CB8AC3E}">
+        <p14:creationId xmlns:p14="http://schemas.microsoft.com/office/powerpoint/2010/main" val="486332501"/>
+      </p:ext>
+    </p:extLst>
+  </p:cSld>
+  <p:clrMapOvr>
+    <a:masterClrMapping/>
+  </p:clrMapOvr>
+</p:sld>
+</file>
+
+<file path=ppt/slides/slide37.xml><?xml version="1.0" encoding="utf-8"?>
+<p:sld xmlns:a="http://schemas.openxmlformats.org/drawingml/2006/main" xmlns:r="http://schemas.openxmlformats.org/officeDocument/2006/relationships" xmlns:p="http://schemas.openxmlformats.org/presentationml/2006/main">
+  <p:cSld>
+    <p:spTree>
+      <p:nvGrpSpPr>
+        <p:cNvPr id="1" name=""/>
+        <p:cNvGrpSpPr/>
+        <p:nvPr/>
+      </p:nvGrpSpPr>
+      <p:grpSpPr>
+        <a:xfrm>
+          <a:off x="0" y="0"/>
+          <a:ext cx="0" cy="0"/>
+          <a:chOff x="0" y="0"/>
+          <a:chExt cx="0" cy="0"/>
+        </a:xfrm>
+      </p:grpSpPr>
+      <p:pic>
+        <p:nvPicPr>
+          <p:cNvPr id="4" name="Picture 3" descr="Screen Shot 2015-05-27 at 11.56.03 PM.png"/>
+          <p:cNvPicPr>
+            <a:picLocks noChangeAspect="1"/>
+          </p:cNvPicPr>
+          <p:nvPr/>
+        </p:nvPicPr>
+        <p:blipFill>
+          <a:blip r:embed="rId2">
+            <a:extLst>
+              <a:ext uri="{28A0092B-C50C-407E-A947-70E740481C1C}">
+                <a14:useLocalDpi xmlns:a14="http://schemas.microsoft.com/office/drawing/2010/main" val="0"/>
+              </a:ext>
+            </a:extLst>
+          </a:blip>
+          <a:stretch>
+            <a:fillRect/>
+          </a:stretch>
+        </p:blipFill>
+        <p:spPr>
+          <a:xfrm>
+            <a:off x="0" y="1401529"/>
+            <a:ext cx="9144000" cy="4781048"/>
+          </a:xfrm>
+          <a:prstGeom prst="rect">
+            <a:avLst/>
+          </a:prstGeom>
+        </p:spPr>
+      </p:pic>
+    </p:spTree>
+    <p:extLst>
+      <p:ext uri="{BB962C8B-B14F-4D97-AF65-F5344CB8AC3E}">
+        <p14:creationId xmlns:p14="http://schemas.microsoft.com/office/powerpoint/2010/main" val="363546125"/>
+      </p:ext>
+    </p:extLst>
+  </p:cSld>
+  <p:clrMapOvr>
+    <a:masterClrMapping/>
+  </p:clrMapOvr>
+</p:sld>
+</file>
+
+<file path=ppt/slides/slide38.xml><?xml version="1.0" encoding="utf-8"?>
 <p:sld xmlns:a="http://schemas.openxmlformats.org/drawingml/2006/main" xmlns:r="http://schemas.openxmlformats.org/officeDocument/2006/relationships" xmlns:p="http://schemas.openxmlformats.org/presentationml/2006/main">
   <p:cSld>
     <p:spTree>
